--- a/draw.pptx
+++ b/draw.pptx
@@ -11,7 +11,8 @@
     <p:sldId id="258" r:id="rId5"/>
     <p:sldId id="260" r:id="rId6"/>
     <p:sldId id="261" r:id="rId7"/>
-    <p:sldId id="262" r:id="rId8"/>
+    <p:sldId id="263" r:id="rId8"/>
+    <p:sldId id="264" r:id="rId9"/>
   </p:sldIdLst>
   <p:sldSz cx="12192000" cy="6858000"/>
   <p:notesSz cx="6858000" cy="9144000"/>
@@ -26539,7 +26540,7 @@
           <a:p>
             <a:fld id="{F8B1F7C6-8BFB-4D30-9B82-29AE46787E04}" type="datetimeFigureOut">
               <a:rPr lang="en-US" smtClean="0"/>
-              <a:t>1/16/2025</a:t>
+              <a:t>2/11/2025</a:t>
             </a:fld>
             <a:endParaRPr lang="en-US"/>
           </a:p>
@@ -26737,7 +26738,7 @@
           <a:p>
             <a:fld id="{F8B1F7C6-8BFB-4D30-9B82-29AE46787E04}" type="datetimeFigureOut">
               <a:rPr lang="en-US" smtClean="0"/>
-              <a:t>1/16/2025</a:t>
+              <a:t>2/11/2025</a:t>
             </a:fld>
             <a:endParaRPr lang="en-US"/>
           </a:p>
@@ -26945,7 +26946,7 @@
           <a:p>
             <a:fld id="{F8B1F7C6-8BFB-4D30-9B82-29AE46787E04}" type="datetimeFigureOut">
               <a:rPr lang="en-US" smtClean="0"/>
-              <a:t>1/16/2025</a:t>
+              <a:t>2/11/2025</a:t>
             </a:fld>
             <a:endParaRPr lang="en-US"/>
           </a:p>
@@ -27143,7 +27144,7 @@
           <a:p>
             <a:fld id="{F8B1F7C6-8BFB-4D30-9B82-29AE46787E04}" type="datetimeFigureOut">
               <a:rPr lang="en-US" smtClean="0"/>
-              <a:t>1/16/2025</a:t>
+              <a:t>2/11/2025</a:t>
             </a:fld>
             <a:endParaRPr lang="en-US"/>
           </a:p>
@@ -27418,7 +27419,7 @@
           <a:p>
             <a:fld id="{F8B1F7C6-8BFB-4D30-9B82-29AE46787E04}" type="datetimeFigureOut">
               <a:rPr lang="en-US" smtClean="0"/>
-              <a:t>1/16/2025</a:t>
+              <a:t>2/11/2025</a:t>
             </a:fld>
             <a:endParaRPr lang="en-US"/>
           </a:p>
@@ -27683,7 +27684,7 @@
           <a:p>
             <a:fld id="{F8B1F7C6-8BFB-4D30-9B82-29AE46787E04}" type="datetimeFigureOut">
               <a:rPr lang="en-US" smtClean="0"/>
-              <a:t>1/16/2025</a:t>
+              <a:t>2/11/2025</a:t>
             </a:fld>
             <a:endParaRPr lang="en-US"/>
           </a:p>
@@ -28095,7 +28096,7 @@
           <a:p>
             <a:fld id="{F8B1F7C6-8BFB-4D30-9B82-29AE46787E04}" type="datetimeFigureOut">
               <a:rPr lang="en-US" smtClean="0"/>
-              <a:t>1/16/2025</a:t>
+              <a:t>2/11/2025</a:t>
             </a:fld>
             <a:endParaRPr lang="en-US"/>
           </a:p>
@@ -28236,7 +28237,7 @@
           <a:p>
             <a:fld id="{F8B1F7C6-8BFB-4D30-9B82-29AE46787E04}" type="datetimeFigureOut">
               <a:rPr lang="en-US" smtClean="0"/>
-              <a:t>1/16/2025</a:t>
+              <a:t>2/11/2025</a:t>
             </a:fld>
             <a:endParaRPr lang="en-US"/>
           </a:p>
@@ -28349,7 +28350,7 @@
           <a:p>
             <a:fld id="{F8B1F7C6-8BFB-4D30-9B82-29AE46787E04}" type="datetimeFigureOut">
               <a:rPr lang="en-US" smtClean="0"/>
-              <a:t>1/16/2025</a:t>
+              <a:t>2/11/2025</a:t>
             </a:fld>
             <a:endParaRPr lang="en-US"/>
           </a:p>
@@ -28660,7 +28661,7 @@
           <a:p>
             <a:fld id="{F8B1F7C6-8BFB-4D30-9B82-29AE46787E04}" type="datetimeFigureOut">
               <a:rPr lang="en-US" smtClean="0"/>
-              <a:t>1/16/2025</a:t>
+              <a:t>2/11/2025</a:t>
             </a:fld>
             <a:endParaRPr lang="en-US"/>
           </a:p>
@@ -28948,7 +28949,7 @@
           <a:p>
             <a:fld id="{F8B1F7C6-8BFB-4D30-9B82-29AE46787E04}" type="datetimeFigureOut">
               <a:rPr lang="en-US" smtClean="0"/>
-              <a:t>1/16/2025</a:t>
+              <a:t>2/11/2025</a:t>
             </a:fld>
             <a:endParaRPr lang="en-US"/>
           </a:p>
@@ -29189,7 +29190,7 @@
           <a:p>
             <a:fld id="{F8B1F7C6-8BFB-4D30-9B82-29AE46787E04}" type="datetimeFigureOut">
               <a:rPr lang="en-US" smtClean="0"/>
-              <a:t>1/16/2025</a:t>
+              <a:t>2/11/2025</a:t>
             </a:fld>
             <a:endParaRPr lang="en-US"/>
           </a:p>
@@ -36050,10 +36051,836 @@
           <a:chExt cx="0" cy="0"/>
         </a:xfrm>
       </p:grpSpPr>
+      <p:pic>
+        <p:nvPicPr>
+          <p:cNvPr id="5" name="Picture 4" descr="A diagram of a graph&#10;&#10;AI-generated content may be incorrect.">
+            <a:extLst>
+              <a:ext uri="{FF2B5EF4-FFF2-40B4-BE49-F238E27FC236}">
+                <a16:creationId xmlns:a16="http://schemas.microsoft.com/office/drawing/2014/main" id="{A21E3B58-73A1-C7E4-1475-696B124E52CF}"/>
+              </a:ext>
+            </a:extLst>
+          </p:cNvPr>
+          <p:cNvPicPr>
+            <a:picLocks noChangeAspect="1"/>
+          </p:cNvPicPr>
+          <p:nvPr/>
+        </p:nvPicPr>
+        <p:blipFill>
+          <a:blip r:embed="rId2">
+            <a:extLst>
+              <a:ext uri="{28A0092B-C50C-407E-A947-70E740481C1C}">
+                <a14:useLocalDpi xmlns:a14="http://schemas.microsoft.com/office/drawing/2010/main" val="0"/>
+              </a:ext>
+            </a:extLst>
+          </a:blip>
+          <a:stretch>
+            <a:fillRect/>
+          </a:stretch>
+        </p:blipFill>
+        <p:spPr>
+          <a:xfrm>
+            <a:off x="571190" y="1431947"/>
+            <a:ext cx="4773177" cy="3511303"/>
+          </a:xfrm>
+          <a:prstGeom prst="rect">
+            <a:avLst/>
+          </a:prstGeom>
+        </p:spPr>
+      </p:pic>
+      <p:sp>
+        <p:nvSpPr>
+          <p:cNvPr id="6" name="Arrow: Right 5">
+            <a:extLst>
+              <a:ext uri="{FF2B5EF4-FFF2-40B4-BE49-F238E27FC236}">
+                <a16:creationId xmlns:a16="http://schemas.microsoft.com/office/drawing/2014/main" id="{B7791369-A47A-7800-EE9D-A249B8270A97}"/>
+              </a:ext>
+            </a:extLst>
+          </p:cNvPr>
+          <p:cNvSpPr/>
+          <p:nvPr/>
+        </p:nvSpPr>
+        <p:spPr>
+          <a:xfrm>
+            <a:off x="5344367" y="3138737"/>
+            <a:ext cx="994874" cy="760781"/>
+          </a:xfrm>
+          <a:prstGeom prst="rightArrow">
+            <a:avLst/>
+          </a:prstGeom>
+        </p:spPr>
+        <p:style>
+          <a:lnRef idx="2">
+            <a:schemeClr val="accent1">
+              <a:shade val="15000"/>
+            </a:schemeClr>
+          </a:lnRef>
+          <a:fillRef idx="1">
+            <a:schemeClr val="accent1"/>
+          </a:fillRef>
+          <a:effectRef idx="0">
+            <a:schemeClr val="accent1"/>
+          </a:effectRef>
+          <a:fontRef idx="minor">
+            <a:schemeClr val="lt1"/>
+          </a:fontRef>
+        </p:style>
+        <p:txBody>
+          <a:bodyPr rtlCol="0" anchor="ctr"/>
+          <a:lstStyle/>
+          <a:p>
+            <a:pPr algn="ctr"/>
+            <a:endParaRPr lang="en-US"/>
+          </a:p>
+        </p:txBody>
+      </p:sp>
+      <p:cxnSp>
+        <p:nvCxnSpPr>
+          <p:cNvPr id="8" name="Straight Arrow Connector 7">
+            <a:extLst>
+              <a:ext uri="{FF2B5EF4-FFF2-40B4-BE49-F238E27FC236}">
+                <a16:creationId xmlns:a16="http://schemas.microsoft.com/office/drawing/2014/main" id="{796E60D4-A150-4289-915B-9592E876A3B1}"/>
+              </a:ext>
+            </a:extLst>
+          </p:cNvPr>
+          <p:cNvCxnSpPr/>
+          <p:nvPr/>
+        </p:nvCxnSpPr>
+        <p:spPr>
+          <a:xfrm>
+            <a:off x="6540403" y="3552898"/>
+            <a:ext cx="4320715" cy="0"/>
+          </a:xfrm>
+          <a:prstGeom prst="straightConnector1">
+            <a:avLst/>
+          </a:prstGeom>
+          <a:ln>
+            <a:tailEnd type="triangle"/>
+          </a:ln>
+        </p:spPr>
+        <p:style>
+          <a:lnRef idx="2">
+            <a:schemeClr val="dk1"/>
+          </a:lnRef>
+          <a:fillRef idx="0">
+            <a:schemeClr val="dk1"/>
+          </a:fillRef>
+          <a:effectRef idx="1">
+            <a:schemeClr val="dk1"/>
+          </a:effectRef>
+          <a:fontRef idx="minor">
+            <a:schemeClr val="tx1"/>
+          </a:fontRef>
+        </p:style>
+      </p:cxnSp>
+      <p:cxnSp>
+        <p:nvCxnSpPr>
+          <p:cNvPr id="10" name="Straight Connector 9">
+            <a:extLst>
+              <a:ext uri="{FF2B5EF4-FFF2-40B4-BE49-F238E27FC236}">
+                <a16:creationId xmlns:a16="http://schemas.microsoft.com/office/drawing/2014/main" id="{17254F95-0597-BD36-A6CF-91CC348FA37D}"/>
+              </a:ext>
+            </a:extLst>
+          </p:cNvPr>
+          <p:cNvCxnSpPr/>
+          <p:nvPr/>
+        </p:nvCxnSpPr>
+        <p:spPr>
+          <a:xfrm flipV="1">
+            <a:off x="8439005" y="3313827"/>
+            <a:ext cx="0" cy="230345"/>
+          </a:xfrm>
+          <a:prstGeom prst="line">
+            <a:avLst/>
+          </a:prstGeom>
+        </p:spPr>
+        <p:style>
+          <a:lnRef idx="2">
+            <a:schemeClr val="dk1"/>
+          </a:lnRef>
+          <a:fillRef idx="0">
+            <a:schemeClr val="dk1"/>
+          </a:fillRef>
+          <a:effectRef idx="1">
+            <a:schemeClr val="dk1"/>
+          </a:effectRef>
+          <a:fontRef idx="minor">
+            <a:schemeClr val="tx1"/>
+          </a:fontRef>
+        </p:style>
+      </p:cxnSp>
+      <p:cxnSp>
+        <p:nvCxnSpPr>
+          <p:cNvPr id="12" name="Straight Connector 11">
+            <a:extLst>
+              <a:ext uri="{FF2B5EF4-FFF2-40B4-BE49-F238E27FC236}">
+                <a16:creationId xmlns:a16="http://schemas.microsoft.com/office/drawing/2014/main" id="{7384CF89-5412-A012-7365-68DCFD372333}"/>
+              </a:ext>
+            </a:extLst>
+          </p:cNvPr>
+          <p:cNvCxnSpPr/>
+          <p:nvPr/>
+        </p:nvCxnSpPr>
+        <p:spPr>
+          <a:xfrm flipV="1">
+            <a:off x="8834546" y="3322552"/>
+            <a:ext cx="0" cy="230345"/>
+          </a:xfrm>
+          <a:prstGeom prst="line">
+            <a:avLst/>
+          </a:prstGeom>
+        </p:spPr>
+        <p:style>
+          <a:lnRef idx="2">
+            <a:schemeClr val="dk1"/>
+          </a:lnRef>
+          <a:fillRef idx="0">
+            <a:schemeClr val="dk1"/>
+          </a:fillRef>
+          <a:effectRef idx="1">
+            <a:schemeClr val="dk1"/>
+          </a:effectRef>
+          <a:fontRef idx="minor">
+            <a:schemeClr val="tx1"/>
+          </a:fontRef>
+        </p:style>
+      </p:cxnSp>
+      <p:cxnSp>
+        <p:nvCxnSpPr>
+          <p:cNvPr id="13" name="Straight Connector 12">
+            <a:extLst>
+              <a:ext uri="{FF2B5EF4-FFF2-40B4-BE49-F238E27FC236}">
+                <a16:creationId xmlns:a16="http://schemas.microsoft.com/office/drawing/2014/main" id="{14483165-F8BB-11C4-7F40-6AB19B451783}"/>
+              </a:ext>
+            </a:extLst>
+          </p:cNvPr>
+          <p:cNvCxnSpPr/>
+          <p:nvPr/>
+        </p:nvCxnSpPr>
+        <p:spPr>
+          <a:xfrm flipV="1">
+            <a:off x="6991786" y="3313827"/>
+            <a:ext cx="0" cy="230345"/>
+          </a:xfrm>
+          <a:prstGeom prst="line">
+            <a:avLst/>
+          </a:prstGeom>
+        </p:spPr>
+        <p:style>
+          <a:lnRef idx="2">
+            <a:schemeClr val="dk1"/>
+          </a:lnRef>
+          <a:fillRef idx="0">
+            <a:schemeClr val="dk1"/>
+          </a:fillRef>
+          <a:effectRef idx="1">
+            <a:schemeClr val="dk1"/>
+          </a:effectRef>
+          <a:fontRef idx="minor">
+            <a:schemeClr val="tx1"/>
+          </a:fontRef>
+        </p:style>
+      </p:cxnSp>
+      <p:cxnSp>
+        <p:nvCxnSpPr>
+          <p:cNvPr id="14" name="Straight Connector 13">
+            <a:extLst>
+              <a:ext uri="{FF2B5EF4-FFF2-40B4-BE49-F238E27FC236}">
+                <a16:creationId xmlns:a16="http://schemas.microsoft.com/office/drawing/2014/main" id="{EAB24A76-50EE-5955-03D2-A9ED0BABF521}"/>
+              </a:ext>
+            </a:extLst>
+          </p:cNvPr>
+          <p:cNvCxnSpPr/>
+          <p:nvPr/>
+        </p:nvCxnSpPr>
+        <p:spPr>
+          <a:xfrm flipV="1">
+            <a:off x="9881569" y="3322551"/>
+            <a:ext cx="0" cy="230345"/>
+          </a:xfrm>
+          <a:prstGeom prst="line">
+            <a:avLst/>
+          </a:prstGeom>
+        </p:spPr>
+        <p:style>
+          <a:lnRef idx="2">
+            <a:schemeClr val="dk1"/>
+          </a:lnRef>
+          <a:fillRef idx="0">
+            <a:schemeClr val="dk1"/>
+          </a:fillRef>
+          <a:effectRef idx="1">
+            <a:schemeClr val="dk1"/>
+          </a:effectRef>
+          <a:fontRef idx="minor">
+            <a:schemeClr val="tx1"/>
+          </a:fontRef>
+        </p:style>
+      </p:cxnSp>
+      <p:sp>
+        <p:nvSpPr>
+          <p:cNvPr id="15" name="TextBox 14">
+            <a:extLst>
+              <a:ext uri="{FF2B5EF4-FFF2-40B4-BE49-F238E27FC236}">
+                <a16:creationId xmlns:a16="http://schemas.microsoft.com/office/drawing/2014/main" id="{52636132-B545-2F62-16F8-987522E06343}"/>
+              </a:ext>
+            </a:extLst>
+          </p:cNvPr>
+          <p:cNvSpPr txBox="1"/>
+          <p:nvPr/>
+        </p:nvSpPr>
+        <p:spPr>
+          <a:xfrm>
+            <a:off x="6575740" y="3598578"/>
+            <a:ext cx="1123805" cy="369332"/>
+          </a:xfrm>
+          <a:prstGeom prst="rect">
+            <a:avLst/>
+          </a:prstGeom>
+          <a:noFill/>
+        </p:spPr>
+        <p:txBody>
+          <a:bodyPr wrap="square" rtlCol="0">
+            <a:spAutoFit/>
+          </a:bodyPr>
+          <a:lstStyle/>
+          <a:p>
+            <a:r>
+              <a:rPr lang="en-US" dirty="0"/>
+              <a:t>-2.658</a:t>
+            </a:r>
+          </a:p>
+        </p:txBody>
+      </p:sp>
+      <p:sp>
+        <p:nvSpPr>
+          <p:cNvPr id="16" name="TextBox 15">
+            <a:extLst>
+              <a:ext uri="{FF2B5EF4-FFF2-40B4-BE49-F238E27FC236}">
+                <a16:creationId xmlns:a16="http://schemas.microsoft.com/office/drawing/2014/main" id="{739A4F02-9CEA-D528-90EF-3358A9CBF5F3}"/>
+              </a:ext>
+            </a:extLst>
+          </p:cNvPr>
+          <p:cNvSpPr txBox="1"/>
+          <p:nvPr/>
+        </p:nvSpPr>
+        <p:spPr>
+          <a:xfrm>
+            <a:off x="7852558" y="3597952"/>
+            <a:ext cx="1123805" cy="369332"/>
+          </a:xfrm>
+          <a:prstGeom prst="rect">
+            <a:avLst/>
+          </a:prstGeom>
+          <a:noFill/>
+        </p:spPr>
+        <p:txBody>
+          <a:bodyPr wrap="square" rtlCol="0">
+            <a:spAutoFit/>
+          </a:bodyPr>
+          <a:lstStyle/>
+          <a:p>
+            <a:r>
+              <a:rPr lang="en-US" dirty="0"/>
+              <a:t>-0.658</a:t>
+            </a:r>
+          </a:p>
+        </p:txBody>
+      </p:sp>
+      <p:sp>
+        <p:nvSpPr>
+          <p:cNvPr id="17" name="TextBox 16">
+            <a:extLst>
+              <a:ext uri="{FF2B5EF4-FFF2-40B4-BE49-F238E27FC236}">
+                <a16:creationId xmlns:a16="http://schemas.microsoft.com/office/drawing/2014/main" id="{C3ABA42C-FAF2-103B-9DA3-410ADA73DD14}"/>
+              </a:ext>
+            </a:extLst>
+          </p:cNvPr>
+          <p:cNvSpPr txBox="1"/>
+          <p:nvPr/>
+        </p:nvSpPr>
+        <p:spPr>
+          <a:xfrm>
+            <a:off x="8576218" y="3597952"/>
+            <a:ext cx="1123805" cy="369332"/>
+          </a:xfrm>
+          <a:prstGeom prst="rect">
+            <a:avLst/>
+          </a:prstGeom>
+          <a:noFill/>
+        </p:spPr>
+        <p:txBody>
+          <a:bodyPr wrap="square" rtlCol="0">
+            <a:spAutoFit/>
+          </a:bodyPr>
+          <a:lstStyle/>
+          <a:p>
+            <a:r>
+              <a:rPr lang="en-US" dirty="0"/>
+              <a:t> 0.658</a:t>
+            </a:r>
+          </a:p>
+        </p:txBody>
+      </p:sp>
+      <p:sp>
+        <p:nvSpPr>
+          <p:cNvPr id="18" name="TextBox 17">
+            <a:extLst>
+              <a:ext uri="{FF2B5EF4-FFF2-40B4-BE49-F238E27FC236}">
+                <a16:creationId xmlns:a16="http://schemas.microsoft.com/office/drawing/2014/main" id="{4B942FD7-DEDF-6C80-53B6-64F2FC251EB9}"/>
+              </a:ext>
+            </a:extLst>
+          </p:cNvPr>
+          <p:cNvSpPr txBox="1"/>
+          <p:nvPr/>
+        </p:nvSpPr>
+        <p:spPr>
+          <a:xfrm>
+            <a:off x="9560482" y="3597954"/>
+            <a:ext cx="1123805" cy="369332"/>
+          </a:xfrm>
+          <a:prstGeom prst="rect">
+            <a:avLst/>
+          </a:prstGeom>
+          <a:noFill/>
+        </p:spPr>
+        <p:txBody>
+          <a:bodyPr wrap="square" rtlCol="0">
+            <a:spAutoFit/>
+          </a:bodyPr>
+          <a:lstStyle/>
+          <a:p>
+            <a:r>
+              <a:rPr lang="en-US" dirty="0"/>
+              <a:t>2.658</a:t>
+            </a:r>
+          </a:p>
+        </p:txBody>
+      </p:sp>
+      <p:sp>
+        <p:nvSpPr>
+          <p:cNvPr id="19" name="TextBox 18">
+            <a:extLst>
+              <a:ext uri="{FF2B5EF4-FFF2-40B4-BE49-F238E27FC236}">
+                <a16:creationId xmlns:a16="http://schemas.microsoft.com/office/drawing/2014/main" id="{41BACAF0-2873-22B9-4BFD-0005DF38197F}"/>
+              </a:ext>
+            </a:extLst>
+          </p:cNvPr>
+          <p:cNvSpPr txBox="1"/>
+          <p:nvPr/>
+        </p:nvSpPr>
+        <p:spPr>
+          <a:xfrm>
+            <a:off x="6758169" y="2908054"/>
+            <a:ext cx="467234" cy="369332"/>
+          </a:xfrm>
+          <a:prstGeom prst="rect">
+            <a:avLst/>
+          </a:prstGeom>
+          <a:noFill/>
+        </p:spPr>
+        <p:txBody>
+          <a:bodyPr wrap="square" rtlCol="0">
+            <a:spAutoFit/>
+          </a:bodyPr>
+          <a:lstStyle/>
+          <a:p>
+            <a:r>
+              <a:rPr lang="en-US" dirty="0"/>
+              <a:t>+1</a:t>
+            </a:r>
+          </a:p>
+        </p:txBody>
+      </p:sp>
+      <p:sp>
+        <p:nvSpPr>
+          <p:cNvPr id="20" name="TextBox 19">
+            <a:extLst>
+              <a:ext uri="{FF2B5EF4-FFF2-40B4-BE49-F238E27FC236}">
+                <a16:creationId xmlns:a16="http://schemas.microsoft.com/office/drawing/2014/main" id="{894A04C6-E743-2492-A645-E5DDCCC691A1}"/>
+              </a:ext>
+            </a:extLst>
+          </p:cNvPr>
+          <p:cNvSpPr txBox="1"/>
+          <p:nvPr/>
+        </p:nvSpPr>
+        <p:spPr>
+          <a:xfrm>
+            <a:off x="8220277" y="2907398"/>
+            <a:ext cx="467234" cy="369332"/>
+          </a:xfrm>
+          <a:prstGeom prst="rect">
+            <a:avLst/>
+          </a:prstGeom>
+          <a:noFill/>
+        </p:spPr>
+        <p:txBody>
+          <a:bodyPr wrap="square" rtlCol="0">
+            <a:spAutoFit/>
+          </a:bodyPr>
+          <a:lstStyle/>
+          <a:p>
+            <a:r>
+              <a:rPr lang="en-US" dirty="0"/>
+              <a:t>+1</a:t>
+            </a:r>
+          </a:p>
+        </p:txBody>
+      </p:sp>
+      <p:sp>
+        <p:nvSpPr>
+          <p:cNvPr id="21" name="TextBox 20">
+            <a:extLst>
+              <a:ext uri="{FF2B5EF4-FFF2-40B4-BE49-F238E27FC236}">
+                <a16:creationId xmlns:a16="http://schemas.microsoft.com/office/drawing/2014/main" id="{34A7D903-A4DD-61C0-FCE9-03C75079637D}"/>
+              </a:ext>
+            </a:extLst>
+          </p:cNvPr>
+          <p:cNvSpPr txBox="1"/>
+          <p:nvPr/>
+        </p:nvSpPr>
+        <p:spPr>
+          <a:xfrm>
+            <a:off x="9682385" y="2907398"/>
+            <a:ext cx="467234" cy="369332"/>
+          </a:xfrm>
+          <a:prstGeom prst="rect">
+            <a:avLst/>
+          </a:prstGeom>
+          <a:noFill/>
+        </p:spPr>
+        <p:txBody>
+          <a:bodyPr wrap="square" rtlCol="0">
+            <a:spAutoFit/>
+          </a:bodyPr>
+          <a:lstStyle/>
+          <a:p>
+            <a:r>
+              <a:rPr lang="en-US" dirty="0"/>
+              <a:t>-1</a:t>
+            </a:r>
+          </a:p>
+        </p:txBody>
+      </p:sp>
+      <p:sp>
+        <p:nvSpPr>
+          <p:cNvPr id="22" name="TextBox 21">
+            <a:extLst>
+              <a:ext uri="{FF2B5EF4-FFF2-40B4-BE49-F238E27FC236}">
+                <a16:creationId xmlns:a16="http://schemas.microsoft.com/office/drawing/2014/main" id="{E16A7217-1C86-BA87-5786-0E00F8642D21}"/>
+              </a:ext>
+            </a:extLst>
+          </p:cNvPr>
+          <p:cNvSpPr txBox="1"/>
+          <p:nvPr/>
+        </p:nvSpPr>
+        <p:spPr>
+          <a:xfrm>
+            <a:off x="8672622" y="2907541"/>
+            <a:ext cx="467234" cy="369332"/>
+          </a:xfrm>
+          <a:prstGeom prst="rect">
+            <a:avLst/>
+          </a:prstGeom>
+          <a:noFill/>
+        </p:spPr>
+        <p:txBody>
+          <a:bodyPr wrap="square" rtlCol="0">
+            <a:spAutoFit/>
+          </a:bodyPr>
+          <a:lstStyle/>
+          <a:p>
+            <a:r>
+              <a:rPr lang="en-US" dirty="0"/>
+              <a:t>-1</a:t>
+            </a:r>
+          </a:p>
+        </p:txBody>
+      </p:sp>
+      <p:sp>
+        <p:nvSpPr>
+          <p:cNvPr id="23" name="TextBox 22">
+            <a:extLst>
+              <a:ext uri="{FF2B5EF4-FFF2-40B4-BE49-F238E27FC236}">
+                <a16:creationId xmlns:a16="http://schemas.microsoft.com/office/drawing/2014/main" id="{9E2FA807-7A53-4095-38AF-BCCA9A249786}"/>
+              </a:ext>
+            </a:extLst>
+          </p:cNvPr>
+          <p:cNvSpPr txBox="1"/>
+          <p:nvPr/>
+        </p:nvSpPr>
+        <p:spPr>
+          <a:xfrm>
+            <a:off x="10423970" y="3552272"/>
+            <a:ext cx="1123805" cy="369332"/>
+          </a:xfrm>
+          <a:prstGeom prst="rect">
+            <a:avLst/>
+          </a:prstGeom>
+          <a:noFill/>
+        </p:spPr>
+        <p:txBody>
+          <a:bodyPr wrap="square" rtlCol="0">
+            <a:spAutoFit/>
+          </a:bodyPr>
+          <a:lstStyle/>
+          <a:p>
+            <a:r>
+              <a:rPr lang="en-US" i="1" dirty="0">
+                <a:latin typeface="Times New Roman" panose="02020603050405020304" pitchFamily="18" charset="0"/>
+                <a:cs typeface="Times New Roman" panose="02020603050405020304" pitchFamily="18" charset="0"/>
+              </a:rPr>
+              <a:t>value</a:t>
+            </a:r>
+          </a:p>
+        </p:txBody>
+      </p:sp>
+      <p:sp>
+        <p:nvSpPr>
+          <p:cNvPr id="24" name="TextBox 23">
+            <a:extLst>
+              <a:ext uri="{FF2B5EF4-FFF2-40B4-BE49-F238E27FC236}">
+                <a16:creationId xmlns:a16="http://schemas.microsoft.com/office/drawing/2014/main" id="{6D7C63B9-C76D-3E31-ECA0-1BF1BD200DA6}"/>
+              </a:ext>
+            </a:extLst>
+          </p:cNvPr>
+          <p:cNvSpPr txBox="1"/>
+          <p:nvPr/>
+        </p:nvSpPr>
+        <p:spPr>
+          <a:xfrm>
+            <a:off x="10419751" y="3137885"/>
+            <a:ext cx="1123805" cy="369332"/>
+          </a:xfrm>
+          <a:prstGeom prst="rect">
+            <a:avLst/>
+          </a:prstGeom>
+          <a:noFill/>
+        </p:spPr>
+        <p:txBody>
+          <a:bodyPr wrap="square" rtlCol="0">
+            <a:spAutoFit/>
+          </a:bodyPr>
+          <a:lstStyle/>
+          <a:p>
+            <a:r>
+              <a:rPr lang="en-US" i="1" dirty="0">
+                <a:latin typeface="Times New Roman" panose="02020603050405020304" pitchFamily="18" charset="0"/>
+                <a:cs typeface="Times New Roman" panose="02020603050405020304" pitchFamily="18" charset="0"/>
+              </a:rPr>
+              <a:t>score</a:t>
+            </a:r>
+          </a:p>
+        </p:txBody>
+      </p:sp>
+      <p:sp>
+        <p:nvSpPr>
+          <p:cNvPr id="3" name="TextBox 2">
+            <a:extLst>
+              <a:ext uri="{FF2B5EF4-FFF2-40B4-BE49-F238E27FC236}">
+                <a16:creationId xmlns:a16="http://schemas.microsoft.com/office/drawing/2014/main" id="{CD2B4197-BB06-A95D-BF28-937E91871D1A}"/>
+              </a:ext>
+            </a:extLst>
+          </p:cNvPr>
+          <p:cNvSpPr txBox="1"/>
+          <p:nvPr/>
+        </p:nvSpPr>
+        <p:spPr>
+          <a:xfrm>
+            <a:off x="6417604" y="3199579"/>
+            <a:ext cx="467234" cy="369332"/>
+          </a:xfrm>
+          <a:prstGeom prst="rect">
+            <a:avLst/>
+          </a:prstGeom>
+          <a:noFill/>
+        </p:spPr>
+        <p:txBody>
+          <a:bodyPr wrap="square" rtlCol="0">
+            <a:spAutoFit/>
+          </a:bodyPr>
+          <a:lstStyle/>
+          <a:p>
+            <a:r>
+              <a:rPr lang="en-US" dirty="0"/>
+              <a:t>-1</a:t>
+            </a:r>
+          </a:p>
+        </p:txBody>
+      </p:sp>
+      <p:sp>
+        <p:nvSpPr>
+          <p:cNvPr id="4" name="TextBox 3">
+            <a:extLst>
+              <a:ext uri="{FF2B5EF4-FFF2-40B4-BE49-F238E27FC236}">
+                <a16:creationId xmlns:a16="http://schemas.microsoft.com/office/drawing/2014/main" id="{4B1F20D8-3797-340E-0676-BD76AAEBDC84}"/>
+              </a:ext>
+            </a:extLst>
+          </p:cNvPr>
+          <p:cNvSpPr txBox="1"/>
+          <p:nvPr/>
+        </p:nvSpPr>
+        <p:spPr>
+          <a:xfrm>
+            <a:off x="7493748" y="3199579"/>
+            <a:ext cx="467234" cy="369332"/>
+          </a:xfrm>
+          <a:prstGeom prst="rect">
+            <a:avLst/>
+          </a:prstGeom>
+          <a:noFill/>
+        </p:spPr>
+        <p:txBody>
+          <a:bodyPr wrap="square" rtlCol="0">
+            <a:spAutoFit/>
+          </a:bodyPr>
+          <a:lstStyle/>
+          <a:p>
+            <a:r>
+              <a:rPr lang="en-US" dirty="0"/>
+              <a:t>0</a:t>
+            </a:r>
+          </a:p>
+        </p:txBody>
+      </p:sp>
+      <p:sp>
+        <p:nvSpPr>
+          <p:cNvPr id="7" name="TextBox 6">
+            <a:extLst>
+              <a:ext uri="{FF2B5EF4-FFF2-40B4-BE49-F238E27FC236}">
+                <a16:creationId xmlns:a16="http://schemas.microsoft.com/office/drawing/2014/main" id="{FDF514A2-A4D2-0880-65FE-597DF859DD46}"/>
+              </a:ext>
+            </a:extLst>
+          </p:cNvPr>
+          <p:cNvSpPr txBox="1"/>
+          <p:nvPr/>
+        </p:nvSpPr>
+        <p:spPr>
+          <a:xfrm>
+            <a:off x="8491117" y="3199579"/>
+            <a:ext cx="467234" cy="369332"/>
+          </a:xfrm>
+          <a:prstGeom prst="rect">
+            <a:avLst/>
+          </a:prstGeom>
+          <a:noFill/>
+        </p:spPr>
+        <p:txBody>
+          <a:bodyPr wrap="square" rtlCol="0">
+            <a:spAutoFit/>
+          </a:bodyPr>
+          <a:lstStyle/>
+          <a:p>
+            <a:r>
+              <a:rPr lang="en-US" dirty="0"/>
+              <a:t>1</a:t>
+            </a:r>
+          </a:p>
+        </p:txBody>
+      </p:sp>
+      <p:sp>
+        <p:nvSpPr>
+          <p:cNvPr id="9" name="TextBox 8">
+            <a:extLst>
+              <a:ext uri="{FF2B5EF4-FFF2-40B4-BE49-F238E27FC236}">
+                <a16:creationId xmlns:a16="http://schemas.microsoft.com/office/drawing/2014/main" id="{E04E6462-148A-B6C2-9E1B-CC0088405A21}"/>
+              </a:ext>
+            </a:extLst>
+          </p:cNvPr>
+          <p:cNvSpPr txBox="1"/>
+          <p:nvPr/>
+        </p:nvSpPr>
+        <p:spPr>
+          <a:xfrm>
+            <a:off x="9174972" y="3191396"/>
+            <a:ext cx="467234" cy="369332"/>
+          </a:xfrm>
+          <a:prstGeom prst="rect">
+            <a:avLst/>
+          </a:prstGeom>
+          <a:noFill/>
+        </p:spPr>
+        <p:txBody>
+          <a:bodyPr wrap="square" rtlCol="0">
+            <a:spAutoFit/>
+          </a:bodyPr>
+          <a:lstStyle/>
+          <a:p>
+            <a:r>
+              <a:rPr lang="en-US" dirty="0"/>
+              <a:t>0</a:t>
+            </a:r>
+          </a:p>
+        </p:txBody>
+      </p:sp>
+      <p:sp>
+        <p:nvSpPr>
+          <p:cNvPr id="11" name="TextBox 10">
+            <a:extLst>
+              <a:ext uri="{FF2B5EF4-FFF2-40B4-BE49-F238E27FC236}">
+                <a16:creationId xmlns:a16="http://schemas.microsoft.com/office/drawing/2014/main" id="{8DBEBB5D-E40F-4C2A-C890-886323DE1AFC}"/>
+              </a:ext>
+            </a:extLst>
+          </p:cNvPr>
+          <p:cNvSpPr txBox="1"/>
+          <p:nvPr/>
+        </p:nvSpPr>
+        <p:spPr>
+          <a:xfrm>
+            <a:off x="10078782" y="3198809"/>
+            <a:ext cx="467234" cy="369332"/>
+          </a:xfrm>
+          <a:prstGeom prst="rect">
+            <a:avLst/>
+          </a:prstGeom>
+          <a:noFill/>
+        </p:spPr>
+        <p:txBody>
+          <a:bodyPr wrap="square" rtlCol="0">
+            <a:spAutoFit/>
+          </a:bodyPr>
+          <a:lstStyle/>
+          <a:p>
+            <a:r>
+              <a:rPr lang="en-US" dirty="0"/>
+              <a:t>-1</a:t>
+            </a:r>
+          </a:p>
+        </p:txBody>
+      </p:sp>
     </p:spTree>
     <p:extLst>
       <p:ext uri="{BB962C8B-B14F-4D97-AF65-F5344CB8AC3E}">
-        <p14:creationId xmlns:p14="http://schemas.microsoft.com/office/powerpoint/2010/main" val="1918164864"/>
+        <p14:creationId xmlns:p14="http://schemas.microsoft.com/office/powerpoint/2010/main" val="2589689734"/>
+      </p:ext>
+    </p:extLst>
+  </p:cSld>
+  <p:clrMapOvr>
+    <a:masterClrMapping/>
+  </p:clrMapOvr>
+</p:sld>
+</file>
+
+<file path=ppt/slides/slide8.xml><?xml version="1.0" encoding="utf-8"?>
+<p:sld xmlns:a="http://schemas.openxmlformats.org/drawingml/2006/main" xmlns:r="http://schemas.openxmlformats.org/officeDocument/2006/relationships" xmlns:p="http://schemas.openxmlformats.org/presentationml/2006/main">
+  <p:cSld>
+    <p:spTree>
+      <p:nvGrpSpPr>
+        <p:cNvPr id="1" name=""/>
+        <p:cNvGrpSpPr/>
+        <p:nvPr/>
+      </p:nvGrpSpPr>
+      <p:grpSpPr>
+        <a:xfrm>
+          <a:off x="0" y="0"/>
+          <a:ext cx="0" cy="0"/>
+          <a:chOff x="0" y="0"/>
+          <a:chExt cx="0" cy="0"/>
+        </a:xfrm>
+      </p:grpSpPr>
+    </p:spTree>
+    <p:extLst>
+      <p:ext uri="{BB962C8B-B14F-4D97-AF65-F5344CB8AC3E}">
+        <p14:creationId xmlns:p14="http://schemas.microsoft.com/office/powerpoint/2010/main" val="3662410886"/>
       </p:ext>
     </p:extLst>
   </p:cSld>

--- a/draw.pptx
+++ b/draw.pptx
@@ -26540,7 +26540,7 @@
           <a:p>
             <a:fld id="{F8B1F7C6-8BFB-4D30-9B82-29AE46787E04}" type="datetimeFigureOut">
               <a:rPr lang="en-US" smtClean="0"/>
-              <a:t>2/11/2025</a:t>
+              <a:t>2/18/2025</a:t>
             </a:fld>
             <a:endParaRPr lang="en-US"/>
           </a:p>
@@ -26738,7 +26738,7 @@
           <a:p>
             <a:fld id="{F8B1F7C6-8BFB-4D30-9B82-29AE46787E04}" type="datetimeFigureOut">
               <a:rPr lang="en-US" smtClean="0"/>
-              <a:t>2/11/2025</a:t>
+              <a:t>2/18/2025</a:t>
             </a:fld>
             <a:endParaRPr lang="en-US"/>
           </a:p>
@@ -26946,7 +26946,7 @@
           <a:p>
             <a:fld id="{F8B1F7C6-8BFB-4D30-9B82-29AE46787E04}" type="datetimeFigureOut">
               <a:rPr lang="en-US" smtClean="0"/>
-              <a:t>2/11/2025</a:t>
+              <a:t>2/18/2025</a:t>
             </a:fld>
             <a:endParaRPr lang="en-US"/>
           </a:p>
@@ -27144,7 +27144,7 @@
           <a:p>
             <a:fld id="{F8B1F7C6-8BFB-4D30-9B82-29AE46787E04}" type="datetimeFigureOut">
               <a:rPr lang="en-US" smtClean="0"/>
-              <a:t>2/11/2025</a:t>
+              <a:t>2/18/2025</a:t>
             </a:fld>
             <a:endParaRPr lang="en-US"/>
           </a:p>
@@ -27419,7 +27419,7 @@
           <a:p>
             <a:fld id="{F8B1F7C6-8BFB-4D30-9B82-29AE46787E04}" type="datetimeFigureOut">
               <a:rPr lang="en-US" smtClean="0"/>
-              <a:t>2/11/2025</a:t>
+              <a:t>2/18/2025</a:t>
             </a:fld>
             <a:endParaRPr lang="en-US"/>
           </a:p>
@@ -27684,7 +27684,7 @@
           <a:p>
             <a:fld id="{F8B1F7C6-8BFB-4D30-9B82-29AE46787E04}" type="datetimeFigureOut">
               <a:rPr lang="en-US" smtClean="0"/>
-              <a:t>2/11/2025</a:t>
+              <a:t>2/18/2025</a:t>
             </a:fld>
             <a:endParaRPr lang="en-US"/>
           </a:p>
@@ -28096,7 +28096,7 @@
           <a:p>
             <a:fld id="{F8B1F7C6-8BFB-4D30-9B82-29AE46787E04}" type="datetimeFigureOut">
               <a:rPr lang="en-US" smtClean="0"/>
-              <a:t>2/11/2025</a:t>
+              <a:t>2/18/2025</a:t>
             </a:fld>
             <a:endParaRPr lang="en-US"/>
           </a:p>
@@ -28237,7 +28237,7 @@
           <a:p>
             <a:fld id="{F8B1F7C6-8BFB-4D30-9B82-29AE46787E04}" type="datetimeFigureOut">
               <a:rPr lang="en-US" smtClean="0"/>
-              <a:t>2/11/2025</a:t>
+              <a:t>2/18/2025</a:t>
             </a:fld>
             <a:endParaRPr lang="en-US"/>
           </a:p>
@@ -28350,7 +28350,7 @@
           <a:p>
             <a:fld id="{F8B1F7C6-8BFB-4D30-9B82-29AE46787E04}" type="datetimeFigureOut">
               <a:rPr lang="en-US" smtClean="0"/>
-              <a:t>2/11/2025</a:t>
+              <a:t>2/18/2025</a:t>
             </a:fld>
             <a:endParaRPr lang="en-US"/>
           </a:p>
@@ -28661,7 +28661,7 @@
           <a:p>
             <a:fld id="{F8B1F7C6-8BFB-4D30-9B82-29AE46787E04}" type="datetimeFigureOut">
               <a:rPr lang="en-US" smtClean="0"/>
-              <a:t>2/11/2025</a:t>
+              <a:t>2/18/2025</a:t>
             </a:fld>
             <a:endParaRPr lang="en-US"/>
           </a:p>
@@ -28949,7 +28949,7 @@
           <a:p>
             <a:fld id="{F8B1F7C6-8BFB-4D30-9B82-29AE46787E04}" type="datetimeFigureOut">
               <a:rPr lang="en-US" smtClean="0"/>
-              <a:t>2/11/2025</a:t>
+              <a:t>2/18/2025</a:t>
             </a:fld>
             <a:endParaRPr lang="en-US"/>
           </a:p>
@@ -29190,7 +29190,7 @@
           <a:p>
             <a:fld id="{F8B1F7C6-8BFB-4D30-9B82-29AE46787E04}" type="datetimeFigureOut">
               <a:rPr lang="en-US" smtClean="0"/>
-              <a:t>2/11/2025</a:t>
+              <a:t>2/18/2025</a:t>
             </a:fld>
             <a:endParaRPr lang="en-US"/>
           </a:p>
@@ -31933,6 +31933,60 @@
           <a:lstStyle/>
           <a:p>
             <a:endParaRPr lang="en-US"/>
+          </a:p>
+        </p:txBody>
+      </p:sp>
+      <p:sp>
+        <p:nvSpPr>
+          <p:cNvPr id="2" name="Rectangle: Rounded Corners 1">
+            <a:extLst>
+              <a:ext uri="{FF2B5EF4-FFF2-40B4-BE49-F238E27FC236}">
+                <a16:creationId xmlns:a16="http://schemas.microsoft.com/office/drawing/2014/main" id="{75945593-DC36-05CA-EE96-F695472643C3}"/>
+              </a:ext>
+            </a:extLst>
+          </p:cNvPr>
+          <p:cNvSpPr/>
+          <p:nvPr/>
+        </p:nvSpPr>
+        <p:spPr>
+          <a:xfrm>
+            <a:off x="7888849" y="3469309"/>
+            <a:ext cx="1531715" cy="754279"/>
+          </a:xfrm>
+          <a:prstGeom prst="roundRect">
+            <a:avLst/>
+          </a:prstGeom>
+          <a:noFill/>
+          <a:ln w="9525" cap="flat" cmpd="sng" algn="ctr">
+            <a:solidFill>
+              <a:schemeClr val="accent2"/>
+            </a:solidFill>
+            <a:prstDash val="solid"/>
+            <a:round/>
+            <a:headEnd type="none" w="med" len="med"/>
+            <a:tailEnd type="none" w="med" len="med"/>
+          </a:ln>
+        </p:spPr>
+        <p:style>
+          <a:lnRef idx="0">
+            <a:scrgbClr r="0" g="0" b="0"/>
+          </a:lnRef>
+          <a:fillRef idx="0">
+            <a:scrgbClr r="0" g="0" b="0"/>
+          </a:fillRef>
+          <a:effectRef idx="0">
+            <a:scrgbClr r="0" g="0" b="0"/>
+          </a:effectRef>
+          <a:fontRef idx="minor">
+            <a:schemeClr val="accent2"/>
+          </a:fontRef>
+        </p:style>
+        <p:txBody>
+          <a:bodyPr rtlCol="0" anchor="ctr"/>
+          <a:lstStyle/>
+          <a:p>
+            <a:pPr algn="ctr"/>
+            <a:endParaRPr lang="en-US" sz="2800" dirty="0"/>
           </a:p>
         </p:txBody>
       </p:sp>

--- a/draw.pptx
+++ b/draw.pptx
@@ -30691,7 +30691,13 @@
             </a:extLst>
           </p:cNvPr>
           <p:cNvGraphicFramePr/>
-          <p:nvPr/>
+          <p:nvPr>
+            <p:extLst>
+              <p:ext uri="{D42A27DB-BD31-4B8C-83A1-F6EECF244321}">
+                <p14:modId xmlns:p14="http://schemas.microsoft.com/office/powerpoint/2010/main" val="1674179642"/>
+              </p:ext>
+            </p:extLst>
+          </p:nvPr>
         </p:nvGraphicFramePr>
         <p:xfrm>
           <a:off x="392503" y="2061601"/>
@@ -30713,7 +30719,13 @@
             </a:extLst>
           </p:cNvPr>
           <p:cNvGraphicFramePr/>
-          <p:nvPr/>
+          <p:nvPr>
+            <p:extLst>
+              <p:ext uri="{D42A27DB-BD31-4B8C-83A1-F6EECF244321}">
+                <p14:modId xmlns:p14="http://schemas.microsoft.com/office/powerpoint/2010/main" val="1258786964"/>
+              </p:ext>
+            </p:extLst>
+          </p:nvPr>
         </p:nvGraphicFramePr>
         <p:xfrm>
           <a:off x="315721" y="3832815"/>
@@ -30890,7 +30902,7 @@
           <p:nvPr>
             <p:extLst>
               <p:ext uri="{D42A27DB-BD31-4B8C-83A1-F6EECF244321}">
-                <p14:modId xmlns:p14="http://schemas.microsoft.com/office/powerpoint/2010/main" val="1808867165"/>
+                <p14:modId xmlns:p14="http://schemas.microsoft.com/office/powerpoint/2010/main" val="1280983521"/>
               </p:ext>
             </p:extLst>
           </p:nvPr>
@@ -30918,7 +30930,7 @@
           <p:nvPr>
             <p:extLst>
               <p:ext uri="{D42A27DB-BD31-4B8C-83A1-F6EECF244321}">
-                <p14:modId xmlns:p14="http://schemas.microsoft.com/office/powerpoint/2010/main" val="740426592"/>
+                <p14:modId xmlns:p14="http://schemas.microsoft.com/office/powerpoint/2010/main" val="1212514978"/>
               </p:ext>
             </p:extLst>
           </p:nvPr>

--- a/draw.pptx
+++ b/draw.pptx
@@ -4,15 +4,20 @@
   <p:sldMasterIdLst>
     <p:sldMasterId id="2147483648" r:id="rId1"/>
   </p:sldMasterIdLst>
+  <p:notesMasterIdLst>
+    <p:notesMasterId r:id="rId12"/>
+  </p:notesMasterIdLst>
   <p:sldIdLst>
     <p:sldId id="256" r:id="rId2"/>
     <p:sldId id="259" r:id="rId3"/>
     <p:sldId id="257" r:id="rId4"/>
     <p:sldId id="258" r:id="rId5"/>
-    <p:sldId id="260" r:id="rId6"/>
-    <p:sldId id="261" r:id="rId7"/>
-    <p:sldId id="263" r:id="rId8"/>
-    <p:sldId id="264" r:id="rId9"/>
+    <p:sldId id="263" r:id="rId6"/>
+    <p:sldId id="260" r:id="rId7"/>
+    <p:sldId id="265" r:id="rId8"/>
+    <p:sldId id="266" r:id="rId9"/>
+    <p:sldId id="268" r:id="rId10"/>
+    <p:sldId id="267" r:id="rId11"/>
   </p:sldIdLst>
   <p:sldSz cx="12192000" cy="6858000"/>
   <p:notesSz cx="6858000" cy="9144000"/>
@@ -26393,6 +26398,547 @@
 </dgm:styleDef>
 </file>
 
+<file path=ppt/notesMasters/notesMaster1.xml><?xml version="1.0" encoding="utf-8"?>
+<p:notesMaster xmlns:a="http://schemas.openxmlformats.org/drawingml/2006/main" xmlns:r="http://schemas.openxmlformats.org/officeDocument/2006/relationships" xmlns:p="http://schemas.openxmlformats.org/presentationml/2006/main">
+  <p:cSld>
+    <p:bg>
+      <p:bgRef idx="1001">
+        <a:schemeClr val="bg1"/>
+      </p:bgRef>
+    </p:bg>
+    <p:spTree>
+      <p:nvGrpSpPr>
+        <p:cNvPr id="1" name=""/>
+        <p:cNvGrpSpPr/>
+        <p:nvPr/>
+      </p:nvGrpSpPr>
+      <p:grpSpPr>
+        <a:xfrm>
+          <a:off x="0" y="0"/>
+          <a:ext cx="0" cy="0"/>
+          <a:chOff x="0" y="0"/>
+          <a:chExt cx="0" cy="0"/>
+        </a:xfrm>
+      </p:grpSpPr>
+      <p:sp>
+        <p:nvSpPr>
+          <p:cNvPr id="2" name="Header Placeholder 1"/>
+          <p:cNvSpPr>
+            <a:spLocks noGrp="1"/>
+          </p:cNvSpPr>
+          <p:nvPr>
+            <p:ph type="hdr" sz="quarter"/>
+          </p:nvPr>
+        </p:nvSpPr>
+        <p:spPr>
+          <a:xfrm>
+            <a:off x="0" y="0"/>
+            <a:ext cx="2971800" cy="458788"/>
+          </a:xfrm>
+          <a:prstGeom prst="rect">
+            <a:avLst/>
+          </a:prstGeom>
+        </p:spPr>
+        <p:txBody>
+          <a:bodyPr vert="horz" lIns="91440" tIns="45720" rIns="91440" bIns="45720" rtlCol="0"/>
+          <a:lstStyle>
+            <a:lvl1pPr algn="l">
+              <a:defRPr sz="1200"/>
+            </a:lvl1pPr>
+          </a:lstStyle>
+          <a:p>
+            <a:endParaRPr lang="en-US"/>
+          </a:p>
+        </p:txBody>
+      </p:sp>
+      <p:sp>
+        <p:nvSpPr>
+          <p:cNvPr id="3" name="Date Placeholder 2"/>
+          <p:cNvSpPr>
+            <a:spLocks noGrp="1"/>
+          </p:cNvSpPr>
+          <p:nvPr>
+            <p:ph type="dt" idx="1"/>
+          </p:nvPr>
+        </p:nvSpPr>
+        <p:spPr>
+          <a:xfrm>
+            <a:off x="3884613" y="0"/>
+            <a:ext cx="2971800" cy="458788"/>
+          </a:xfrm>
+          <a:prstGeom prst="rect">
+            <a:avLst/>
+          </a:prstGeom>
+        </p:spPr>
+        <p:txBody>
+          <a:bodyPr vert="horz" lIns="91440" tIns="45720" rIns="91440" bIns="45720" rtlCol="0"/>
+          <a:lstStyle>
+            <a:lvl1pPr algn="r">
+              <a:defRPr sz="1200"/>
+            </a:lvl1pPr>
+          </a:lstStyle>
+          <a:p>
+            <a:fld id="{BF001D10-59D5-4FBF-8BF4-C2B1DFCBCA9F}" type="datetimeFigureOut">
+              <a:rPr lang="en-US" smtClean="0"/>
+              <a:t>3/6/2025</a:t>
+            </a:fld>
+            <a:endParaRPr lang="en-US"/>
+          </a:p>
+        </p:txBody>
+      </p:sp>
+      <p:sp>
+        <p:nvSpPr>
+          <p:cNvPr id="4" name="Slide Image Placeholder 3"/>
+          <p:cNvSpPr>
+            <a:spLocks noGrp="1" noRot="1" noChangeAspect="1"/>
+          </p:cNvSpPr>
+          <p:nvPr>
+            <p:ph type="sldImg" idx="2"/>
+          </p:nvPr>
+        </p:nvSpPr>
+        <p:spPr>
+          <a:xfrm>
+            <a:off x="685800" y="1143000"/>
+            <a:ext cx="5486400" cy="3086100"/>
+          </a:xfrm>
+          <a:prstGeom prst="rect">
+            <a:avLst/>
+          </a:prstGeom>
+          <a:noFill/>
+          <a:ln w="12700">
+            <a:solidFill>
+              <a:prstClr val="black"/>
+            </a:solidFill>
+          </a:ln>
+        </p:spPr>
+        <p:txBody>
+          <a:bodyPr vert="horz" lIns="91440" tIns="45720" rIns="91440" bIns="45720" rtlCol="0" anchor="ctr"/>
+          <a:lstStyle/>
+          <a:p>
+            <a:endParaRPr lang="en-US"/>
+          </a:p>
+        </p:txBody>
+      </p:sp>
+      <p:sp>
+        <p:nvSpPr>
+          <p:cNvPr id="5" name="Notes Placeholder 4"/>
+          <p:cNvSpPr>
+            <a:spLocks noGrp="1"/>
+          </p:cNvSpPr>
+          <p:nvPr>
+            <p:ph type="body" sz="quarter" idx="3"/>
+          </p:nvPr>
+        </p:nvSpPr>
+        <p:spPr>
+          <a:xfrm>
+            <a:off x="685800" y="4400550"/>
+            <a:ext cx="5486400" cy="3600450"/>
+          </a:xfrm>
+          <a:prstGeom prst="rect">
+            <a:avLst/>
+          </a:prstGeom>
+        </p:spPr>
+        <p:txBody>
+          <a:bodyPr vert="horz" lIns="91440" tIns="45720" rIns="91440" bIns="45720" rtlCol="0"/>
+          <a:lstStyle/>
+          <a:p>
+            <a:pPr lvl="0"/>
+            <a:r>
+              <a:rPr lang="en-US"/>
+              <a:t>Click to edit Master text styles</a:t>
+            </a:r>
+          </a:p>
+          <a:p>
+            <a:pPr lvl="1"/>
+            <a:r>
+              <a:rPr lang="en-US"/>
+              <a:t>Second level</a:t>
+            </a:r>
+          </a:p>
+          <a:p>
+            <a:pPr lvl="2"/>
+            <a:r>
+              <a:rPr lang="en-US"/>
+              <a:t>Third level</a:t>
+            </a:r>
+          </a:p>
+          <a:p>
+            <a:pPr lvl="3"/>
+            <a:r>
+              <a:rPr lang="en-US"/>
+              <a:t>Fourth level</a:t>
+            </a:r>
+          </a:p>
+          <a:p>
+            <a:pPr lvl="4"/>
+            <a:r>
+              <a:rPr lang="en-US"/>
+              <a:t>Fifth level</a:t>
+            </a:r>
+          </a:p>
+        </p:txBody>
+      </p:sp>
+      <p:sp>
+        <p:nvSpPr>
+          <p:cNvPr id="6" name="Footer Placeholder 5"/>
+          <p:cNvSpPr>
+            <a:spLocks noGrp="1"/>
+          </p:cNvSpPr>
+          <p:nvPr>
+            <p:ph type="ftr" sz="quarter" idx="4"/>
+          </p:nvPr>
+        </p:nvSpPr>
+        <p:spPr>
+          <a:xfrm>
+            <a:off x="0" y="8685213"/>
+            <a:ext cx="2971800" cy="458787"/>
+          </a:xfrm>
+          <a:prstGeom prst="rect">
+            <a:avLst/>
+          </a:prstGeom>
+        </p:spPr>
+        <p:txBody>
+          <a:bodyPr vert="horz" lIns="91440" tIns="45720" rIns="91440" bIns="45720" rtlCol="0" anchor="b"/>
+          <a:lstStyle>
+            <a:lvl1pPr algn="l">
+              <a:defRPr sz="1200"/>
+            </a:lvl1pPr>
+          </a:lstStyle>
+          <a:p>
+            <a:endParaRPr lang="en-US"/>
+          </a:p>
+        </p:txBody>
+      </p:sp>
+      <p:sp>
+        <p:nvSpPr>
+          <p:cNvPr id="7" name="Slide Number Placeholder 6"/>
+          <p:cNvSpPr>
+            <a:spLocks noGrp="1"/>
+          </p:cNvSpPr>
+          <p:nvPr>
+            <p:ph type="sldNum" sz="quarter" idx="5"/>
+          </p:nvPr>
+        </p:nvSpPr>
+        <p:spPr>
+          <a:xfrm>
+            <a:off x="3884613" y="8685213"/>
+            <a:ext cx="2971800" cy="458787"/>
+          </a:xfrm>
+          <a:prstGeom prst="rect">
+            <a:avLst/>
+          </a:prstGeom>
+        </p:spPr>
+        <p:txBody>
+          <a:bodyPr vert="horz" lIns="91440" tIns="45720" rIns="91440" bIns="45720" rtlCol="0" anchor="b"/>
+          <a:lstStyle>
+            <a:lvl1pPr algn="r">
+              <a:defRPr sz="1200"/>
+            </a:lvl1pPr>
+          </a:lstStyle>
+          <a:p>
+            <a:fld id="{A997BA6F-5EAE-45A9-845B-DC43BB07F2D6}" type="slidenum">
+              <a:rPr lang="en-US" smtClean="0"/>
+              <a:t>‹#›</a:t>
+            </a:fld>
+            <a:endParaRPr lang="en-US"/>
+          </a:p>
+        </p:txBody>
+      </p:sp>
+    </p:spTree>
+    <p:extLst>
+      <p:ext uri="{BB962C8B-B14F-4D97-AF65-F5344CB8AC3E}">
+        <p14:creationId xmlns:p14="http://schemas.microsoft.com/office/powerpoint/2010/main" val="3786605394"/>
+      </p:ext>
+    </p:extLst>
+  </p:cSld>
+  <p:clrMap bg1="lt1" tx1="dk1" bg2="lt2" tx2="dk2" accent1="accent1" accent2="accent2" accent3="accent3" accent4="accent4" accent5="accent5" accent6="accent6" hlink="hlink" folHlink="folHlink"/>
+  <p:notesStyle>
+    <a:lvl1pPr marL="0" algn="l" defTabSz="914400" rtl="0" eaLnBrk="1" latinLnBrk="0" hangingPunct="1">
+      <a:defRPr sz="1200" kern="1200">
+        <a:solidFill>
+          <a:schemeClr val="tx1"/>
+        </a:solidFill>
+        <a:latin typeface="+mn-lt"/>
+        <a:ea typeface="+mn-ea"/>
+        <a:cs typeface="+mn-cs"/>
+      </a:defRPr>
+    </a:lvl1pPr>
+    <a:lvl2pPr marL="457200" algn="l" defTabSz="914400" rtl="0" eaLnBrk="1" latinLnBrk="0" hangingPunct="1">
+      <a:defRPr sz="1200" kern="1200">
+        <a:solidFill>
+          <a:schemeClr val="tx1"/>
+        </a:solidFill>
+        <a:latin typeface="+mn-lt"/>
+        <a:ea typeface="+mn-ea"/>
+        <a:cs typeface="+mn-cs"/>
+      </a:defRPr>
+    </a:lvl2pPr>
+    <a:lvl3pPr marL="914400" algn="l" defTabSz="914400" rtl="0" eaLnBrk="1" latinLnBrk="0" hangingPunct="1">
+      <a:defRPr sz="1200" kern="1200">
+        <a:solidFill>
+          <a:schemeClr val="tx1"/>
+        </a:solidFill>
+        <a:latin typeface="+mn-lt"/>
+        <a:ea typeface="+mn-ea"/>
+        <a:cs typeface="+mn-cs"/>
+      </a:defRPr>
+    </a:lvl3pPr>
+    <a:lvl4pPr marL="1371600" algn="l" defTabSz="914400" rtl="0" eaLnBrk="1" latinLnBrk="0" hangingPunct="1">
+      <a:defRPr sz="1200" kern="1200">
+        <a:solidFill>
+          <a:schemeClr val="tx1"/>
+        </a:solidFill>
+        <a:latin typeface="+mn-lt"/>
+        <a:ea typeface="+mn-ea"/>
+        <a:cs typeface="+mn-cs"/>
+      </a:defRPr>
+    </a:lvl4pPr>
+    <a:lvl5pPr marL="1828800" algn="l" defTabSz="914400" rtl="0" eaLnBrk="1" latinLnBrk="0" hangingPunct="1">
+      <a:defRPr sz="1200" kern="1200">
+        <a:solidFill>
+          <a:schemeClr val="tx1"/>
+        </a:solidFill>
+        <a:latin typeface="+mn-lt"/>
+        <a:ea typeface="+mn-ea"/>
+        <a:cs typeface="+mn-cs"/>
+      </a:defRPr>
+    </a:lvl5pPr>
+    <a:lvl6pPr marL="2286000" algn="l" defTabSz="914400" rtl="0" eaLnBrk="1" latinLnBrk="0" hangingPunct="1">
+      <a:defRPr sz="1200" kern="1200">
+        <a:solidFill>
+          <a:schemeClr val="tx1"/>
+        </a:solidFill>
+        <a:latin typeface="+mn-lt"/>
+        <a:ea typeface="+mn-ea"/>
+        <a:cs typeface="+mn-cs"/>
+      </a:defRPr>
+    </a:lvl6pPr>
+    <a:lvl7pPr marL="2743200" algn="l" defTabSz="914400" rtl="0" eaLnBrk="1" latinLnBrk="0" hangingPunct="1">
+      <a:defRPr sz="1200" kern="1200">
+        <a:solidFill>
+          <a:schemeClr val="tx1"/>
+        </a:solidFill>
+        <a:latin typeface="+mn-lt"/>
+        <a:ea typeface="+mn-ea"/>
+        <a:cs typeface="+mn-cs"/>
+      </a:defRPr>
+    </a:lvl7pPr>
+    <a:lvl8pPr marL="3200400" algn="l" defTabSz="914400" rtl="0" eaLnBrk="1" latinLnBrk="0" hangingPunct="1">
+      <a:defRPr sz="1200" kern="1200">
+        <a:solidFill>
+          <a:schemeClr val="tx1"/>
+        </a:solidFill>
+        <a:latin typeface="+mn-lt"/>
+        <a:ea typeface="+mn-ea"/>
+        <a:cs typeface="+mn-cs"/>
+      </a:defRPr>
+    </a:lvl8pPr>
+    <a:lvl9pPr marL="3657600" algn="l" defTabSz="914400" rtl="0" eaLnBrk="1" latinLnBrk="0" hangingPunct="1">
+      <a:defRPr sz="1200" kern="1200">
+        <a:solidFill>
+          <a:schemeClr val="tx1"/>
+        </a:solidFill>
+        <a:latin typeface="+mn-lt"/>
+        <a:ea typeface="+mn-ea"/>
+        <a:cs typeface="+mn-cs"/>
+      </a:defRPr>
+    </a:lvl9pPr>
+  </p:notesStyle>
+</p:notesMaster>
+</file>
+
+<file path=ppt/notesSlides/notesSlide1.xml><?xml version="1.0" encoding="utf-8"?>
+<p:notes xmlns:a="http://schemas.openxmlformats.org/drawingml/2006/main" xmlns:r="http://schemas.openxmlformats.org/officeDocument/2006/relationships" xmlns:p="http://schemas.openxmlformats.org/presentationml/2006/main">
+  <p:cSld>
+    <p:spTree>
+      <p:nvGrpSpPr>
+        <p:cNvPr id="1" name=""/>
+        <p:cNvGrpSpPr/>
+        <p:nvPr/>
+      </p:nvGrpSpPr>
+      <p:grpSpPr>
+        <a:xfrm>
+          <a:off x="0" y="0"/>
+          <a:ext cx="0" cy="0"/>
+          <a:chOff x="0" y="0"/>
+          <a:chExt cx="0" cy="0"/>
+        </a:xfrm>
+      </p:grpSpPr>
+      <p:sp>
+        <p:nvSpPr>
+          <p:cNvPr id="2" name="Slide Image Placeholder 1"/>
+          <p:cNvSpPr>
+            <a:spLocks noGrp="1" noRot="1" noChangeAspect="1"/>
+          </p:cNvSpPr>
+          <p:nvPr>
+            <p:ph type="sldImg"/>
+          </p:nvPr>
+        </p:nvSpPr>
+        <p:spPr/>
+      </p:sp>
+      <p:sp>
+        <p:nvSpPr>
+          <p:cNvPr id="3" name="Notes Placeholder 2"/>
+          <p:cNvSpPr>
+            <a:spLocks noGrp="1"/>
+          </p:cNvSpPr>
+          <p:nvPr>
+            <p:ph type="body" idx="1"/>
+          </p:nvPr>
+        </p:nvSpPr>
+        <p:spPr/>
+        <p:txBody>
+          <a:bodyPr/>
+          <a:lstStyle/>
+          <a:p>
+            <a:endParaRPr lang="en-US" dirty="0"/>
+          </a:p>
+        </p:txBody>
+      </p:sp>
+      <p:sp>
+        <p:nvSpPr>
+          <p:cNvPr id="4" name="Slide Number Placeholder 3"/>
+          <p:cNvSpPr>
+            <a:spLocks noGrp="1"/>
+          </p:cNvSpPr>
+          <p:nvPr>
+            <p:ph type="sldNum" sz="quarter" idx="5"/>
+          </p:nvPr>
+        </p:nvSpPr>
+        <p:spPr/>
+        <p:txBody>
+          <a:bodyPr/>
+          <a:lstStyle/>
+          <a:p>
+            <a:fld id="{A997BA6F-5EAE-45A9-845B-DC43BB07F2D6}" type="slidenum">
+              <a:rPr lang="en-US" smtClean="0"/>
+              <a:t>8</a:t>
+            </a:fld>
+            <a:endParaRPr lang="en-US"/>
+          </a:p>
+        </p:txBody>
+      </p:sp>
+    </p:spTree>
+    <p:extLst>
+      <p:ext uri="{BB962C8B-B14F-4D97-AF65-F5344CB8AC3E}">
+        <p14:creationId xmlns:p14="http://schemas.microsoft.com/office/powerpoint/2010/main" val="3955107053"/>
+      </p:ext>
+    </p:extLst>
+  </p:cSld>
+  <p:clrMapOvr>
+    <a:masterClrMapping/>
+  </p:clrMapOvr>
+</p:notes>
+</file>
+
+<file path=ppt/notesSlides/notesSlide2.xml><?xml version="1.0" encoding="utf-8"?>
+<p:notes xmlns:a="http://schemas.openxmlformats.org/drawingml/2006/main" xmlns:r="http://schemas.openxmlformats.org/officeDocument/2006/relationships" xmlns:p="http://schemas.openxmlformats.org/presentationml/2006/main">
+  <p:cSld>
+    <p:spTree>
+      <p:nvGrpSpPr>
+        <p:cNvPr id="1" name="">
+          <a:extLst>
+            <a:ext uri="{FF2B5EF4-FFF2-40B4-BE49-F238E27FC236}">
+              <a16:creationId xmlns:a16="http://schemas.microsoft.com/office/drawing/2014/main" id="{FCA6DA2C-399A-D2CD-DD31-572F91836922}"/>
+            </a:ext>
+          </a:extLst>
+        </p:cNvPr>
+        <p:cNvGrpSpPr/>
+        <p:nvPr/>
+      </p:nvGrpSpPr>
+      <p:grpSpPr>
+        <a:xfrm>
+          <a:off x="0" y="0"/>
+          <a:ext cx="0" cy="0"/>
+          <a:chOff x="0" y="0"/>
+          <a:chExt cx="0" cy="0"/>
+        </a:xfrm>
+      </p:grpSpPr>
+      <p:sp>
+        <p:nvSpPr>
+          <p:cNvPr id="2" name="Slide Image Placeholder 1">
+            <a:extLst>
+              <a:ext uri="{FF2B5EF4-FFF2-40B4-BE49-F238E27FC236}">
+                <a16:creationId xmlns:a16="http://schemas.microsoft.com/office/drawing/2014/main" id="{828A3C8D-ED80-8BB2-A97D-BC284DD7F9B8}"/>
+              </a:ext>
+            </a:extLst>
+          </p:cNvPr>
+          <p:cNvSpPr>
+            <a:spLocks noGrp="1" noRot="1" noChangeAspect="1"/>
+          </p:cNvSpPr>
+          <p:nvPr>
+            <p:ph type="sldImg"/>
+          </p:nvPr>
+        </p:nvSpPr>
+        <p:spPr/>
+      </p:sp>
+      <p:sp>
+        <p:nvSpPr>
+          <p:cNvPr id="3" name="Notes Placeholder 2">
+            <a:extLst>
+              <a:ext uri="{FF2B5EF4-FFF2-40B4-BE49-F238E27FC236}">
+                <a16:creationId xmlns:a16="http://schemas.microsoft.com/office/drawing/2014/main" id="{710D9CA6-0726-0ADA-B26C-7267B27BCEA2}"/>
+              </a:ext>
+            </a:extLst>
+          </p:cNvPr>
+          <p:cNvSpPr>
+            <a:spLocks noGrp="1"/>
+          </p:cNvSpPr>
+          <p:nvPr>
+            <p:ph type="body" idx="1"/>
+          </p:nvPr>
+        </p:nvSpPr>
+        <p:spPr/>
+        <p:txBody>
+          <a:bodyPr/>
+          <a:lstStyle/>
+          <a:p>
+            <a:endParaRPr lang="en-US" dirty="0"/>
+          </a:p>
+        </p:txBody>
+      </p:sp>
+      <p:sp>
+        <p:nvSpPr>
+          <p:cNvPr id="4" name="Slide Number Placeholder 3">
+            <a:extLst>
+              <a:ext uri="{FF2B5EF4-FFF2-40B4-BE49-F238E27FC236}">
+                <a16:creationId xmlns:a16="http://schemas.microsoft.com/office/drawing/2014/main" id="{5B197496-2C2D-47FD-22A6-A00BEECCD6DC}"/>
+              </a:ext>
+            </a:extLst>
+          </p:cNvPr>
+          <p:cNvSpPr>
+            <a:spLocks noGrp="1"/>
+          </p:cNvSpPr>
+          <p:nvPr>
+            <p:ph type="sldNum" sz="quarter" idx="5"/>
+          </p:nvPr>
+        </p:nvSpPr>
+        <p:spPr/>
+        <p:txBody>
+          <a:bodyPr/>
+          <a:lstStyle/>
+          <a:p>
+            <a:fld id="{A997BA6F-5EAE-45A9-845B-DC43BB07F2D6}" type="slidenum">
+              <a:rPr lang="en-US" smtClean="0"/>
+              <a:t>9</a:t>
+            </a:fld>
+            <a:endParaRPr lang="en-US"/>
+          </a:p>
+        </p:txBody>
+      </p:sp>
+    </p:spTree>
+    <p:extLst>
+      <p:ext uri="{BB962C8B-B14F-4D97-AF65-F5344CB8AC3E}">
+        <p14:creationId xmlns:p14="http://schemas.microsoft.com/office/powerpoint/2010/main" val="2832229476"/>
+      </p:ext>
+    </p:extLst>
+  </p:cSld>
+  <p:clrMapOvr>
+    <a:masterClrMapping/>
+  </p:clrMapOvr>
+</p:notes>
+</file>
+
 <file path=ppt/slideLayouts/slideLayout1.xml><?xml version="1.0" encoding="utf-8"?>
 <p:sldLayout xmlns:a="http://schemas.openxmlformats.org/drawingml/2006/main" xmlns:r="http://schemas.openxmlformats.org/officeDocument/2006/relationships" xmlns:p="http://schemas.openxmlformats.org/presentationml/2006/main" type="title" preserve="1">
   <p:cSld name="Title Slide">
@@ -26540,7 +27086,7 @@
           <a:p>
             <a:fld id="{F8B1F7C6-8BFB-4D30-9B82-29AE46787E04}" type="datetimeFigureOut">
               <a:rPr lang="en-US" smtClean="0"/>
-              <a:t>2/18/2025</a:t>
+              <a:t>3/6/2025</a:t>
             </a:fld>
             <a:endParaRPr lang="en-US"/>
           </a:p>
@@ -26738,7 +27284,7 @@
           <a:p>
             <a:fld id="{F8B1F7C6-8BFB-4D30-9B82-29AE46787E04}" type="datetimeFigureOut">
               <a:rPr lang="en-US" smtClean="0"/>
-              <a:t>2/18/2025</a:t>
+              <a:t>3/6/2025</a:t>
             </a:fld>
             <a:endParaRPr lang="en-US"/>
           </a:p>
@@ -26946,7 +27492,7 @@
           <a:p>
             <a:fld id="{F8B1F7C6-8BFB-4D30-9B82-29AE46787E04}" type="datetimeFigureOut">
               <a:rPr lang="en-US" smtClean="0"/>
-              <a:t>2/18/2025</a:t>
+              <a:t>3/6/2025</a:t>
             </a:fld>
             <a:endParaRPr lang="en-US"/>
           </a:p>
@@ -27144,7 +27690,7 @@
           <a:p>
             <a:fld id="{F8B1F7C6-8BFB-4D30-9B82-29AE46787E04}" type="datetimeFigureOut">
               <a:rPr lang="en-US" smtClean="0"/>
-              <a:t>2/18/2025</a:t>
+              <a:t>3/6/2025</a:t>
             </a:fld>
             <a:endParaRPr lang="en-US"/>
           </a:p>
@@ -27419,7 +27965,7 @@
           <a:p>
             <a:fld id="{F8B1F7C6-8BFB-4D30-9B82-29AE46787E04}" type="datetimeFigureOut">
               <a:rPr lang="en-US" smtClean="0"/>
-              <a:t>2/18/2025</a:t>
+              <a:t>3/6/2025</a:t>
             </a:fld>
             <a:endParaRPr lang="en-US"/>
           </a:p>
@@ -27684,7 +28230,7 @@
           <a:p>
             <a:fld id="{F8B1F7C6-8BFB-4D30-9B82-29AE46787E04}" type="datetimeFigureOut">
               <a:rPr lang="en-US" smtClean="0"/>
-              <a:t>2/18/2025</a:t>
+              <a:t>3/6/2025</a:t>
             </a:fld>
             <a:endParaRPr lang="en-US"/>
           </a:p>
@@ -28096,7 +28642,7 @@
           <a:p>
             <a:fld id="{F8B1F7C6-8BFB-4D30-9B82-29AE46787E04}" type="datetimeFigureOut">
               <a:rPr lang="en-US" smtClean="0"/>
-              <a:t>2/18/2025</a:t>
+              <a:t>3/6/2025</a:t>
             </a:fld>
             <a:endParaRPr lang="en-US"/>
           </a:p>
@@ -28237,7 +28783,7 @@
           <a:p>
             <a:fld id="{F8B1F7C6-8BFB-4D30-9B82-29AE46787E04}" type="datetimeFigureOut">
               <a:rPr lang="en-US" smtClean="0"/>
-              <a:t>2/18/2025</a:t>
+              <a:t>3/6/2025</a:t>
             </a:fld>
             <a:endParaRPr lang="en-US"/>
           </a:p>
@@ -28350,7 +28896,7 @@
           <a:p>
             <a:fld id="{F8B1F7C6-8BFB-4D30-9B82-29AE46787E04}" type="datetimeFigureOut">
               <a:rPr lang="en-US" smtClean="0"/>
-              <a:t>2/18/2025</a:t>
+              <a:t>3/6/2025</a:t>
             </a:fld>
             <a:endParaRPr lang="en-US"/>
           </a:p>
@@ -28661,7 +29207,7 @@
           <a:p>
             <a:fld id="{F8B1F7C6-8BFB-4D30-9B82-29AE46787E04}" type="datetimeFigureOut">
               <a:rPr lang="en-US" smtClean="0"/>
-              <a:t>2/18/2025</a:t>
+              <a:t>3/6/2025</a:t>
             </a:fld>
             <a:endParaRPr lang="en-US"/>
           </a:p>
@@ -28949,7 +29495,7 @@
           <a:p>
             <a:fld id="{F8B1F7C6-8BFB-4D30-9B82-29AE46787E04}" type="datetimeFigureOut">
               <a:rPr lang="en-US" smtClean="0"/>
-              <a:t>2/18/2025</a:t>
+              <a:t>3/6/2025</a:t>
             </a:fld>
             <a:endParaRPr lang="en-US"/>
           </a:p>
@@ -29190,7 +29736,7 @@
           <a:p>
             <a:fld id="{F8B1F7C6-8BFB-4D30-9B82-29AE46787E04}" type="datetimeFigureOut">
               <a:rPr lang="en-US" smtClean="0"/>
-              <a:t>2/18/2025</a:t>
+              <a:t>3/6/2025</a:t>
             </a:fld>
             <a:endParaRPr lang="en-US"/>
           </a:p>
@@ -30465,6 +31011,437 @@
     <p:extLst>
       <p:ext uri="{BB962C8B-B14F-4D97-AF65-F5344CB8AC3E}">
         <p14:creationId xmlns:p14="http://schemas.microsoft.com/office/powerpoint/2010/main" val="806382690"/>
+      </p:ext>
+    </p:extLst>
+  </p:cSld>
+  <p:clrMapOvr>
+    <a:masterClrMapping/>
+  </p:clrMapOvr>
+</p:sld>
+</file>
+
+<file path=ppt/slides/slide10.xml><?xml version="1.0" encoding="utf-8"?>
+<p:sld xmlns:a="http://schemas.openxmlformats.org/drawingml/2006/main" xmlns:r="http://schemas.openxmlformats.org/officeDocument/2006/relationships" xmlns:p="http://schemas.openxmlformats.org/presentationml/2006/main">
+  <p:cSld>
+    <p:spTree>
+      <p:nvGrpSpPr>
+        <p:cNvPr id="1" name=""/>
+        <p:cNvGrpSpPr/>
+        <p:nvPr/>
+      </p:nvGrpSpPr>
+      <p:grpSpPr>
+        <a:xfrm>
+          <a:off x="0" y="0"/>
+          <a:ext cx="0" cy="0"/>
+          <a:chOff x="0" y="0"/>
+          <a:chExt cx="0" cy="0"/>
+        </a:xfrm>
+      </p:grpSpPr>
+      <p:pic>
+        <p:nvPicPr>
+          <p:cNvPr id="5" name="Picture 4" descr="A blue circle on a black background&#10;&#10;AI-generated content may be incorrect.">
+            <a:extLst>
+              <a:ext uri="{FF2B5EF4-FFF2-40B4-BE49-F238E27FC236}">
+                <a16:creationId xmlns:a16="http://schemas.microsoft.com/office/drawing/2014/main" id="{CEFA38DC-D55C-2397-098C-516DCA2F64E2}"/>
+              </a:ext>
+            </a:extLst>
+          </p:cNvPr>
+          <p:cNvPicPr>
+            <a:picLocks noChangeAspect="1"/>
+          </p:cNvPicPr>
+          <p:nvPr/>
+        </p:nvPicPr>
+        <p:blipFill>
+          <a:blip r:embed="rId2">
+            <a:extLst>
+              <a:ext uri="{28A0092B-C50C-407E-A947-70E740481C1C}">
+                <a14:useLocalDpi xmlns:a14="http://schemas.microsoft.com/office/drawing/2010/main" val="0"/>
+              </a:ext>
+            </a:extLst>
+          </a:blip>
+          <a:srcRect l="27589" t="25125" r="15245" b="8662"/>
+          <a:stretch/>
+        </p:blipFill>
+        <p:spPr>
+          <a:xfrm>
+            <a:off x="2526815" y="1989343"/>
+            <a:ext cx="4411457" cy="3832103"/>
+          </a:xfrm>
+          <a:prstGeom prst="rect">
+            <a:avLst/>
+          </a:prstGeom>
+        </p:spPr>
+      </p:pic>
+      <mc:AlternateContent xmlns:mc="http://schemas.openxmlformats.org/markup-compatibility/2006" xmlns:a14="http://schemas.microsoft.com/office/drawing/2010/main">
+        <mc:Choice Requires="a14">
+          <p:sp>
+            <p:nvSpPr>
+              <p:cNvPr id="7" name="TextBox 6">
+                <a:extLst>
+                  <a:ext uri="{FF2B5EF4-FFF2-40B4-BE49-F238E27FC236}">
+                    <a16:creationId xmlns:a16="http://schemas.microsoft.com/office/drawing/2014/main" id="{17EA7D6B-1104-2A91-C0AC-AE4888766FE7}"/>
+                  </a:ext>
+                </a:extLst>
+              </p:cNvPr>
+              <p:cNvSpPr txBox="1"/>
+              <p:nvPr/>
+            </p:nvSpPr>
+            <p:spPr>
+              <a:xfrm>
+                <a:off x="1108101" y="4746812"/>
+                <a:ext cx="6097162" cy="369332"/>
+              </a:xfrm>
+              <a:prstGeom prst="rect">
+                <a:avLst/>
+              </a:prstGeom>
+              <a:noFill/>
+            </p:spPr>
+            <p:txBody>
+              <a:bodyPr wrap="square">
+                <a:spAutoFit/>
+              </a:bodyPr>
+              <a:lstStyle/>
+              <a:p>
+                <a:pPr/>
+                <a14:m>
+                  <m:oMathPara xmlns:m="http://schemas.openxmlformats.org/officeDocument/2006/math">
+                    <m:oMathParaPr>
+                      <m:jc m:val="centerGroup"/>
+                    </m:oMathParaPr>
+                    <m:oMath xmlns:m="http://schemas.openxmlformats.org/officeDocument/2006/math">
+                      <m:r>
+                        <a:rPr lang="en-US" i="1" smtClean="0">
+                          <a:latin typeface="Cambria Math" panose="02040503050406030204" pitchFamily="18" charset="0"/>
+                        </a:rPr>
+                        <m:t>𝑙</m:t>
+                      </m:r>
+                      <m:r>
+                        <a:rPr lang="en-US" b="0" i="1" smtClean="0">
+                          <a:latin typeface="Cambria Math" panose="02040503050406030204" pitchFamily="18" charset="0"/>
+                        </a:rPr>
+                        <m:t>𝑘</m:t>
+                      </m:r>
+                      <m:r>
+                        <a:rPr lang="en-US" b="0" i="1" smtClean="0">
+                          <a:latin typeface="Cambria Math" panose="02040503050406030204" pitchFamily="18" charset="0"/>
+                        </a:rPr>
+                        <m:t>(</m:t>
+                      </m:r>
+                      <m:r>
+                        <a:rPr lang="en-US" b="0" i="1" smtClean="0">
+                          <a:latin typeface="Cambria Math" panose="02040503050406030204" pitchFamily="18" charset="0"/>
+                        </a:rPr>
+                        <m:t>𝑙</m:t>
+                      </m:r>
+                      <m:r>
+                        <a:rPr lang="en-US" b="0" i="1" smtClean="0">
+                          <a:latin typeface="Cambria Math" panose="02040503050406030204" pitchFamily="18" charset="0"/>
+                        </a:rPr>
+                        <m:t>, </m:t>
+                      </m:r>
+                      <m:r>
+                        <a:rPr lang="en-US" b="0" i="1" smtClean="0">
+                          <a:latin typeface="Cambria Math" panose="02040503050406030204" pitchFamily="18" charset="0"/>
+                        </a:rPr>
+                        <m:t>𝑥</m:t>
+                      </m:r>
+                      <m:r>
+                        <a:rPr lang="en-US" b="0" i="1" smtClean="0">
+                          <a:latin typeface="Cambria Math" panose="02040503050406030204" pitchFamily="18" charset="0"/>
+                        </a:rPr>
+                        <m:t>)</m:t>
+                      </m:r>
+                    </m:oMath>
+                  </m:oMathPara>
+                </a14:m>
+                <a:endParaRPr lang="en-US" dirty="0"/>
+              </a:p>
+            </p:txBody>
+          </p:sp>
+        </mc:Choice>
+        <mc:Fallback xmlns="">
+          <p:sp>
+            <p:nvSpPr>
+              <p:cNvPr id="7" name="TextBox 6">
+                <a:extLst>
+                  <a:ext uri="{FF2B5EF4-FFF2-40B4-BE49-F238E27FC236}">
+                    <a16:creationId xmlns:a16="http://schemas.microsoft.com/office/drawing/2014/main" id="{17EA7D6B-1104-2A91-C0AC-AE4888766FE7}"/>
+                  </a:ext>
+                </a:extLst>
+              </p:cNvPr>
+              <p:cNvSpPr txBox="1">
+                <a:spLocks noRot="1" noChangeAspect="1" noMove="1" noResize="1" noEditPoints="1" noAdjustHandles="1" noChangeArrowheads="1" noChangeShapeType="1" noTextEdit="1"/>
+              </p:cNvSpPr>
+              <p:nvPr/>
+            </p:nvSpPr>
+            <p:spPr>
+              <a:xfrm>
+                <a:off x="1108101" y="4746812"/>
+                <a:ext cx="6097162" cy="369332"/>
+              </a:xfrm>
+              <a:prstGeom prst="rect">
+                <a:avLst/>
+              </a:prstGeom>
+              <a:blipFill>
+                <a:blip r:embed="rId3"/>
+                <a:stretch>
+                  <a:fillRect b="-13333"/>
+                </a:stretch>
+              </a:blipFill>
+            </p:spPr>
+            <p:txBody>
+              <a:bodyPr/>
+              <a:lstStyle/>
+              <a:p>
+                <a:r>
+                  <a:rPr lang="en-US">
+                    <a:noFill/>
+                  </a:rPr>
+                  <a:t> </a:t>
+                </a:r>
+              </a:p>
+            </p:txBody>
+          </p:sp>
+        </mc:Fallback>
+      </mc:AlternateContent>
+      <mc:AlternateContent xmlns:mc="http://schemas.openxmlformats.org/markup-compatibility/2006" xmlns:a14="http://schemas.microsoft.com/office/drawing/2010/main">
+        <mc:Choice Requires="a14">
+          <p:sp>
+            <p:nvSpPr>
+              <p:cNvPr id="8" name="TextBox 7">
+                <a:extLst>
+                  <a:ext uri="{FF2B5EF4-FFF2-40B4-BE49-F238E27FC236}">
+                    <a16:creationId xmlns:a16="http://schemas.microsoft.com/office/drawing/2014/main" id="{424F7B20-3B6E-42A9-BBF0-DDFFE3D63CAF}"/>
+                  </a:ext>
+                </a:extLst>
+              </p:cNvPr>
+              <p:cNvSpPr txBox="1"/>
+              <p:nvPr/>
+            </p:nvSpPr>
+            <p:spPr>
+              <a:xfrm>
+                <a:off x="1860795" y="3540157"/>
+                <a:ext cx="6097162" cy="369332"/>
+              </a:xfrm>
+              <a:prstGeom prst="rect">
+                <a:avLst/>
+              </a:prstGeom>
+              <a:noFill/>
+            </p:spPr>
+            <p:txBody>
+              <a:bodyPr wrap="square">
+                <a:spAutoFit/>
+              </a:bodyPr>
+              <a:lstStyle/>
+              <a:p>
+                <a:pPr/>
+                <a14:m>
+                  <m:oMathPara xmlns:m="http://schemas.openxmlformats.org/officeDocument/2006/math">
+                    <m:oMathParaPr>
+                      <m:jc m:val="centerGroup"/>
+                    </m:oMathParaPr>
+                    <m:oMath xmlns:m="http://schemas.openxmlformats.org/officeDocument/2006/math">
+                      <m:r>
+                        <a:rPr lang="en-US" i="1" smtClean="0">
+                          <a:latin typeface="Cambria Math" panose="02040503050406030204" pitchFamily="18" charset="0"/>
+                        </a:rPr>
+                        <m:t>𝑙</m:t>
+                      </m:r>
+                      <m:r>
+                        <a:rPr lang="en-US" b="0" i="1" smtClean="0">
+                          <a:latin typeface="Cambria Math" panose="02040503050406030204" pitchFamily="18" charset="0"/>
+                        </a:rPr>
+                        <m:t>𝑘</m:t>
+                      </m:r>
+                      <m:r>
+                        <a:rPr lang="en-US" b="0" i="1" smtClean="0">
+                          <a:latin typeface="Cambria Math" panose="02040503050406030204" pitchFamily="18" charset="0"/>
+                        </a:rPr>
+                        <m:t>(</m:t>
+                      </m:r>
+                      <m:r>
+                        <a:rPr lang="en-US" b="0" i="1" smtClean="0">
+                          <a:latin typeface="Cambria Math" panose="02040503050406030204" pitchFamily="18" charset="0"/>
+                        </a:rPr>
+                        <m:t>𝑙</m:t>
+                      </m:r>
+                      <m:r>
+                        <a:rPr lang="en-US" b="0" i="1" smtClean="0">
+                          <a:latin typeface="Cambria Math" panose="02040503050406030204" pitchFamily="18" charset="0"/>
+                        </a:rPr>
+                        <m:t>, </m:t>
+                      </m:r>
+                      <m:r>
+                        <a:rPr lang="en-US" b="0" i="1" smtClean="0">
+                          <a:latin typeface="Cambria Math" panose="02040503050406030204" pitchFamily="18" charset="0"/>
+                        </a:rPr>
+                        <m:t>𝑦</m:t>
+                      </m:r>
+                      <m:r>
+                        <a:rPr lang="en-US" b="0" i="1" smtClean="0">
+                          <a:latin typeface="Cambria Math" panose="02040503050406030204" pitchFamily="18" charset="0"/>
+                        </a:rPr>
+                        <m:t>)</m:t>
+                      </m:r>
+                    </m:oMath>
+                  </m:oMathPara>
+                </a14:m>
+                <a:endParaRPr lang="en-US" dirty="0"/>
+              </a:p>
+            </p:txBody>
+          </p:sp>
+        </mc:Choice>
+        <mc:Fallback xmlns="">
+          <p:sp>
+            <p:nvSpPr>
+              <p:cNvPr id="8" name="TextBox 7">
+                <a:extLst>
+                  <a:ext uri="{FF2B5EF4-FFF2-40B4-BE49-F238E27FC236}">
+                    <a16:creationId xmlns:a16="http://schemas.microsoft.com/office/drawing/2014/main" id="{424F7B20-3B6E-42A9-BBF0-DDFFE3D63CAF}"/>
+                  </a:ext>
+                </a:extLst>
+              </p:cNvPr>
+              <p:cNvSpPr txBox="1">
+                <a:spLocks noRot="1" noChangeAspect="1" noMove="1" noResize="1" noEditPoints="1" noAdjustHandles="1" noChangeArrowheads="1" noChangeShapeType="1" noTextEdit="1"/>
+              </p:cNvSpPr>
+              <p:nvPr/>
+            </p:nvSpPr>
+            <p:spPr>
+              <a:xfrm>
+                <a:off x="1860795" y="3540157"/>
+                <a:ext cx="6097162" cy="369332"/>
+              </a:xfrm>
+              <a:prstGeom prst="rect">
+                <a:avLst/>
+              </a:prstGeom>
+              <a:blipFill>
+                <a:blip r:embed="rId4"/>
+                <a:stretch>
+                  <a:fillRect b="-13333"/>
+                </a:stretch>
+              </a:blipFill>
+            </p:spPr>
+            <p:txBody>
+              <a:bodyPr/>
+              <a:lstStyle/>
+              <a:p>
+                <a:r>
+                  <a:rPr lang="en-US">
+                    <a:noFill/>
+                  </a:rPr>
+                  <a:t> </a:t>
+                </a:r>
+              </a:p>
+            </p:txBody>
+          </p:sp>
+        </mc:Fallback>
+      </mc:AlternateContent>
+      <mc:AlternateContent xmlns:mc="http://schemas.openxmlformats.org/markup-compatibility/2006" xmlns:a14="http://schemas.microsoft.com/office/drawing/2010/main">
+        <mc:Choice Requires="a14">
+          <p:sp>
+            <p:nvSpPr>
+              <p:cNvPr id="9" name="TextBox 8">
+                <a:extLst>
+                  <a:ext uri="{FF2B5EF4-FFF2-40B4-BE49-F238E27FC236}">
+                    <a16:creationId xmlns:a16="http://schemas.microsoft.com/office/drawing/2014/main" id="{98DCACA1-3C3F-AF91-E4E4-05773C5BC434}"/>
+                  </a:ext>
+                </a:extLst>
+              </p:cNvPr>
+              <p:cNvSpPr txBox="1"/>
+              <p:nvPr/>
+            </p:nvSpPr>
+            <p:spPr>
+              <a:xfrm>
+                <a:off x="638105" y="4328150"/>
+                <a:ext cx="6097162" cy="369332"/>
+              </a:xfrm>
+              <a:prstGeom prst="rect">
+                <a:avLst/>
+              </a:prstGeom>
+              <a:noFill/>
+            </p:spPr>
+            <p:txBody>
+              <a:bodyPr wrap="square">
+                <a:spAutoFit/>
+              </a:bodyPr>
+              <a:lstStyle/>
+              <a:p>
+                <a:pPr/>
+                <a14:m>
+                  <m:oMathPara xmlns:m="http://schemas.openxmlformats.org/officeDocument/2006/math">
+                    <m:oMathParaPr>
+                      <m:jc m:val="centerGroup"/>
+                    </m:oMathParaPr>
+                    <m:oMath xmlns:m="http://schemas.openxmlformats.org/officeDocument/2006/math">
+                      <m:r>
+                        <a:rPr lang="en-US" i="1" smtClean="0">
+                          <a:latin typeface="Cambria Math" panose="02040503050406030204" pitchFamily="18" charset="0"/>
+                        </a:rPr>
+                        <m:t>(</m:t>
+                      </m:r>
+                      <m:r>
+                        <a:rPr lang="en-US" b="0" i="1" smtClean="0">
+                          <a:latin typeface="Cambria Math" panose="02040503050406030204" pitchFamily="18" charset="0"/>
+                        </a:rPr>
+                        <m:t>0.7, 0.7)</m:t>
+                      </m:r>
+                    </m:oMath>
+                  </m:oMathPara>
+                </a14:m>
+                <a:endParaRPr lang="en-US" dirty="0"/>
+              </a:p>
+            </p:txBody>
+          </p:sp>
+        </mc:Choice>
+        <mc:Fallback xmlns="">
+          <p:sp>
+            <p:nvSpPr>
+              <p:cNvPr id="9" name="TextBox 8">
+                <a:extLst>
+                  <a:ext uri="{FF2B5EF4-FFF2-40B4-BE49-F238E27FC236}">
+                    <a16:creationId xmlns:a16="http://schemas.microsoft.com/office/drawing/2014/main" id="{98DCACA1-3C3F-AF91-E4E4-05773C5BC434}"/>
+                  </a:ext>
+                </a:extLst>
+              </p:cNvPr>
+              <p:cNvSpPr txBox="1">
+                <a:spLocks noRot="1" noChangeAspect="1" noMove="1" noResize="1" noEditPoints="1" noAdjustHandles="1" noChangeArrowheads="1" noChangeShapeType="1" noTextEdit="1"/>
+              </p:cNvSpPr>
+              <p:nvPr/>
+            </p:nvSpPr>
+            <p:spPr>
+              <a:xfrm>
+                <a:off x="638105" y="4328150"/>
+                <a:ext cx="6097162" cy="369332"/>
+              </a:xfrm>
+              <a:prstGeom prst="rect">
+                <a:avLst/>
+              </a:prstGeom>
+              <a:blipFill>
+                <a:blip r:embed="rId5"/>
+                <a:stretch>
+                  <a:fillRect b="-11475"/>
+                </a:stretch>
+              </a:blipFill>
+            </p:spPr>
+            <p:txBody>
+              <a:bodyPr/>
+              <a:lstStyle/>
+              <a:p>
+                <a:r>
+                  <a:rPr lang="en-US">
+                    <a:noFill/>
+                  </a:rPr>
+                  <a:t> </a:t>
+                </a:r>
+              </a:p>
+            </p:txBody>
+          </p:sp>
+        </mc:Fallback>
+      </mc:AlternateContent>
+    </p:spTree>
+    <p:extLst>
+      <p:ext uri="{BB962C8B-B14F-4D97-AF65-F5344CB8AC3E}">
+        <p14:creationId xmlns:p14="http://schemas.microsoft.com/office/powerpoint/2010/main" val="3374614232"/>
       </p:ext>
     </p:extLst>
   </p:cSld>
@@ -32601,6 +33578,832 @@
   <p:cSld>
     <p:spTree>
       <p:nvGrpSpPr>
+        <p:cNvPr id="1" name=""/>
+        <p:cNvGrpSpPr/>
+        <p:nvPr/>
+      </p:nvGrpSpPr>
+      <p:grpSpPr>
+        <a:xfrm>
+          <a:off x="0" y="0"/>
+          <a:ext cx="0" cy="0"/>
+          <a:chOff x="0" y="0"/>
+          <a:chExt cx="0" cy="0"/>
+        </a:xfrm>
+      </p:grpSpPr>
+      <p:pic>
+        <p:nvPicPr>
+          <p:cNvPr id="5" name="Picture 4" descr="A diagram of a graph&#10;&#10;AI-generated content may be incorrect.">
+            <a:extLst>
+              <a:ext uri="{FF2B5EF4-FFF2-40B4-BE49-F238E27FC236}">
+                <a16:creationId xmlns:a16="http://schemas.microsoft.com/office/drawing/2014/main" id="{A21E3B58-73A1-C7E4-1475-696B124E52CF}"/>
+              </a:ext>
+            </a:extLst>
+          </p:cNvPr>
+          <p:cNvPicPr>
+            <a:picLocks noChangeAspect="1"/>
+          </p:cNvPicPr>
+          <p:nvPr/>
+        </p:nvPicPr>
+        <p:blipFill>
+          <a:blip r:embed="rId2">
+            <a:extLst>
+              <a:ext uri="{28A0092B-C50C-407E-A947-70E740481C1C}">
+                <a14:useLocalDpi xmlns:a14="http://schemas.microsoft.com/office/drawing/2010/main" val="0"/>
+              </a:ext>
+            </a:extLst>
+          </a:blip>
+          <a:stretch>
+            <a:fillRect/>
+          </a:stretch>
+        </p:blipFill>
+        <p:spPr>
+          <a:xfrm>
+            <a:off x="571190" y="1431947"/>
+            <a:ext cx="4773177" cy="3511303"/>
+          </a:xfrm>
+          <a:prstGeom prst="rect">
+            <a:avLst/>
+          </a:prstGeom>
+        </p:spPr>
+      </p:pic>
+      <p:sp>
+        <p:nvSpPr>
+          <p:cNvPr id="6" name="Arrow: Right 5">
+            <a:extLst>
+              <a:ext uri="{FF2B5EF4-FFF2-40B4-BE49-F238E27FC236}">
+                <a16:creationId xmlns:a16="http://schemas.microsoft.com/office/drawing/2014/main" id="{B7791369-A47A-7800-EE9D-A249B8270A97}"/>
+              </a:ext>
+            </a:extLst>
+          </p:cNvPr>
+          <p:cNvSpPr/>
+          <p:nvPr/>
+        </p:nvSpPr>
+        <p:spPr>
+          <a:xfrm>
+            <a:off x="5344367" y="3138737"/>
+            <a:ext cx="994874" cy="760781"/>
+          </a:xfrm>
+          <a:prstGeom prst="rightArrow">
+            <a:avLst/>
+          </a:prstGeom>
+        </p:spPr>
+        <p:style>
+          <a:lnRef idx="2">
+            <a:schemeClr val="accent1">
+              <a:shade val="15000"/>
+            </a:schemeClr>
+          </a:lnRef>
+          <a:fillRef idx="1">
+            <a:schemeClr val="accent1"/>
+          </a:fillRef>
+          <a:effectRef idx="0">
+            <a:schemeClr val="accent1"/>
+          </a:effectRef>
+          <a:fontRef idx="minor">
+            <a:schemeClr val="lt1"/>
+          </a:fontRef>
+        </p:style>
+        <p:txBody>
+          <a:bodyPr rtlCol="0" anchor="ctr"/>
+          <a:lstStyle/>
+          <a:p>
+            <a:pPr algn="ctr"/>
+            <a:endParaRPr lang="en-US"/>
+          </a:p>
+        </p:txBody>
+      </p:sp>
+      <p:cxnSp>
+        <p:nvCxnSpPr>
+          <p:cNvPr id="8" name="Straight Arrow Connector 7">
+            <a:extLst>
+              <a:ext uri="{FF2B5EF4-FFF2-40B4-BE49-F238E27FC236}">
+                <a16:creationId xmlns:a16="http://schemas.microsoft.com/office/drawing/2014/main" id="{796E60D4-A150-4289-915B-9592E876A3B1}"/>
+              </a:ext>
+            </a:extLst>
+          </p:cNvPr>
+          <p:cNvCxnSpPr/>
+          <p:nvPr/>
+        </p:nvCxnSpPr>
+        <p:spPr>
+          <a:xfrm>
+            <a:off x="6540403" y="3552898"/>
+            <a:ext cx="4320715" cy="0"/>
+          </a:xfrm>
+          <a:prstGeom prst="straightConnector1">
+            <a:avLst/>
+          </a:prstGeom>
+          <a:ln>
+            <a:tailEnd type="triangle"/>
+          </a:ln>
+        </p:spPr>
+        <p:style>
+          <a:lnRef idx="2">
+            <a:schemeClr val="dk1"/>
+          </a:lnRef>
+          <a:fillRef idx="0">
+            <a:schemeClr val="dk1"/>
+          </a:fillRef>
+          <a:effectRef idx="1">
+            <a:schemeClr val="dk1"/>
+          </a:effectRef>
+          <a:fontRef idx="minor">
+            <a:schemeClr val="tx1"/>
+          </a:fontRef>
+        </p:style>
+      </p:cxnSp>
+      <p:cxnSp>
+        <p:nvCxnSpPr>
+          <p:cNvPr id="10" name="Straight Connector 9">
+            <a:extLst>
+              <a:ext uri="{FF2B5EF4-FFF2-40B4-BE49-F238E27FC236}">
+                <a16:creationId xmlns:a16="http://schemas.microsoft.com/office/drawing/2014/main" id="{17254F95-0597-BD36-A6CF-91CC348FA37D}"/>
+              </a:ext>
+            </a:extLst>
+          </p:cNvPr>
+          <p:cNvCxnSpPr/>
+          <p:nvPr/>
+        </p:nvCxnSpPr>
+        <p:spPr>
+          <a:xfrm flipV="1">
+            <a:off x="8439005" y="3313827"/>
+            <a:ext cx="0" cy="230345"/>
+          </a:xfrm>
+          <a:prstGeom prst="line">
+            <a:avLst/>
+          </a:prstGeom>
+        </p:spPr>
+        <p:style>
+          <a:lnRef idx="2">
+            <a:schemeClr val="dk1"/>
+          </a:lnRef>
+          <a:fillRef idx="0">
+            <a:schemeClr val="dk1"/>
+          </a:fillRef>
+          <a:effectRef idx="1">
+            <a:schemeClr val="dk1"/>
+          </a:effectRef>
+          <a:fontRef idx="minor">
+            <a:schemeClr val="tx1"/>
+          </a:fontRef>
+        </p:style>
+      </p:cxnSp>
+      <p:cxnSp>
+        <p:nvCxnSpPr>
+          <p:cNvPr id="12" name="Straight Connector 11">
+            <a:extLst>
+              <a:ext uri="{FF2B5EF4-FFF2-40B4-BE49-F238E27FC236}">
+                <a16:creationId xmlns:a16="http://schemas.microsoft.com/office/drawing/2014/main" id="{7384CF89-5412-A012-7365-68DCFD372333}"/>
+              </a:ext>
+            </a:extLst>
+          </p:cNvPr>
+          <p:cNvCxnSpPr/>
+          <p:nvPr/>
+        </p:nvCxnSpPr>
+        <p:spPr>
+          <a:xfrm flipV="1">
+            <a:off x="8834546" y="3322552"/>
+            <a:ext cx="0" cy="230345"/>
+          </a:xfrm>
+          <a:prstGeom prst="line">
+            <a:avLst/>
+          </a:prstGeom>
+        </p:spPr>
+        <p:style>
+          <a:lnRef idx="2">
+            <a:schemeClr val="dk1"/>
+          </a:lnRef>
+          <a:fillRef idx="0">
+            <a:schemeClr val="dk1"/>
+          </a:fillRef>
+          <a:effectRef idx="1">
+            <a:schemeClr val="dk1"/>
+          </a:effectRef>
+          <a:fontRef idx="minor">
+            <a:schemeClr val="tx1"/>
+          </a:fontRef>
+        </p:style>
+      </p:cxnSp>
+      <p:cxnSp>
+        <p:nvCxnSpPr>
+          <p:cNvPr id="13" name="Straight Connector 12">
+            <a:extLst>
+              <a:ext uri="{FF2B5EF4-FFF2-40B4-BE49-F238E27FC236}">
+                <a16:creationId xmlns:a16="http://schemas.microsoft.com/office/drawing/2014/main" id="{14483165-F8BB-11C4-7F40-6AB19B451783}"/>
+              </a:ext>
+            </a:extLst>
+          </p:cNvPr>
+          <p:cNvCxnSpPr/>
+          <p:nvPr/>
+        </p:nvCxnSpPr>
+        <p:spPr>
+          <a:xfrm flipV="1">
+            <a:off x="6991786" y="3313827"/>
+            <a:ext cx="0" cy="230345"/>
+          </a:xfrm>
+          <a:prstGeom prst="line">
+            <a:avLst/>
+          </a:prstGeom>
+        </p:spPr>
+        <p:style>
+          <a:lnRef idx="2">
+            <a:schemeClr val="dk1"/>
+          </a:lnRef>
+          <a:fillRef idx="0">
+            <a:schemeClr val="dk1"/>
+          </a:fillRef>
+          <a:effectRef idx="1">
+            <a:schemeClr val="dk1"/>
+          </a:effectRef>
+          <a:fontRef idx="minor">
+            <a:schemeClr val="tx1"/>
+          </a:fontRef>
+        </p:style>
+      </p:cxnSp>
+      <p:cxnSp>
+        <p:nvCxnSpPr>
+          <p:cNvPr id="14" name="Straight Connector 13">
+            <a:extLst>
+              <a:ext uri="{FF2B5EF4-FFF2-40B4-BE49-F238E27FC236}">
+                <a16:creationId xmlns:a16="http://schemas.microsoft.com/office/drawing/2014/main" id="{EAB24A76-50EE-5955-03D2-A9ED0BABF521}"/>
+              </a:ext>
+            </a:extLst>
+          </p:cNvPr>
+          <p:cNvCxnSpPr/>
+          <p:nvPr/>
+        </p:nvCxnSpPr>
+        <p:spPr>
+          <a:xfrm flipV="1">
+            <a:off x="9881569" y="3322551"/>
+            <a:ext cx="0" cy="230345"/>
+          </a:xfrm>
+          <a:prstGeom prst="line">
+            <a:avLst/>
+          </a:prstGeom>
+        </p:spPr>
+        <p:style>
+          <a:lnRef idx="2">
+            <a:schemeClr val="dk1"/>
+          </a:lnRef>
+          <a:fillRef idx="0">
+            <a:schemeClr val="dk1"/>
+          </a:fillRef>
+          <a:effectRef idx="1">
+            <a:schemeClr val="dk1"/>
+          </a:effectRef>
+          <a:fontRef idx="minor">
+            <a:schemeClr val="tx1"/>
+          </a:fontRef>
+        </p:style>
+      </p:cxnSp>
+      <p:sp>
+        <p:nvSpPr>
+          <p:cNvPr id="15" name="TextBox 14">
+            <a:extLst>
+              <a:ext uri="{FF2B5EF4-FFF2-40B4-BE49-F238E27FC236}">
+                <a16:creationId xmlns:a16="http://schemas.microsoft.com/office/drawing/2014/main" id="{52636132-B545-2F62-16F8-987522E06343}"/>
+              </a:ext>
+            </a:extLst>
+          </p:cNvPr>
+          <p:cNvSpPr txBox="1"/>
+          <p:nvPr/>
+        </p:nvSpPr>
+        <p:spPr>
+          <a:xfrm>
+            <a:off x="6575740" y="3598578"/>
+            <a:ext cx="1123805" cy="369332"/>
+          </a:xfrm>
+          <a:prstGeom prst="rect">
+            <a:avLst/>
+          </a:prstGeom>
+          <a:noFill/>
+        </p:spPr>
+        <p:txBody>
+          <a:bodyPr wrap="square" rtlCol="0">
+            <a:spAutoFit/>
+          </a:bodyPr>
+          <a:lstStyle/>
+          <a:p>
+            <a:r>
+              <a:rPr lang="en-US" dirty="0"/>
+              <a:t>-2.658</a:t>
+            </a:r>
+          </a:p>
+        </p:txBody>
+      </p:sp>
+      <p:sp>
+        <p:nvSpPr>
+          <p:cNvPr id="16" name="TextBox 15">
+            <a:extLst>
+              <a:ext uri="{FF2B5EF4-FFF2-40B4-BE49-F238E27FC236}">
+                <a16:creationId xmlns:a16="http://schemas.microsoft.com/office/drawing/2014/main" id="{739A4F02-9CEA-D528-90EF-3358A9CBF5F3}"/>
+              </a:ext>
+            </a:extLst>
+          </p:cNvPr>
+          <p:cNvSpPr txBox="1"/>
+          <p:nvPr/>
+        </p:nvSpPr>
+        <p:spPr>
+          <a:xfrm>
+            <a:off x="7852558" y="3597952"/>
+            <a:ext cx="1123805" cy="369332"/>
+          </a:xfrm>
+          <a:prstGeom prst="rect">
+            <a:avLst/>
+          </a:prstGeom>
+          <a:noFill/>
+        </p:spPr>
+        <p:txBody>
+          <a:bodyPr wrap="square" rtlCol="0">
+            <a:spAutoFit/>
+          </a:bodyPr>
+          <a:lstStyle/>
+          <a:p>
+            <a:r>
+              <a:rPr lang="en-US" dirty="0"/>
+              <a:t>-0.658</a:t>
+            </a:r>
+          </a:p>
+        </p:txBody>
+      </p:sp>
+      <p:sp>
+        <p:nvSpPr>
+          <p:cNvPr id="17" name="TextBox 16">
+            <a:extLst>
+              <a:ext uri="{FF2B5EF4-FFF2-40B4-BE49-F238E27FC236}">
+                <a16:creationId xmlns:a16="http://schemas.microsoft.com/office/drawing/2014/main" id="{C3ABA42C-FAF2-103B-9DA3-410ADA73DD14}"/>
+              </a:ext>
+            </a:extLst>
+          </p:cNvPr>
+          <p:cNvSpPr txBox="1"/>
+          <p:nvPr/>
+        </p:nvSpPr>
+        <p:spPr>
+          <a:xfrm>
+            <a:off x="8576218" y="3597952"/>
+            <a:ext cx="1123805" cy="369332"/>
+          </a:xfrm>
+          <a:prstGeom prst="rect">
+            <a:avLst/>
+          </a:prstGeom>
+          <a:noFill/>
+        </p:spPr>
+        <p:txBody>
+          <a:bodyPr wrap="square" rtlCol="0">
+            <a:spAutoFit/>
+          </a:bodyPr>
+          <a:lstStyle/>
+          <a:p>
+            <a:r>
+              <a:rPr lang="en-US" dirty="0"/>
+              <a:t> 0.658</a:t>
+            </a:r>
+          </a:p>
+        </p:txBody>
+      </p:sp>
+      <p:sp>
+        <p:nvSpPr>
+          <p:cNvPr id="18" name="TextBox 17">
+            <a:extLst>
+              <a:ext uri="{FF2B5EF4-FFF2-40B4-BE49-F238E27FC236}">
+                <a16:creationId xmlns:a16="http://schemas.microsoft.com/office/drawing/2014/main" id="{4B942FD7-DEDF-6C80-53B6-64F2FC251EB9}"/>
+              </a:ext>
+            </a:extLst>
+          </p:cNvPr>
+          <p:cNvSpPr txBox="1"/>
+          <p:nvPr/>
+        </p:nvSpPr>
+        <p:spPr>
+          <a:xfrm>
+            <a:off x="9560482" y="3597954"/>
+            <a:ext cx="1123805" cy="369332"/>
+          </a:xfrm>
+          <a:prstGeom prst="rect">
+            <a:avLst/>
+          </a:prstGeom>
+          <a:noFill/>
+        </p:spPr>
+        <p:txBody>
+          <a:bodyPr wrap="square" rtlCol="0">
+            <a:spAutoFit/>
+          </a:bodyPr>
+          <a:lstStyle/>
+          <a:p>
+            <a:r>
+              <a:rPr lang="en-US" dirty="0"/>
+              <a:t>2.658</a:t>
+            </a:r>
+          </a:p>
+        </p:txBody>
+      </p:sp>
+      <p:sp>
+        <p:nvSpPr>
+          <p:cNvPr id="19" name="TextBox 18">
+            <a:extLst>
+              <a:ext uri="{FF2B5EF4-FFF2-40B4-BE49-F238E27FC236}">
+                <a16:creationId xmlns:a16="http://schemas.microsoft.com/office/drawing/2014/main" id="{41BACAF0-2873-22B9-4BFD-0005DF38197F}"/>
+              </a:ext>
+            </a:extLst>
+          </p:cNvPr>
+          <p:cNvSpPr txBox="1"/>
+          <p:nvPr/>
+        </p:nvSpPr>
+        <p:spPr>
+          <a:xfrm>
+            <a:off x="6758169" y="2908054"/>
+            <a:ext cx="467234" cy="369332"/>
+          </a:xfrm>
+          <a:prstGeom prst="rect">
+            <a:avLst/>
+          </a:prstGeom>
+          <a:noFill/>
+        </p:spPr>
+        <p:txBody>
+          <a:bodyPr wrap="square" rtlCol="0">
+            <a:spAutoFit/>
+          </a:bodyPr>
+          <a:lstStyle/>
+          <a:p>
+            <a:r>
+              <a:rPr lang="en-US" dirty="0"/>
+              <a:t>+1</a:t>
+            </a:r>
+          </a:p>
+        </p:txBody>
+      </p:sp>
+      <p:sp>
+        <p:nvSpPr>
+          <p:cNvPr id="20" name="TextBox 19">
+            <a:extLst>
+              <a:ext uri="{FF2B5EF4-FFF2-40B4-BE49-F238E27FC236}">
+                <a16:creationId xmlns:a16="http://schemas.microsoft.com/office/drawing/2014/main" id="{894A04C6-E743-2492-A645-E5DDCCC691A1}"/>
+              </a:ext>
+            </a:extLst>
+          </p:cNvPr>
+          <p:cNvSpPr txBox="1"/>
+          <p:nvPr/>
+        </p:nvSpPr>
+        <p:spPr>
+          <a:xfrm>
+            <a:off x="8220277" y="2907398"/>
+            <a:ext cx="467234" cy="369332"/>
+          </a:xfrm>
+          <a:prstGeom prst="rect">
+            <a:avLst/>
+          </a:prstGeom>
+          <a:noFill/>
+        </p:spPr>
+        <p:txBody>
+          <a:bodyPr wrap="square" rtlCol="0">
+            <a:spAutoFit/>
+          </a:bodyPr>
+          <a:lstStyle/>
+          <a:p>
+            <a:r>
+              <a:rPr lang="en-US" dirty="0"/>
+              <a:t>+1</a:t>
+            </a:r>
+          </a:p>
+        </p:txBody>
+      </p:sp>
+      <p:sp>
+        <p:nvSpPr>
+          <p:cNvPr id="21" name="TextBox 20">
+            <a:extLst>
+              <a:ext uri="{FF2B5EF4-FFF2-40B4-BE49-F238E27FC236}">
+                <a16:creationId xmlns:a16="http://schemas.microsoft.com/office/drawing/2014/main" id="{34A7D903-A4DD-61C0-FCE9-03C75079637D}"/>
+              </a:ext>
+            </a:extLst>
+          </p:cNvPr>
+          <p:cNvSpPr txBox="1"/>
+          <p:nvPr/>
+        </p:nvSpPr>
+        <p:spPr>
+          <a:xfrm>
+            <a:off x="9682385" y="2907398"/>
+            <a:ext cx="467234" cy="369332"/>
+          </a:xfrm>
+          <a:prstGeom prst="rect">
+            <a:avLst/>
+          </a:prstGeom>
+          <a:noFill/>
+        </p:spPr>
+        <p:txBody>
+          <a:bodyPr wrap="square" rtlCol="0">
+            <a:spAutoFit/>
+          </a:bodyPr>
+          <a:lstStyle/>
+          <a:p>
+            <a:r>
+              <a:rPr lang="en-US" dirty="0"/>
+              <a:t>-1</a:t>
+            </a:r>
+          </a:p>
+        </p:txBody>
+      </p:sp>
+      <p:sp>
+        <p:nvSpPr>
+          <p:cNvPr id="22" name="TextBox 21">
+            <a:extLst>
+              <a:ext uri="{FF2B5EF4-FFF2-40B4-BE49-F238E27FC236}">
+                <a16:creationId xmlns:a16="http://schemas.microsoft.com/office/drawing/2014/main" id="{E16A7217-1C86-BA87-5786-0E00F8642D21}"/>
+              </a:ext>
+            </a:extLst>
+          </p:cNvPr>
+          <p:cNvSpPr txBox="1"/>
+          <p:nvPr/>
+        </p:nvSpPr>
+        <p:spPr>
+          <a:xfrm>
+            <a:off x="8672622" y="2907541"/>
+            <a:ext cx="467234" cy="369332"/>
+          </a:xfrm>
+          <a:prstGeom prst="rect">
+            <a:avLst/>
+          </a:prstGeom>
+          <a:noFill/>
+        </p:spPr>
+        <p:txBody>
+          <a:bodyPr wrap="square" rtlCol="0">
+            <a:spAutoFit/>
+          </a:bodyPr>
+          <a:lstStyle/>
+          <a:p>
+            <a:r>
+              <a:rPr lang="en-US" dirty="0"/>
+              <a:t>-1</a:t>
+            </a:r>
+          </a:p>
+        </p:txBody>
+      </p:sp>
+      <p:sp>
+        <p:nvSpPr>
+          <p:cNvPr id="23" name="TextBox 22">
+            <a:extLst>
+              <a:ext uri="{FF2B5EF4-FFF2-40B4-BE49-F238E27FC236}">
+                <a16:creationId xmlns:a16="http://schemas.microsoft.com/office/drawing/2014/main" id="{9E2FA807-7A53-4095-38AF-BCCA9A249786}"/>
+              </a:ext>
+            </a:extLst>
+          </p:cNvPr>
+          <p:cNvSpPr txBox="1"/>
+          <p:nvPr/>
+        </p:nvSpPr>
+        <p:spPr>
+          <a:xfrm>
+            <a:off x="10423970" y="3552272"/>
+            <a:ext cx="1123805" cy="369332"/>
+          </a:xfrm>
+          <a:prstGeom prst="rect">
+            <a:avLst/>
+          </a:prstGeom>
+          <a:noFill/>
+        </p:spPr>
+        <p:txBody>
+          <a:bodyPr wrap="square" rtlCol="0">
+            <a:spAutoFit/>
+          </a:bodyPr>
+          <a:lstStyle/>
+          <a:p>
+            <a:r>
+              <a:rPr lang="en-US" i="1" dirty="0">
+                <a:latin typeface="Times New Roman" panose="02020603050405020304" pitchFamily="18" charset="0"/>
+                <a:cs typeface="Times New Roman" panose="02020603050405020304" pitchFamily="18" charset="0"/>
+              </a:rPr>
+              <a:t>value</a:t>
+            </a:r>
+          </a:p>
+        </p:txBody>
+      </p:sp>
+      <p:sp>
+        <p:nvSpPr>
+          <p:cNvPr id="24" name="TextBox 23">
+            <a:extLst>
+              <a:ext uri="{FF2B5EF4-FFF2-40B4-BE49-F238E27FC236}">
+                <a16:creationId xmlns:a16="http://schemas.microsoft.com/office/drawing/2014/main" id="{6D7C63B9-C76D-3E31-ECA0-1BF1BD200DA6}"/>
+              </a:ext>
+            </a:extLst>
+          </p:cNvPr>
+          <p:cNvSpPr txBox="1"/>
+          <p:nvPr/>
+        </p:nvSpPr>
+        <p:spPr>
+          <a:xfrm>
+            <a:off x="10419751" y="3137885"/>
+            <a:ext cx="1123805" cy="369332"/>
+          </a:xfrm>
+          <a:prstGeom prst="rect">
+            <a:avLst/>
+          </a:prstGeom>
+          <a:noFill/>
+        </p:spPr>
+        <p:txBody>
+          <a:bodyPr wrap="square" rtlCol="0">
+            <a:spAutoFit/>
+          </a:bodyPr>
+          <a:lstStyle/>
+          <a:p>
+            <a:r>
+              <a:rPr lang="en-US" i="1" dirty="0">
+                <a:latin typeface="Times New Roman" panose="02020603050405020304" pitchFamily="18" charset="0"/>
+                <a:cs typeface="Times New Roman" panose="02020603050405020304" pitchFamily="18" charset="0"/>
+              </a:rPr>
+              <a:t>score</a:t>
+            </a:r>
+          </a:p>
+        </p:txBody>
+      </p:sp>
+      <p:sp>
+        <p:nvSpPr>
+          <p:cNvPr id="3" name="TextBox 2">
+            <a:extLst>
+              <a:ext uri="{FF2B5EF4-FFF2-40B4-BE49-F238E27FC236}">
+                <a16:creationId xmlns:a16="http://schemas.microsoft.com/office/drawing/2014/main" id="{CD2B4197-BB06-A95D-BF28-937E91871D1A}"/>
+              </a:ext>
+            </a:extLst>
+          </p:cNvPr>
+          <p:cNvSpPr txBox="1"/>
+          <p:nvPr/>
+        </p:nvSpPr>
+        <p:spPr>
+          <a:xfrm>
+            <a:off x="6417604" y="3199579"/>
+            <a:ext cx="467234" cy="369332"/>
+          </a:xfrm>
+          <a:prstGeom prst="rect">
+            <a:avLst/>
+          </a:prstGeom>
+          <a:noFill/>
+        </p:spPr>
+        <p:txBody>
+          <a:bodyPr wrap="square" rtlCol="0">
+            <a:spAutoFit/>
+          </a:bodyPr>
+          <a:lstStyle/>
+          <a:p>
+            <a:r>
+              <a:rPr lang="en-US" dirty="0"/>
+              <a:t>-1</a:t>
+            </a:r>
+          </a:p>
+        </p:txBody>
+      </p:sp>
+      <p:sp>
+        <p:nvSpPr>
+          <p:cNvPr id="4" name="TextBox 3">
+            <a:extLst>
+              <a:ext uri="{FF2B5EF4-FFF2-40B4-BE49-F238E27FC236}">
+                <a16:creationId xmlns:a16="http://schemas.microsoft.com/office/drawing/2014/main" id="{4B1F20D8-3797-340E-0676-BD76AAEBDC84}"/>
+              </a:ext>
+            </a:extLst>
+          </p:cNvPr>
+          <p:cNvSpPr txBox="1"/>
+          <p:nvPr/>
+        </p:nvSpPr>
+        <p:spPr>
+          <a:xfrm>
+            <a:off x="7493748" y="3199579"/>
+            <a:ext cx="467234" cy="369332"/>
+          </a:xfrm>
+          <a:prstGeom prst="rect">
+            <a:avLst/>
+          </a:prstGeom>
+          <a:noFill/>
+        </p:spPr>
+        <p:txBody>
+          <a:bodyPr wrap="square" rtlCol="0">
+            <a:spAutoFit/>
+          </a:bodyPr>
+          <a:lstStyle/>
+          <a:p>
+            <a:r>
+              <a:rPr lang="en-US" dirty="0"/>
+              <a:t>0</a:t>
+            </a:r>
+          </a:p>
+        </p:txBody>
+      </p:sp>
+      <p:sp>
+        <p:nvSpPr>
+          <p:cNvPr id="7" name="TextBox 6">
+            <a:extLst>
+              <a:ext uri="{FF2B5EF4-FFF2-40B4-BE49-F238E27FC236}">
+                <a16:creationId xmlns:a16="http://schemas.microsoft.com/office/drawing/2014/main" id="{FDF514A2-A4D2-0880-65FE-597DF859DD46}"/>
+              </a:ext>
+            </a:extLst>
+          </p:cNvPr>
+          <p:cNvSpPr txBox="1"/>
+          <p:nvPr/>
+        </p:nvSpPr>
+        <p:spPr>
+          <a:xfrm>
+            <a:off x="8491117" y="3199579"/>
+            <a:ext cx="467234" cy="369332"/>
+          </a:xfrm>
+          <a:prstGeom prst="rect">
+            <a:avLst/>
+          </a:prstGeom>
+          <a:noFill/>
+        </p:spPr>
+        <p:txBody>
+          <a:bodyPr wrap="square" rtlCol="0">
+            <a:spAutoFit/>
+          </a:bodyPr>
+          <a:lstStyle/>
+          <a:p>
+            <a:r>
+              <a:rPr lang="en-US" dirty="0"/>
+              <a:t>1</a:t>
+            </a:r>
+          </a:p>
+        </p:txBody>
+      </p:sp>
+      <p:sp>
+        <p:nvSpPr>
+          <p:cNvPr id="9" name="TextBox 8">
+            <a:extLst>
+              <a:ext uri="{FF2B5EF4-FFF2-40B4-BE49-F238E27FC236}">
+                <a16:creationId xmlns:a16="http://schemas.microsoft.com/office/drawing/2014/main" id="{E04E6462-148A-B6C2-9E1B-CC0088405A21}"/>
+              </a:ext>
+            </a:extLst>
+          </p:cNvPr>
+          <p:cNvSpPr txBox="1"/>
+          <p:nvPr/>
+        </p:nvSpPr>
+        <p:spPr>
+          <a:xfrm>
+            <a:off x="9174972" y="3191396"/>
+            <a:ext cx="467234" cy="369332"/>
+          </a:xfrm>
+          <a:prstGeom prst="rect">
+            <a:avLst/>
+          </a:prstGeom>
+          <a:noFill/>
+        </p:spPr>
+        <p:txBody>
+          <a:bodyPr wrap="square" rtlCol="0">
+            <a:spAutoFit/>
+          </a:bodyPr>
+          <a:lstStyle/>
+          <a:p>
+            <a:r>
+              <a:rPr lang="en-US" dirty="0"/>
+              <a:t>0</a:t>
+            </a:r>
+          </a:p>
+        </p:txBody>
+      </p:sp>
+      <p:sp>
+        <p:nvSpPr>
+          <p:cNvPr id="11" name="TextBox 10">
+            <a:extLst>
+              <a:ext uri="{FF2B5EF4-FFF2-40B4-BE49-F238E27FC236}">
+                <a16:creationId xmlns:a16="http://schemas.microsoft.com/office/drawing/2014/main" id="{8DBEBB5D-E40F-4C2A-C890-886323DE1AFC}"/>
+              </a:ext>
+            </a:extLst>
+          </p:cNvPr>
+          <p:cNvSpPr txBox="1"/>
+          <p:nvPr/>
+        </p:nvSpPr>
+        <p:spPr>
+          <a:xfrm>
+            <a:off x="10078782" y="3198809"/>
+            <a:ext cx="467234" cy="369332"/>
+          </a:xfrm>
+          <a:prstGeom prst="rect">
+            <a:avLst/>
+          </a:prstGeom>
+          <a:noFill/>
+        </p:spPr>
+        <p:txBody>
+          <a:bodyPr wrap="square" rtlCol="0">
+            <a:spAutoFit/>
+          </a:bodyPr>
+          <a:lstStyle/>
+          <a:p>
+            <a:r>
+              <a:rPr lang="en-US" dirty="0"/>
+              <a:t>-1</a:t>
+            </a:r>
+          </a:p>
+        </p:txBody>
+      </p:sp>
+    </p:spTree>
+    <p:extLst>
+      <p:ext uri="{BB962C8B-B14F-4D97-AF65-F5344CB8AC3E}">
+        <p14:creationId xmlns:p14="http://schemas.microsoft.com/office/powerpoint/2010/main" val="2589689734"/>
+      </p:ext>
+    </p:extLst>
+  </p:cSld>
+  <p:clrMapOvr>
+    <a:masterClrMapping/>
+  </p:clrMapOvr>
+</p:sld>
+</file>
+
+<file path=ppt/slides/slide6.xml><?xml version="1.0" encoding="utf-8"?>
+<p:sld xmlns:a="http://schemas.openxmlformats.org/drawingml/2006/main" xmlns:r="http://schemas.openxmlformats.org/officeDocument/2006/relationships" xmlns:p="http://schemas.openxmlformats.org/presentationml/2006/main">
+  <p:cSld>
+    <p:spTree>
+      <p:nvGrpSpPr>
         <p:cNvPr id="1" name="">
           <a:extLst>
             <a:ext uri="{FF2B5EF4-FFF2-40B4-BE49-F238E27FC236}">
@@ -34652,7 +36455,7 @@
 </p:sld>
 </file>
 
-<file path=ppt/slides/slide6.xml><?xml version="1.0" encoding="utf-8"?>
+<file path=ppt/slides/slide7.xml><?xml version="1.0" encoding="utf-8"?>
 <p:sld xmlns:a="http://schemas.openxmlformats.org/drawingml/2006/main" xmlns:r="http://schemas.openxmlformats.org/officeDocument/2006/relationships" xmlns:p="http://schemas.openxmlformats.org/presentationml/2006/main">
   <p:cSld>
     <p:spTree>
@@ -34660,7 +36463,7 @@
         <p:cNvPr id="1" name="">
           <a:extLst>
             <a:ext uri="{FF2B5EF4-FFF2-40B4-BE49-F238E27FC236}">
-              <a16:creationId xmlns:a16="http://schemas.microsoft.com/office/drawing/2014/main" id="{7351A3C4-9572-4DC1-A5BF-372B042CC646}"/>
+              <a16:creationId xmlns:a16="http://schemas.microsoft.com/office/drawing/2014/main" id="{BB6BD281-19D9-E296-53F4-E95DF045328D}"/>
             </a:ext>
           </a:extLst>
         </p:cNvPr>
@@ -34680,7 +36483,7 @@
           <p:cNvPr id="2" name="Rectangle 1">
             <a:extLst>
               <a:ext uri="{FF2B5EF4-FFF2-40B4-BE49-F238E27FC236}">
-                <a16:creationId xmlns:a16="http://schemas.microsoft.com/office/drawing/2014/main" id="{01179D88-8B26-47D0-7E56-65671F80B4E6}"/>
+                <a16:creationId xmlns:a16="http://schemas.microsoft.com/office/drawing/2014/main" id="{2FFA5389-4701-EB4D-F42C-07F4CC90FD9C}"/>
               </a:ext>
             </a:extLst>
           </p:cNvPr>
@@ -34728,7 +36531,7 @@
           <p:cNvPr id="9" name="Rectangle 8">
             <a:extLst>
               <a:ext uri="{FF2B5EF4-FFF2-40B4-BE49-F238E27FC236}">
-                <a16:creationId xmlns:a16="http://schemas.microsoft.com/office/drawing/2014/main" id="{C3AD5529-F863-1D87-951C-030B2860AD09}"/>
+                <a16:creationId xmlns:a16="http://schemas.microsoft.com/office/drawing/2014/main" id="{1FB68BD8-6219-7C39-12B8-595884CE0288}"/>
               </a:ext>
             </a:extLst>
           </p:cNvPr>
@@ -34776,7 +36579,7 @@
           <p:cNvPr id="16" name="Rectangle 15">
             <a:extLst>
               <a:ext uri="{FF2B5EF4-FFF2-40B4-BE49-F238E27FC236}">
-                <a16:creationId xmlns:a16="http://schemas.microsoft.com/office/drawing/2014/main" id="{92462A36-4D34-E539-55FD-FCC93980078F}"/>
+                <a16:creationId xmlns:a16="http://schemas.microsoft.com/office/drawing/2014/main" id="{5263CCEB-449C-3DCC-1FC8-6EC683FD660F}"/>
               </a:ext>
             </a:extLst>
           </p:cNvPr>
@@ -34813,7 +36616,7 @@
             <a:pPr algn="ctr"/>
             <a:r>
               <a:rPr lang="zh-CN" altLang="en-US" dirty="0"/>
-              <a:t>添加理论子句</a:t>
+              <a:t>添加子句</a:t>
             </a:r>
             <a:endParaRPr lang="en-US" dirty="0"/>
           </a:p>
@@ -34824,7 +36627,7 @@
           <p:cNvPr id="17" name="Rectangle 16">
             <a:extLst>
               <a:ext uri="{FF2B5EF4-FFF2-40B4-BE49-F238E27FC236}">
-                <a16:creationId xmlns:a16="http://schemas.microsoft.com/office/drawing/2014/main" id="{5640571D-9E8E-6C4B-2C44-06377C9D714B}"/>
+                <a16:creationId xmlns:a16="http://schemas.microsoft.com/office/drawing/2014/main" id="{51922606-5397-349A-3C85-598295DFAFB0}"/>
               </a:ext>
             </a:extLst>
           </p:cNvPr>
@@ -34872,7 +36675,7 @@
           <p:cNvPr id="18" name="Rectangle 17">
             <a:extLst>
               <a:ext uri="{FF2B5EF4-FFF2-40B4-BE49-F238E27FC236}">
-                <a16:creationId xmlns:a16="http://schemas.microsoft.com/office/drawing/2014/main" id="{67F07658-3849-5C50-F23F-BA49F5780BF6}"/>
+                <a16:creationId xmlns:a16="http://schemas.microsoft.com/office/drawing/2014/main" id="{66F66A49-B7D1-0F56-F7AA-13547CBC0CEF}"/>
               </a:ext>
             </a:extLst>
           </p:cNvPr>
@@ -34920,7 +36723,7 @@
           <p:cNvPr id="26" name="Rectangle 25">
             <a:extLst>
               <a:ext uri="{FF2B5EF4-FFF2-40B4-BE49-F238E27FC236}">
-                <a16:creationId xmlns:a16="http://schemas.microsoft.com/office/drawing/2014/main" id="{DDA56B46-04E3-3666-F04E-E8ACF8BA4C48}"/>
+                <a16:creationId xmlns:a16="http://schemas.microsoft.com/office/drawing/2014/main" id="{45BDF0A8-54AC-CB7A-E7EB-E9DC65459934}"/>
               </a:ext>
             </a:extLst>
           </p:cNvPr>
@@ -34968,11 +36771,12 @@
           <p:cNvPr id="29" name="Straight Arrow Connector 28">
             <a:extLst>
               <a:ext uri="{FF2B5EF4-FFF2-40B4-BE49-F238E27FC236}">
-                <a16:creationId xmlns:a16="http://schemas.microsoft.com/office/drawing/2014/main" id="{3F0C2233-9A67-863B-DE96-BBEF1D3492C6}"/>
+                <a16:creationId xmlns:a16="http://schemas.microsoft.com/office/drawing/2014/main" id="{77979C16-016D-52A2-8CFE-015F730C66E7}"/>
               </a:ext>
             </a:extLst>
           </p:cNvPr>
           <p:cNvCxnSpPr>
+            <a:cxnSpLocks/>
             <a:endCxn id="2" idx="1"/>
           </p:cNvCxnSpPr>
           <p:nvPr/>
@@ -35009,11 +36813,12 @@
           <p:cNvPr id="31" name="Straight Arrow Connector 30">
             <a:extLst>
               <a:ext uri="{FF2B5EF4-FFF2-40B4-BE49-F238E27FC236}">
-                <a16:creationId xmlns:a16="http://schemas.microsoft.com/office/drawing/2014/main" id="{A42DAE19-E24A-F441-48F3-17E7091A74E8}"/>
+                <a16:creationId xmlns:a16="http://schemas.microsoft.com/office/drawing/2014/main" id="{13CC4E59-ACCA-5DB5-5DD1-DEFE19A93AC9}"/>
               </a:ext>
             </a:extLst>
           </p:cNvPr>
           <p:cNvCxnSpPr>
+            <a:cxnSpLocks/>
             <a:stCxn id="2" idx="3"/>
             <a:endCxn id="18" idx="1"/>
           </p:cNvCxnSpPr>
@@ -35048,57 +36853,15 @@
       </p:cxnSp>
       <p:cxnSp>
         <p:nvCxnSpPr>
-          <p:cNvPr id="33" name="Connector: Elbow 32">
+          <p:cNvPr id="36" name="Straight Arrow Connector 35">
             <a:extLst>
               <a:ext uri="{FF2B5EF4-FFF2-40B4-BE49-F238E27FC236}">
-                <a16:creationId xmlns:a16="http://schemas.microsoft.com/office/drawing/2014/main" id="{994ACF9C-AFF9-566F-C10C-E1EED5C8F06D}"/>
+                <a16:creationId xmlns:a16="http://schemas.microsoft.com/office/drawing/2014/main" id="{2DBD80F6-0E9F-1C50-5AA1-0DD961A5AF45}"/>
               </a:ext>
             </a:extLst>
           </p:cNvPr>
           <p:cNvCxnSpPr>
             <a:cxnSpLocks/>
-            <a:stCxn id="2" idx="0"/>
-            <a:endCxn id="9" idx="1"/>
-          </p:cNvCxnSpPr>
-          <p:nvPr/>
-        </p:nvCxnSpPr>
-        <p:spPr>
-          <a:xfrm rot="5400000" flipH="1" flipV="1">
-            <a:off x="3704208" y="2059822"/>
-            <a:ext cx="1287283" cy="2055430"/>
-          </a:xfrm>
-          <a:prstGeom prst="bentConnector2">
-            <a:avLst/>
-          </a:prstGeom>
-          <a:ln>
-            <a:tailEnd type="triangle"/>
-          </a:ln>
-        </p:spPr>
-        <p:style>
-          <a:lnRef idx="2">
-            <a:schemeClr val="dk1"/>
-          </a:lnRef>
-          <a:fillRef idx="0">
-            <a:schemeClr val="dk1"/>
-          </a:fillRef>
-          <a:effectRef idx="1">
-            <a:schemeClr val="dk1"/>
-          </a:effectRef>
-          <a:fontRef idx="minor">
-            <a:schemeClr val="tx1"/>
-          </a:fontRef>
-        </p:style>
-      </p:cxnSp>
-      <p:cxnSp>
-        <p:nvCxnSpPr>
-          <p:cNvPr id="36" name="Straight Arrow Connector 35">
-            <a:extLst>
-              <a:ext uri="{FF2B5EF4-FFF2-40B4-BE49-F238E27FC236}">
-                <a16:creationId xmlns:a16="http://schemas.microsoft.com/office/drawing/2014/main" id="{E011AC14-4650-10F9-4048-3E9D68F63B2F}"/>
-              </a:ext>
-            </a:extLst>
-          </p:cNvPr>
-          <p:cNvCxnSpPr>
             <a:stCxn id="9" idx="0"/>
             <a:endCxn id="17" idx="2"/>
           </p:cNvCxnSpPr>
@@ -35133,25 +36896,26 @@
       </p:cxnSp>
       <p:cxnSp>
         <p:nvCxnSpPr>
-          <p:cNvPr id="40" name="Connector: Elbow 39">
+          <p:cNvPr id="42" name="Straight Arrow Connector 41">
             <a:extLst>
               <a:ext uri="{FF2B5EF4-FFF2-40B4-BE49-F238E27FC236}">
-                <a16:creationId xmlns:a16="http://schemas.microsoft.com/office/drawing/2014/main" id="{F8A8ED07-F636-75C9-53DB-3E7C0DC24D97}"/>
+                <a16:creationId xmlns:a16="http://schemas.microsoft.com/office/drawing/2014/main" id="{6C06BCAF-826C-3FD0-5489-8477CA49DECC}"/>
               </a:ext>
             </a:extLst>
           </p:cNvPr>
           <p:cNvCxnSpPr>
-            <a:stCxn id="17" idx="1"/>
-            <a:endCxn id="2" idx="0"/>
+            <a:cxnSpLocks/>
+            <a:stCxn id="9" idx="3"/>
+            <a:endCxn id="16" idx="1"/>
           </p:cNvCxnSpPr>
           <p:nvPr/>
         </p:nvCxnSpPr>
         <p:spPr>
-          <a:xfrm rot="10800000" flipV="1">
-            <a:off x="3320134" y="1200198"/>
-            <a:ext cx="2055430" cy="2530979"/>
+          <a:xfrm flipV="1">
+            <a:off x="7119526" y="2443894"/>
+            <a:ext cx="724126" cy="1"/>
           </a:xfrm>
-          <a:prstGeom prst="bentConnector2">
+          <a:prstGeom prst="straightConnector1">
             <a:avLst/>
           </a:prstGeom>
           <a:ln>
@@ -35175,56 +36939,15 @@
       </p:cxnSp>
       <p:cxnSp>
         <p:nvCxnSpPr>
-          <p:cNvPr id="42" name="Straight Arrow Connector 41">
+          <p:cNvPr id="44" name="Straight Arrow Connector 43">
             <a:extLst>
               <a:ext uri="{FF2B5EF4-FFF2-40B4-BE49-F238E27FC236}">
-                <a16:creationId xmlns:a16="http://schemas.microsoft.com/office/drawing/2014/main" id="{7AC90252-2A80-EEE8-E07C-E1B84A829D43}"/>
+                <a16:creationId xmlns:a16="http://schemas.microsoft.com/office/drawing/2014/main" id="{ACE8A837-8ABB-E940-CD3C-9D094C56E722}"/>
               </a:ext>
             </a:extLst>
           </p:cNvPr>
           <p:cNvCxnSpPr>
-            <a:stCxn id="9" idx="3"/>
-            <a:endCxn id="16" idx="1"/>
-          </p:cNvCxnSpPr>
-          <p:nvPr/>
-        </p:nvCxnSpPr>
-        <p:spPr>
-          <a:xfrm flipV="1">
-            <a:off x="7119526" y="2443894"/>
-            <a:ext cx="724126" cy="1"/>
-          </a:xfrm>
-          <a:prstGeom prst="straightConnector1">
-            <a:avLst/>
-          </a:prstGeom>
-          <a:ln>
-            <a:tailEnd type="triangle"/>
-          </a:ln>
-        </p:spPr>
-        <p:style>
-          <a:lnRef idx="2">
-            <a:schemeClr val="accent1"/>
-          </a:lnRef>
-          <a:fillRef idx="0">
-            <a:schemeClr val="accent1"/>
-          </a:fillRef>
-          <a:effectRef idx="1">
-            <a:schemeClr val="accent1"/>
-          </a:effectRef>
-          <a:fontRef idx="minor">
-            <a:schemeClr val="tx1"/>
-          </a:fontRef>
-        </p:style>
-      </p:cxnSp>
-      <p:cxnSp>
-        <p:nvCxnSpPr>
-          <p:cNvPr id="44" name="Straight Arrow Connector 43">
-            <a:extLst>
-              <a:ext uri="{FF2B5EF4-FFF2-40B4-BE49-F238E27FC236}">
-                <a16:creationId xmlns:a16="http://schemas.microsoft.com/office/drawing/2014/main" id="{F12C020D-1519-8347-4E0A-E579C60873DC}"/>
-              </a:ext>
-            </a:extLst>
-          </p:cNvPr>
-          <p:cNvCxnSpPr>
+            <a:cxnSpLocks/>
             <a:stCxn id="18" idx="2"/>
             <a:endCxn id="26" idx="0"/>
           </p:cNvCxnSpPr>
@@ -35262,7 +36985,7 @@
           <p:cNvPr id="45" name="Rectangle 44">
             <a:extLst>
               <a:ext uri="{FF2B5EF4-FFF2-40B4-BE49-F238E27FC236}">
-                <a16:creationId xmlns:a16="http://schemas.microsoft.com/office/drawing/2014/main" id="{6C125E61-C907-5489-0E28-A4BAD98984DF}"/>
+                <a16:creationId xmlns:a16="http://schemas.microsoft.com/office/drawing/2014/main" id="{8B2D36CC-4244-B8A9-AF57-F9F22E42752F}"/>
               </a:ext>
             </a:extLst>
           </p:cNvPr>
@@ -35271,7 +36994,7 @@
         </p:nvSpPr>
         <p:spPr>
           <a:xfrm>
-            <a:off x="7797987" y="5016738"/>
+            <a:off x="7718216" y="3731177"/>
             <a:ext cx="1743962" cy="600915"/>
           </a:xfrm>
           <a:prstGeom prst="rect">
@@ -35310,7 +37033,7 @@
           <p:cNvPr id="46" name="Rectangle 45">
             <a:extLst>
               <a:ext uri="{FF2B5EF4-FFF2-40B4-BE49-F238E27FC236}">
-                <a16:creationId xmlns:a16="http://schemas.microsoft.com/office/drawing/2014/main" id="{880842CD-3869-D7ED-FC92-4BA6555EECAC}"/>
+                <a16:creationId xmlns:a16="http://schemas.microsoft.com/office/drawing/2014/main" id="{1291349B-ED42-8B39-75C5-3743715D424D}"/>
               </a:ext>
             </a:extLst>
           </p:cNvPr>
@@ -35358,11 +37081,12 @@
           <p:cNvPr id="48" name="Connector: Elbow 47">
             <a:extLst>
               <a:ext uri="{FF2B5EF4-FFF2-40B4-BE49-F238E27FC236}">
-                <a16:creationId xmlns:a16="http://schemas.microsoft.com/office/drawing/2014/main" id="{861457C2-EBDB-F9DB-56BA-7F7FAC4D3C23}"/>
+                <a16:creationId xmlns:a16="http://schemas.microsoft.com/office/drawing/2014/main" id="{5660651C-361C-C3FC-1106-3B104D423AD9}"/>
               </a:ext>
             </a:extLst>
           </p:cNvPr>
           <p:cNvCxnSpPr>
+            <a:cxnSpLocks/>
             <a:stCxn id="26" idx="1"/>
             <a:endCxn id="2" idx="2"/>
           </p:cNvCxnSpPr>
@@ -35397,56 +37121,15 @@
       </p:cxnSp>
       <p:cxnSp>
         <p:nvCxnSpPr>
-          <p:cNvPr id="50" name="Straight Arrow Connector 49">
+          <p:cNvPr id="54" name="Straight Arrow Connector 53">
             <a:extLst>
               <a:ext uri="{FF2B5EF4-FFF2-40B4-BE49-F238E27FC236}">
-                <a16:creationId xmlns:a16="http://schemas.microsoft.com/office/drawing/2014/main" id="{5F9A26A4-0C6A-33AE-B782-477B10A3AAEB}"/>
+                <a16:creationId xmlns:a16="http://schemas.microsoft.com/office/drawing/2014/main" id="{35239BCB-F12C-74CC-9933-C424379FB49B}"/>
               </a:ext>
             </a:extLst>
           </p:cNvPr>
           <p:cNvCxnSpPr>
-            <a:stCxn id="26" idx="3"/>
-            <a:endCxn id="45" idx="1"/>
-          </p:cNvCxnSpPr>
-          <p:nvPr/>
-        </p:nvCxnSpPr>
-        <p:spPr>
-          <a:xfrm flipV="1">
-            <a:off x="7074985" y="5317196"/>
-            <a:ext cx="723002" cy="1"/>
-          </a:xfrm>
-          <a:prstGeom prst="straightConnector1">
-            <a:avLst/>
-          </a:prstGeom>
-          <a:ln>
-            <a:tailEnd type="triangle"/>
-          </a:ln>
-        </p:spPr>
-        <p:style>
-          <a:lnRef idx="2">
-            <a:schemeClr val="dk1"/>
-          </a:lnRef>
-          <a:fillRef idx="0">
-            <a:schemeClr val="dk1"/>
-          </a:fillRef>
-          <a:effectRef idx="1">
-            <a:schemeClr val="dk1"/>
-          </a:effectRef>
-          <a:fontRef idx="minor">
-            <a:schemeClr val="tx1"/>
-          </a:fontRef>
-        </p:style>
-      </p:cxnSp>
-      <p:cxnSp>
-        <p:nvCxnSpPr>
-          <p:cNvPr id="54" name="Straight Arrow Connector 53">
-            <a:extLst>
-              <a:ext uri="{FF2B5EF4-FFF2-40B4-BE49-F238E27FC236}">
-                <a16:creationId xmlns:a16="http://schemas.microsoft.com/office/drawing/2014/main" id="{BA2993D3-F5A1-590B-5FE7-8503C078EC03}"/>
-              </a:ext>
-            </a:extLst>
-          </p:cNvPr>
-          <p:cNvCxnSpPr>
+            <a:cxnSpLocks/>
             <a:stCxn id="17" idx="3"/>
             <a:endCxn id="46" idx="1"/>
           </p:cNvCxnSpPr>
@@ -35479,54 +37162,12 @@
           </a:fontRef>
         </p:style>
       </p:cxnSp>
-      <p:cxnSp>
-        <p:nvCxnSpPr>
-          <p:cNvPr id="56" name="Connector: Elbow 55">
-            <a:extLst>
-              <a:ext uri="{FF2B5EF4-FFF2-40B4-BE49-F238E27FC236}">
-                <a16:creationId xmlns:a16="http://schemas.microsoft.com/office/drawing/2014/main" id="{44E1238E-43B1-C062-57A0-CF049D999573}"/>
-              </a:ext>
-            </a:extLst>
-          </p:cNvPr>
-          <p:cNvCxnSpPr>
-            <a:stCxn id="16" idx="2"/>
-            <a:endCxn id="2" idx="0"/>
-          </p:cNvCxnSpPr>
-          <p:nvPr/>
-        </p:nvCxnSpPr>
-        <p:spPr>
-          <a:xfrm rot="5400000">
-            <a:off x="5524471" y="540015"/>
-            <a:ext cx="986827" cy="5395499"/>
-          </a:xfrm>
-          <a:prstGeom prst="bentConnector3">
-            <a:avLst/>
-          </a:prstGeom>
-          <a:ln>
-            <a:tailEnd type="triangle"/>
-          </a:ln>
-        </p:spPr>
-        <p:style>
-          <a:lnRef idx="2">
-            <a:schemeClr val="dk1"/>
-          </a:lnRef>
-          <a:fillRef idx="0">
-            <a:schemeClr val="dk1"/>
-          </a:fillRef>
-          <a:effectRef idx="1">
-            <a:schemeClr val="dk1"/>
-          </a:effectRef>
-          <a:fontRef idx="minor">
-            <a:schemeClr val="tx1"/>
-          </a:fontRef>
-        </p:style>
-      </p:cxnSp>
       <p:sp>
         <p:nvSpPr>
           <p:cNvPr id="57" name="TextBox 56">
             <a:extLst>
               <a:ext uri="{FF2B5EF4-FFF2-40B4-BE49-F238E27FC236}">
-                <a16:creationId xmlns:a16="http://schemas.microsoft.com/office/drawing/2014/main" id="{F0710FCF-3099-8ED2-0D63-D9D9961E178C}"/>
+                <a16:creationId xmlns:a16="http://schemas.microsoft.com/office/drawing/2014/main" id="{EBB5F0C3-4A03-7629-50B3-7C6227745419}"/>
               </a:ext>
             </a:extLst>
           </p:cNvPr>
@@ -35535,7 +37176,7 @@
         </p:nvSpPr>
         <p:spPr>
           <a:xfrm>
-            <a:off x="4295574" y="3997505"/>
+            <a:off x="4718013" y="4004626"/>
             <a:ext cx="1631290" cy="369332"/>
           </a:xfrm>
           <a:prstGeom prst="rect">
@@ -35562,7 +37203,7 @@
           <p:cNvPr id="58" name="TextBox 57">
             <a:extLst>
               <a:ext uri="{FF2B5EF4-FFF2-40B4-BE49-F238E27FC236}">
-                <a16:creationId xmlns:a16="http://schemas.microsoft.com/office/drawing/2014/main" id="{3EAB8061-5D94-3738-2356-6F24E08E96C9}"/>
+                <a16:creationId xmlns:a16="http://schemas.microsoft.com/office/drawing/2014/main" id="{1CA94EE4-F113-3D9C-0962-2183673D960C}"/>
               </a:ext>
             </a:extLst>
           </p:cNvPr>
@@ -35571,7 +37212,7 @@
         </p:nvSpPr>
         <p:spPr>
           <a:xfrm>
-            <a:off x="3991027" y="2053628"/>
+            <a:off x="4178795" y="2744350"/>
             <a:ext cx="1631290" cy="369332"/>
           </a:xfrm>
           <a:prstGeom prst="rect">
@@ -35598,7 +37239,7 @@
           <p:cNvPr id="59" name="TextBox 58">
             <a:extLst>
               <a:ext uri="{FF2B5EF4-FFF2-40B4-BE49-F238E27FC236}">
-                <a16:creationId xmlns:a16="http://schemas.microsoft.com/office/drawing/2014/main" id="{760909D8-62F2-84F0-2482-E0FBB0FA415F}"/>
+                <a16:creationId xmlns:a16="http://schemas.microsoft.com/office/drawing/2014/main" id="{99EA6590-6CAA-8A7F-F072-838DB7A93218}"/>
               </a:ext>
             </a:extLst>
           </p:cNvPr>
@@ -35607,7 +37248,7 @@
         </p:nvSpPr>
         <p:spPr>
           <a:xfrm>
-            <a:off x="5532903" y="1613119"/>
+            <a:off x="5655502" y="1690500"/>
             <a:ext cx="1631290" cy="369332"/>
           </a:xfrm>
           <a:prstGeom prst="rect">
@@ -35634,7 +37275,7 @@
           <p:cNvPr id="60" name="TextBox 59">
             <a:extLst>
               <a:ext uri="{FF2B5EF4-FFF2-40B4-BE49-F238E27FC236}">
-                <a16:creationId xmlns:a16="http://schemas.microsoft.com/office/drawing/2014/main" id="{7EC70AB6-DCCE-211E-69BE-3231D8CB0E87}"/>
+                <a16:creationId xmlns:a16="http://schemas.microsoft.com/office/drawing/2014/main" id="{A814C1CE-7D4C-05BE-78EF-715F45CE3C1D}"/>
               </a:ext>
             </a:extLst>
           </p:cNvPr>
@@ -35670,7 +37311,7 @@
           <p:cNvPr id="61" name="TextBox 60">
             <a:extLst>
               <a:ext uri="{FF2B5EF4-FFF2-40B4-BE49-F238E27FC236}">
-                <a16:creationId xmlns:a16="http://schemas.microsoft.com/office/drawing/2014/main" id="{E1606192-D311-1BE8-0A53-7F9BB9819365}"/>
+                <a16:creationId xmlns:a16="http://schemas.microsoft.com/office/drawing/2014/main" id="{A518E84D-7AD1-3239-517A-E15FFD10525A}"/>
               </a:ext>
             </a:extLst>
           </p:cNvPr>
@@ -35679,7 +37320,7 @@
         </p:nvSpPr>
         <p:spPr>
           <a:xfrm>
-            <a:off x="6879185" y="530407"/>
+            <a:off x="6694748" y="1465579"/>
             <a:ext cx="1631290" cy="369332"/>
           </a:xfrm>
           <a:prstGeom prst="rect">
@@ -35708,7 +37349,7 @@
               <p:cNvPr id="63" name="TextBox 62">
                 <a:extLst>
                   <a:ext uri="{FF2B5EF4-FFF2-40B4-BE49-F238E27FC236}">
-                    <a16:creationId xmlns:a16="http://schemas.microsoft.com/office/drawing/2014/main" id="{C3E367DA-D08F-426A-9978-AC676B6DB3FE}"/>
+                    <a16:creationId xmlns:a16="http://schemas.microsoft.com/office/drawing/2014/main" id="{D5B00988-DFFA-2198-C01D-7131D80B3225}"/>
                   </a:ext>
                 </a:extLst>
               </p:cNvPr>
@@ -35717,7 +37358,7 @@
             </p:nvSpPr>
             <p:spPr>
               <a:xfrm>
-                <a:off x="3727808" y="4803545"/>
+                <a:off x="5764710" y="4516758"/>
                 <a:ext cx="1631290" cy="369332"/>
               </a:xfrm>
               <a:prstGeom prst="rect">
@@ -35764,7 +37405,7 @@
               <p:cNvPr id="63" name="TextBox 62">
                 <a:extLst>
                   <a:ext uri="{FF2B5EF4-FFF2-40B4-BE49-F238E27FC236}">
-                    <a16:creationId xmlns:a16="http://schemas.microsoft.com/office/drawing/2014/main" id="{C3E367DA-D08F-426A-9978-AC676B6DB3FE}"/>
+                    <a16:creationId xmlns:a16="http://schemas.microsoft.com/office/drawing/2014/main" id="{D5B00988-DFFA-2198-C01D-7131D80B3225}"/>
                   </a:ext>
                 </a:extLst>
               </p:cNvPr>
@@ -35775,7 +37416,7 @@
             </p:nvSpPr>
             <p:spPr>
               <a:xfrm>
-                <a:off x="3727808" y="4803545"/>
+                <a:off x="5764710" y="4516758"/>
                 <a:ext cx="1631290" cy="369332"/>
               </a:xfrm>
               <a:prstGeom prst="rect">
@@ -35810,7 +37451,7 @@
               <p:cNvPr id="64" name="TextBox 63">
                 <a:extLst>
                   <a:ext uri="{FF2B5EF4-FFF2-40B4-BE49-F238E27FC236}">
-                    <a16:creationId xmlns:a16="http://schemas.microsoft.com/office/drawing/2014/main" id="{250067C5-F880-2C4C-6B9A-EC23124B3C7B}"/>
+                    <a16:creationId xmlns:a16="http://schemas.microsoft.com/office/drawing/2014/main" id="{61921CAA-7DF7-DD5D-AF61-17AA6C3A91BC}"/>
                   </a:ext>
                 </a:extLst>
               </p:cNvPr>
@@ -35819,7 +37460,7 @@
             </p:nvSpPr>
             <p:spPr>
               <a:xfrm>
-                <a:off x="6648914" y="5317503"/>
+                <a:off x="6580355" y="4046493"/>
                 <a:ext cx="1631290" cy="369332"/>
               </a:xfrm>
               <a:prstGeom prst="rect">
@@ -35872,7 +37513,7 @@
               <p:cNvPr id="64" name="TextBox 63">
                 <a:extLst>
                   <a:ext uri="{FF2B5EF4-FFF2-40B4-BE49-F238E27FC236}">
-                    <a16:creationId xmlns:a16="http://schemas.microsoft.com/office/drawing/2014/main" id="{250067C5-F880-2C4C-6B9A-EC23124B3C7B}"/>
+                    <a16:creationId xmlns:a16="http://schemas.microsoft.com/office/drawing/2014/main" id="{61921CAA-7DF7-DD5D-AF61-17AA6C3A91BC}"/>
                   </a:ext>
                 </a:extLst>
               </p:cNvPr>
@@ -35883,7 +37524,7 @@
             </p:nvSpPr>
             <p:spPr>
               <a:xfrm>
-                <a:off x="6648914" y="5317503"/>
+                <a:off x="6580355" y="4046493"/>
                 <a:ext cx="1631290" cy="369332"/>
               </a:xfrm>
               <a:prstGeom prst="rect">
@@ -35916,7 +37557,7 @@
           <p:cNvPr id="66" name="Rectangle 65">
             <a:extLst>
               <a:ext uri="{FF2B5EF4-FFF2-40B4-BE49-F238E27FC236}">
-                <a16:creationId xmlns:a16="http://schemas.microsoft.com/office/drawing/2014/main" id="{30E2E7A3-7D34-3DEE-8B51-6802CF35722D}"/>
+                <a16:creationId xmlns:a16="http://schemas.microsoft.com/office/drawing/2014/main" id="{6A88D55C-9128-65CB-6F3B-4279F5CF1C10}"/>
               </a:ext>
             </a:extLst>
           </p:cNvPr>
@@ -35925,7 +37566,7 @@
         </p:nvSpPr>
         <p:spPr>
           <a:xfrm>
-            <a:off x="2401824" y="467230"/>
+            <a:off x="2323708" y="474691"/>
             <a:ext cx="7388352" cy="2837479"/>
           </a:xfrm>
           <a:prstGeom prst="rect">
@@ -35966,7 +37607,7 @@
           <p:cNvPr id="67" name="Rectangle 66">
             <a:extLst>
               <a:ext uri="{FF2B5EF4-FFF2-40B4-BE49-F238E27FC236}">
-                <a16:creationId xmlns:a16="http://schemas.microsoft.com/office/drawing/2014/main" id="{88443CD9-F2F2-0BDA-828E-DCEBE753C4B3}"/>
+                <a16:creationId xmlns:a16="http://schemas.microsoft.com/office/drawing/2014/main" id="{F53D7091-4719-A2DA-BE25-29E9776FF43D}"/>
               </a:ext>
             </a:extLst>
           </p:cNvPr>
@@ -35975,8 +37616,8 @@
         </p:nvSpPr>
         <p:spPr>
           <a:xfrm>
-            <a:off x="2355495" y="3514498"/>
-            <a:ext cx="7388352" cy="2837479"/>
+            <a:off x="2323708" y="3490115"/>
+            <a:ext cx="7388352" cy="2468144"/>
           </a:xfrm>
           <a:prstGeom prst="rect">
             <a:avLst/>
@@ -36016,7 +37657,7 @@
           <p:cNvPr id="80" name="TextBox 79">
             <a:extLst>
               <a:ext uri="{FF2B5EF4-FFF2-40B4-BE49-F238E27FC236}">
-                <a16:creationId xmlns:a16="http://schemas.microsoft.com/office/drawing/2014/main" id="{9B07975F-135D-CFAD-F1E5-016F3C96596C}"/>
+                <a16:creationId xmlns:a16="http://schemas.microsoft.com/office/drawing/2014/main" id="{A5B958A6-7ADC-FA9E-3651-7883D7EAC643}"/>
               </a:ext>
             </a:extLst>
           </p:cNvPr>
@@ -36025,7 +37666,7 @@
         </p:nvSpPr>
         <p:spPr>
           <a:xfrm>
-            <a:off x="2464335" y="562936"/>
+            <a:off x="2381316" y="484240"/>
             <a:ext cx="2055430" cy="461665"/>
           </a:xfrm>
           <a:prstGeom prst="rect">
@@ -36052,7 +37693,7 @@
           <p:cNvPr id="81" name="TextBox 80">
             <a:extLst>
               <a:ext uri="{FF2B5EF4-FFF2-40B4-BE49-F238E27FC236}">
-                <a16:creationId xmlns:a16="http://schemas.microsoft.com/office/drawing/2014/main" id="{D7A61B4A-BA37-835C-2DA0-E2DA835107C0}"/>
+                <a16:creationId xmlns:a16="http://schemas.microsoft.com/office/drawing/2014/main" id="{3863C31E-8B1D-6772-FEF4-A2A80FEB3B4C}"/>
               </a:ext>
             </a:extLst>
           </p:cNvPr>
@@ -36061,7 +37702,7 @@
         </p:nvSpPr>
         <p:spPr>
           <a:xfrm>
-            <a:off x="2464335" y="5657802"/>
+            <a:off x="2381316" y="5496595"/>
             <a:ext cx="2055430" cy="461665"/>
           </a:xfrm>
           <a:prstGeom prst="rect">
@@ -36087,10 +37728,305 @@
           </a:p>
         </p:txBody>
       </p:sp>
+      <p:cxnSp>
+        <p:nvCxnSpPr>
+          <p:cNvPr id="4" name="Connector: Elbow 3">
+            <a:extLst>
+              <a:ext uri="{FF2B5EF4-FFF2-40B4-BE49-F238E27FC236}">
+                <a16:creationId xmlns:a16="http://schemas.microsoft.com/office/drawing/2014/main" id="{AD8FBA89-1A21-3B15-A625-0F9DB2205E8B}"/>
+              </a:ext>
+            </a:extLst>
+          </p:cNvPr>
+          <p:cNvCxnSpPr>
+            <a:stCxn id="16" idx="2"/>
+            <a:endCxn id="2" idx="0"/>
+          </p:cNvCxnSpPr>
+          <p:nvPr/>
+        </p:nvCxnSpPr>
+        <p:spPr>
+          <a:xfrm rot="5400000">
+            <a:off x="5524471" y="540015"/>
+            <a:ext cx="986827" cy="5395499"/>
+          </a:xfrm>
+          <a:prstGeom prst="bentConnector3">
+            <a:avLst/>
+          </a:prstGeom>
+          <a:ln>
+            <a:tailEnd type="triangle"/>
+          </a:ln>
+        </p:spPr>
+        <p:style>
+          <a:lnRef idx="2">
+            <a:schemeClr val="dk1"/>
+          </a:lnRef>
+          <a:fillRef idx="0">
+            <a:schemeClr val="dk1"/>
+          </a:fillRef>
+          <a:effectRef idx="1">
+            <a:schemeClr val="dk1"/>
+          </a:effectRef>
+          <a:fontRef idx="minor">
+            <a:schemeClr val="tx1"/>
+          </a:fontRef>
+        </p:style>
+      </p:cxnSp>
+      <p:cxnSp>
+        <p:nvCxnSpPr>
+          <p:cNvPr id="6" name="Connector: Elbow 5">
+            <a:extLst>
+              <a:ext uri="{FF2B5EF4-FFF2-40B4-BE49-F238E27FC236}">
+                <a16:creationId xmlns:a16="http://schemas.microsoft.com/office/drawing/2014/main" id="{EB296CE0-D065-93ED-C8C8-287D0E487172}"/>
+              </a:ext>
+            </a:extLst>
+          </p:cNvPr>
+          <p:cNvCxnSpPr>
+            <a:cxnSpLocks/>
+            <a:stCxn id="2" idx="3"/>
+            <a:endCxn id="9" idx="1"/>
+          </p:cNvCxnSpPr>
+          <p:nvPr/>
+        </p:nvCxnSpPr>
+        <p:spPr>
+          <a:xfrm flipV="1">
+            <a:off x="4192115" y="2443895"/>
+            <a:ext cx="1183449" cy="1587741"/>
+          </a:xfrm>
+          <a:prstGeom prst="bentConnector3">
+            <a:avLst/>
+          </a:prstGeom>
+          <a:ln>
+            <a:tailEnd type="triangle"/>
+          </a:ln>
+        </p:spPr>
+        <p:style>
+          <a:lnRef idx="2">
+            <a:schemeClr val="dk1"/>
+          </a:lnRef>
+          <a:fillRef idx="0">
+            <a:schemeClr val="dk1"/>
+          </a:fillRef>
+          <a:effectRef idx="1">
+            <a:schemeClr val="dk1"/>
+          </a:effectRef>
+          <a:fontRef idx="minor">
+            <a:schemeClr val="tx1"/>
+          </a:fontRef>
+        </p:style>
+      </p:cxnSp>
+      <p:sp>
+        <p:nvSpPr>
+          <p:cNvPr id="7" name="Rectangle 6">
+            <a:extLst>
+              <a:ext uri="{FF2B5EF4-FFF2-40B4-BE49-F238E27FC236}">
+                <a16:creationId xmlns:a16="http://schemas.microsoft.com/office/drawing/2014/main" id="{A50F0C28-0298-6CB1-567C-7BC248ECE405}"/>
+              </a:ext>
+            </a:extLst>
+          </p:cNvPr>
+          <p:cNvSpPr/>
+          <p:nvPr/>
+        </p:nvSpPr>
+        <p:spPr>
+          <a:xfrm>
+            <a:off x="2449350" y="899740"/>
+            <a:ext cx="1743962" cy="600915"/>
+          </a:xfrm>
+          <a:prstGeom prst="rect">
+            <a:avLst/>
+          </a:prstGeom>
+        </p:spPr>
+        <p:style>
+          <a:lnRef idx="2">
+            <a:schemeClr val="dk1"/>
+          </a:lnRef>
+          <a:fillRef idx="1">
+            <a:schemeClr val="lt1"/>
+          </a:fillRef>
+          <a:effectRef idx="0">
+            <a:schemeClr val="dk1"/>
+          </a:effectRef>
+          <a:fontRef idx="minor">
+            <a:schemeClr val="dk1"/>
+          </a:fontRef>
+        </p:style>
+        <p:txBody>
+          <a:bodyPr rtlCol="0" anchor="ctr"/>
+          <a:lstStyle/>
+          <a:p>
+            <a:pPr algn="ctr"/>
+            <a:r>
+              <a:rPr lang="zh-CN" altLang="en-US" dirty="0"/>
+              <a:t>自由变量赋值</a:t>
+            </a:r>
+            <a:endParaRPr lang="en-US" dirty="0"/>
+          </a:p>
+        </p:txBody>
+      </p:sp>
+      <p:cxnSp>
+        <p:nvCxnSpPr>
+          <p:cNvPr id="10" name="Straight Arrow Connector 9">
+            <a:extLst>
+              <a:ext uri="{FF2B5EF4-FFF2-40B4-BE49-F238E27FC236}">
+                <a16:creationId xmlns:a16="http://schemas.microsoft.com/office/drawing/2014/main" id="{7D72BE5A-30AB-B98A-ACD9-EDD0309153BC}"/>
+              </a:ext>
+            </a:extLst>
+          </p:cNvPr>
+          <p:cNvCxnSpPr>
+            <a:stCxn id="17" idx="1"/>
+            <a:endCxn id="7" idx="3"/>
+          </p:cNvCxnSpPr>
+          <p:nvPr/>
+        </p:nvCxnSpPr>
+        <p:spPr>
+          <a:xfrm flipH="1" flipV="1">
+            <a:off x="4193312" y="1200198"/>
+            <a:ext cx="1182252" cy="1"/>
+          </a:xfrm>
+          <a:prstGeom prst="straightConnector1">
+            <a:avLst/>
+          </a:prstGeom>
+          <a:ln>
+            <a:tailEnd type="triangle"/>
+          </a:ln>
+        </p:spPr>
+        <p:style>
+          <a:lnRef idx="2">
+            <a:schemeClr val="dk1"/>
+          </a:lnRef>
+          <a:fillRef idx="0">
+            <a:schemeClr val="dk1"/>
+          </a:fillRef>
+          <a:effectRef idx="1">
+            <a:schemeClr val="dk1"/>
+          </a:effectRef>
+          <a:fontRef idx="minor">
+            <a:schemeClr val="tx1"/>
+          </a:fontRef>
+        </p:style>
+      </p:cxnSp>
+      <p:cxnSp>
+        <p:nvCxnSpPr>
+          <p:cNvPr id="14" name="Connector: Elbow 13">
+            <a:extLst>
+              <a:ext uri="{FF2B5EF4-FFF2-40B4-BE49-F238E27FC236}">
+                <a16:creationId xmlns:a16="http://schemas.microsoft.com/office/drawing/2014/main" id="{7A8FDCBE-27E9-C6FE-5373-5BE1DFB91CF1}"/>
+              </a:ext>
+            </a:extLst>
+          </p:cNvPr>
+          <p:cNvCxnSpPr>
+            <a:stCxn id="7" idx="2"/>
+            <a:endCxn id="2" idx="0"/>
+          </p:cNvCxnSpPr>
+          <p:nvPr/>
+        </p:nvCxnSpPr>
+        <p:spPr>
+          <a:xfrm rot="5400000">
+            <a:off x="2205472" y="2615318"/>
+            <a:ext cx="2230523" cy="1197"/>
+          </a:xfrm>
+          <a:prstGeom prst="bentConnector3">
+            <a:avLst/>
+          </a:prstGeom>
+          <a:ln>
+            <a:tailEnd type="triangle"/>
+          </a:ln>
+        </p:spPr>
+        <p:style>
+          <a:lnRef idx="2">
+            <a:schemeClr val="dk1"/>
+          </a:lnRef>
+          <a:fillRef idx="0">
+            <a:schemeClr val="dk1"/>
+          </a:fillRef>
+          <a:effectRef idx="1">
+            <a:schemeClr val="dk1"/>
+          </a:effectRef>
+          <a:fontRef idx="minor">
+            <a:schemeClr val="tx1"/>
+          </a:fontRef>
+        </p:style>
+      </p:cxnSp>
+      <p:sp>
+        <p:nvSpPr>
+          <p:cNvPr id="15" name="TextBox 14">
+            <a:extLst>
+              <a:ext uri="{FF2B5EF4-FFF2-40B4-BE49-F238E27FC236}">
+                <a16:creationId xmlns:a16="http://schemas.microsoft.com/office/drawing/2014/main" id="{0E640437-3AF4-98BB-8DD9-4F753879E554}"/>
+              </a:ext>
+            </a:extLst>
+          </p:cNvPr>
+          <p:cNvSpPr txBox="1"/>
+          <p:nvPr/>
+        </p:nvSpPr>
+        <p:spPr>
+          <a:xfrm>
+            <a:off x="3917187" y="1470145"/>
+            <a:ext cx="1860949" cy="369332"/>
+          </a:xfrm>
+          <a:prstGeom prst="rect">
+            <a:avLst/>
+          </a:prstGeom>
+          <a:noFill/>
+        </p:spPr>
+        <p:txBody>
+          <a:bodyPr wrap="square" rtlCol="0">
+            <a:spAutoFit/>
+          </a:bodyPr>
+          <a:lstStyle/>
+          <a:p>
+            <a:r>
+              <a:rPr lang="zh-CN" altLang="en-US" dirty="0"/>
+              <a:t>存在未赋值变量</a:t>
+            </a:r>
+            <a:endParaRPr lang="en-US" dirty="0"/>
+          </a:p>
+        </p:txBody>
+      </p:sp>
+      <p:cxnSp>
+        <p:nvCxnSpPr>
+          <p:cNvPr id="20" name="Straight Arrow Connector 19">
+            <a:extLst>
+              <a:ext uri="{FF2B5EF4-FFF2-40B4-BE49-F238E27FC236}">
+                <a16:creationId xmlns:a16="http://schemas.microsoft.com/office/drawing/2014/main" id="{371F6543-2D16-0F8D-842E-78741218A015}"/>
+              </a:ext>
+            </a:extLst>
+          </p:cNvPr>
+          <p:cNvCxnSpPr>
+            <a:stCxn id="18" idx="3"/>
+            <a:endCxn id="45" idx="1"/>
+          </p:cNvCxnSpPr>
+          <p:nvPr/>
+        </p:nvCxnSpPr>
+        <p:spPr>
+          <a:xfrm>
+            <a:off x="7073861" y="4031635"/>
+            <a:ext cx="644355" cy="0"/>
+          </a:xfrm>
+          <a:prstGeom prst="straightConnector1">
+            <a:avLst/>
+          </a:prstGeom>
+          <a:ln>
+            <a:tailEnd type="triangle"/>
+          </a:ln>
+        </p:spPr>
+        <p:style>
+          <a:lnRef idx="2">
+            <a:schemeClr val="dk1"/>
+          </a:lnRef>
+          <a:fillRef idx="0">
+            <a:schemeClr val="dk1"/>
+          </a:fillRef>
+          <a:effectRef idx="1">
+            <a:schemeClr val="dk1"/>
+          </a:effectRef>
+          <a:fontRef idx="minor">
+            <a:schemeClr val="tx1"/>
+          </a:fontRef>
+        </p:style>
+      </p:cxnSp>
     </p:spTree>
     <p:extLst>
       <p:ext uri="{BB962C8B-B14F-4D97-AF65-F5344CB8AC3E}">
-        <p14:creationId xmlns:p14="http://schemas.microsoft.com/office/powerpoint/2010/main" val="572058243"/>
+        <p14:creationId xmlns:p14="http://schemas.microsoft.com/office/powerpoint/2010/main" val="1311422398"/>
       </p:ext>
     </p:extLst>
   </p:cSld>
@@ -36100,7 +38036,7 @@
 </p:sld>
 </file>
 
-<file path=ppt/slides/slide7.xml><?xml version="1.0" encoding="utf-8"?>
+<file path=ppt/slides/slide8.xml><?xml version="1.0" encoding="utf-8"?>
 <p:sld xmlns:a="http://schemas.openxmlformats.org/drawingml/2006/main" xmlns:r="http://schemas.openxmlformats.org/officeDocument/2006/relationships" xmlns:p="http://schemas.openxmlformats.org/presentationml/2006/main">
   <p:cSld>
     <p:spTree>
@@ -36117,48 +38053,12 @@
           <a:chExt cx="0" cy="0"/>
         </a:xfrm>
       </p:grpSpPr>
-      <p:pic>
-        <p:nvPicPr>
-          <p:cNvPr id="5" name="Picture 4" descr="A diagram of a graph&#10;&#10;AI-generated content may be incorrect.">
+      <p:sp>
+        <p:nvSpPr>
+          <p:cNvPr id="4" name="Rectangle 3">
             <a:extLst>
               <a:ext uri="{FF2B5EF4-FFF2-40B4-BE49-F238E27FC236}">
-                <a16:creationId xmlns:a16="http://schemas.microsoft.com/office/drawing/2014/main" id="{A21E3B58-73A1-C7E4-1475-696B124E52CF}"/>
-              </a:ext>
-            </a:extLst>
-          </p:cNvPr>
-          <p:cNvPicPr>
-            <a:picLocks noChangeAspect="1"/>
-          </p:cNvPicPr>
-          <p:nvPr/>
-        </p:nvPicPr>
-        <p:blipFill>
-          <a:blip r:embed="rId2">
-            <a:extLst>
-              <a:ext uri="{28A0092B-C50C-407E-A947-70E740481C1C}">
-                <a14:useLocalDpi xmlns:a14="http://schemas.microsoft.com/office/drawing/2010/main" val="0"/>
-              </a:ext>
-            </a:extLst>
-          </a:blip>
-          <a:stretch>
-            <a:fillRect/>
-          </a:stretch>
-        </p:blipFill>
-        <p:spPr>
-          <a:xfrm>
-            <a:off x="571190" y="1431947"/>
-            <a:ext cx="4773177" cy="3511303"/>
-          </a:xfrm>
-          <a:prstGeom prst="rect">
-            <a:avLst/>
-          </a:prstGeom>
-        </p:spPr>
-      </p:pic>
-      <p:sp>
-        <p:nvSpPr>
-          <p:cNvPr id="6" name="Arrow: Right 5">
-            <a:extLst>
-              <a:ext uri="{FF2B5EF4-FFF2-40B4-BE49-F238E27FC236}">
-                <a16:creationId xmlns:a16="http://schemas.microsoft.com/office/drawing/2014/main" id="{B7791369-A47A-7800-EE9D-A249B8270A97}"/>
+                <a16:creationId xmlns:a16="http://schemas.microsoft.com/office/drawing/2014/main" id="{1DE3609C-6EA7-ECE1-E5C5-53AC716F71C9}"/>
               </a:ext>
             </a:extLst>
           </p:cNvPr>
@@ -36167,12 +38067,882 @@
         </p:nvSpPr>
         <p:spPr>
           <a:xfrm>
-            <a:off x="5344367" y="3138737"/>
-            <a:ext cx="994874" cy="760781"/>
+            <a:off x="1338310" y="4729340"/>
+            <a:ext cx="1743962" cy="600915"/>
           </a:xfrm>
-          <a:prstGeom prst="rightArrow">
+          <a:prstGeom prst="rect">
             <a:avLst/>
           </a:prstGeom>
+        </p:spPr>
+        <p:style>
+          <a:lnRef idx="2">
+            <a:schemeClr val="dk1"/>
+          </a:lnRef>
+          <a:fillRef idx="1">
+            <a:schemeClr val="lt1"/>
+          </a:fillRef>
+          <a:effectRef idx="0">
+            <a:schemeClr val="dk1"/>
+          </a:effectRef>
+          <a:fontRef idx="minor">
+            <a:schemeClr val="dk1"/>
+          </a:fontRef>
+        </p:style>
+        <p:txBody>
+          <a:bodyPr rtlCol="0" anchor="ctr"/>
+          <a:lstStyle/>
+          <a:p>
+            <a:pPr algn="ctr"/>
+            <a:r>
+              <a:rPr lang="zh-CN" altLang="en-US" dirty="0"/>
+              <a:t>单元传播</a:t>
+            </a:r>
+            <a:endParaRPr lang="en-US" dirty="0"/>
+          </a:p>
+        </p:txBody>
+      </p:sp>
+      <p:sp>
+        <p:nvSpPr>
+          <p:cNvPr id="5" name="Rectangle 4">
+            <a:extLst>
+              <a:ext uri="{FF2B5EF4-FFF2-40B4-BE49-F238E27FC236}">
+                <a16:creationId xmlns:a16="http://schemas.microsoft.com/office/drawing/2014/main" id="{849B4F2B-1650-58AA-5DEC-8D5EA23F1382}"/>
+              </a:ext>
+            </a:extLst>
+          </p:cNvPr>
+          <p:cNvSpPr/>
+          <p:nvPr/>
+        </p:nvSpPr>
+        <p:spPr>
+          <a:xfrm>
+            <a:off x="1338310" y="3707787"/>
+            <a:ext cx="1743962" cy="600915"/>
+          </a:xfrm>
+          <a:prstGeom prst="rect">
+            <a:avLst/>
+          </a:prstGeom>
+        </p:spPr>
+        <p:style>
+          <a:lnRef idx="2">
+            <a:schemeClr val="dk1"/>
+          </a:lnRef>
+          <a:fillRef idx="1">
+            <a:schemeClr val="lt1"/>
+          </a:fillRef>
+          <a:effectRef idx="0">
+            <a:schemeClr val="dk1"/>
+          </a:effectRef>
+          <a:fontRef idx="minor">
+            <a:schemeClr val="dk1"/>
+          </a:fontRef>
+        </p:style>
+        <p:txBody>
+          <a:bodyPr rtlCol="0" anchor="ctr"/>
+          <a:lstStyle/>
+          <a:p>
+            <a:pPr algn="ctr"/>
+            <a:r>
+              <a:rPr lang="zh-CN" altLang="en-US" dirty="0"/>
+              <a:t>算术和布尔变量赋值</a:t>
+            </a:r>
+            <a:endParaRPr lang="en-US" dirty="0"/>
+          </a:p>
+        </p:txBody>
+      </p:sp>
+      <p:sp>
+        <p:nvSpPr>
+          <p:cNvPr id="6" name="Rectangle 5">
+            <a:extLst>
+              <a:ext uri="{FF2B5EF4-FFF2-40B4-BE49-F238E27FC236}">
+                <a16:creationId xmlns:a16="http://schemas.microsoft.com/office/drawing/2014/main" id="{B58DB650-94C6-551B-97D1-DA02BB661CA4}"/>
+              </a:ext>
+            </a:extLst>
+          </p:cNvPr>
+          <p:cNvSpPr/>
+          <p:nvPr/>
+        </p:nvSpPr>
+        <p:spPr>
+          <a:xfrm>
+            <a:off x="4532827" y="2694952"/>
+            <a:ext cx="1743962" cy="600915"/>
+          </a:xfrm>
+          <a:prstGeom prst="rect">
+            <a:avLst/>
+          </a:prstGeom>
+        </p:spPr>
+        <p:style>
+          <a:lnRef idx="2">
+            <a:schemeClr val="dk1"/>
+          </a:lnRef>
+          <a:fillRef idx="1">
+            <a:schemeClr val="lt1"/>
+          </a:fillRef>
+          <a:effectRef idx="0">
+            <a:schemeClr val="dk1"/>
+          </a:effectRef>
+          <a:fontRef idx="minor">
+            <a:schemeClr val="dk1"/>
+          </a:fontRef>
+        </p:style>
+        <p:txBody>
+          <a:bodyPr rtlCol="0" anchor="ctr"/>
+          <a:lstStyle/>
+          <a:p>
+            <a:pPr algn="ctr"/>
+            <a:r>
+              <a:rPr lang="zh-CN" altLang="en-US" dirty="0"/>
+              <a:t>冲突分析</a:t>
+            </a:r>
+            <a:endParaRPr lang="en-US" dirty="0"/>
+          </a:p>
+        </p:txBody>
+      </p:sp>
+      <p:sp>
+        <p:nvSpPr>
+          <p:cNvPr id="7" name="Rectangle 6">
+            <a:extLst>
+              <a:ext uri="{FF2B5EF4-FFF2-40B4-BE49-F238E27FC236}">
+                <a16:creationId xmlns:a16="http://schemas.microsoft.com/office/drawing/2014/main" id="{BF25EBCD-7BF7-90A6-DC25-11D6FF0065A6}"/>
+              </a:ext>
+            </a:extLst>
+          </p:cNvPr>
+          <p:cNvSpPr/>
+          <p:nvPr/>
+        </p:nvSpPr>
+        <p:spPr>
+          <a:xfrm>
+            <a:off x="1338310" y="2686234"/>
+            <a:ext cx="1743962" cy="600915"/>
+          </a:xfrm>
+          <a:prstGeom prst="rect">
+            <a:avLst/>
+          </a:prstGeom>
+        </p:spPr>
+        <p:style>
+          <a:lnRef idx="2">
+            <a:schemeClr val="dk1"/>
+          </a:lnRef>
+          <a:fillRef idx="1">
+            <a:schemeClr val="lt1"/>
+          </a:fillRef>
+          <a:effectRef idx="0">
+            <a:schemeClr val="dk1"/>
+          </a:effectRef>
+          <a:fontRef idx="minor">
+            <a:schemeClr val="dk1"/>
+          </a:fontRef>
+        </p:style>
+        <p:txBody>
+          <a:bodyPr rtlCol="0" anchor="ctr"/>
+          <a:lstStyle/>
+          <a:p>
+            <a:pPr algn="ctr"/>
+            <a:r>
+              <a:rPr lang="zh-CN" altLang="en-US" dirty="0"/>
+              <a:t>更新可行域</a:t>
+            </a:r>
+            <a:endParaRPr lang="en-US" dirty="0"/>
+          </a:p>
+        </p:txBody>
+      </p:sp>
+      <p:sp>
+        <p:nvSpPr>
+          <p:cNvPr id="8" name="Rectangle 7">
+            <a:extLst>
+              <a:ext uri="{FF2B5EF4-FFF2-40B4-BE49-F238E27FC236}">
+                <a16:creationId xmlns:a16="http://schemas.microsoft.com/office/drawing/2014/main" id="{5CAC2705-CDA1-4735-5A3C-3AD9C4A4DAE3}"/>
+              </a:ext>
+            </a:extLst>
+          </p:cNvPr>
+          <p:cNvSpPr/>
+          <p:nvPr/>
+        </p:nvSpPr>
+        <p:spPr>
+          <a:xfrm>
+            <a:off x="6679630" y="4729340"/>
+            <a:ext cx="1743962" cy="600915"/>
+          </a:xfrm>
+          <a:prstGeom prst="rect">
+            <a:avLst/>
+          </a:prstGeom>
+        </p:spPr>
+        <p:style>
+          <a:lnRef idx="2">
+            <a:schemeClr val="dk1"/>
+          </a:lnRef>
+          <a:fillRef idx="1">
+            <a:schemeClr val="lt1"/>
+          </a:fillRef>
+          <a:effectRef idx="0">
+            <a:schemeClr val="dk1"/>
+          </a:effectRef>
+          <a:fontRef idx="minor">
+            <a:schemeClr val="dk1"/>
+          </a:fontRef>
+        </p:style>
+        <p:txBody>
+          <a:bodyPr rtlCol="0" anchor="ctr"/>
+          <a:lstStyle/>
+          <a:p>
+            <a:pPr algn="ctr"/>
+            <a:r>
+              <a:rPr lang="zh-CN" altLang="en-US" dirty="0"/>
+              <a:t>排除胞腔</a:t>
+            </a:r>
+            <a:endParaRPr lang="en-US" altLang="zh-CN" dirty="0"/>
+          </a:p>
+          <a:p>
+            <a:pPr algn="ctr"/>
+            <a:r>
+              <a:rPr lang="zh-CN" altLang="en-US" dirty="0"/>
+              <a:t>学习子句</a:t>
+            </a:r>
+            <a:endParaRPr lang="en-US" dirty="0"/>
+          </a:p>
+        </p:txBody>
+      </p:sp>
+      <p:sp>
+        <p:nvSpPr>
+          <p:cNvPr id="9" name="Rectangle 8">
+            <a:extLst>
+              <a:ext uri="{FF2B5EF4-FFF2-40B4-BE49-F238E27FC236}">
+                <a16:creationId xmlns:a16="http://schemas.microsoft.com/office/drawing/2014/main" id="{0A23D83B-30FD-22D8-5BE4-C99AA8DDE8D7}"/>
+              </a:ext>
+            </a:extLst>
+          </p:cNvPr>
+          <p:cNvSpPr/>
+          <p:nvPr/>
+        </p:nvSpPr>
+        <p:spPr>
+          <a:xfrm>
+            <a:off x="1338310" y="1664681"/>
+            <a:ext cx="1743962" cy="600915"/>
+          </a:xfrm>
+          <a:prstGeom prst="rect">
+            <a:avLst/>
+          </a:prstGeom>
+        </p:spPr>
+        <p:style>
+          <a:lnRef idx="2">
+            <a:schemeClr val="dk1"/>
+          </a:lnRef>
+          <a:fillRef idx="1">
+            <a:schemeClr val="lt1"/>
+          </a:fillRef>
+          <a:effectRef idx="0">
+            <a:schemeClr val="dk1"/>
+          </a:effectRef>
+          <a:fontRef idx="minor">
+            <a:schemeClr val="dk1"/>
+          </a:fontRef>
+        </p:style>
+        <p:txBody>
+          <a:bodyPr rtlCol="0" anchor="ctr"/>
+          <a:lstStyle/>
+          <a:p>
+            <a:pPr algn="ctr"/>
+            <a:r>
+              <a:rPr lang="zh-CN" altLang="en-US" dirty="0"/>
+              <a:t>区间约束传播</a:t>
+            </a:r>
+            <a:endParaRPr lang="en-US" dirty="0"/>
+          </a:p>
+        </p:txBody>
+      </p:sp>
+      <p:sp>
+        <p:nvSpPr>
+          <p:cNvPr id="10" name="Rectangle 9">
+            <a:extLst>
+              <a:ext uri="{FF2B5EF4-FFF2-40B4-BE49-F238E27FC236}">
+                <a16:creationId xmlns:a16="http://schemas.microsoft.com/office/drawing/2014/main" id="{A3F67E07-52B1-57CF-F5B6-63628AC6BE69}"/>
+              </a:ext>
+            </a:extLst>
+          </p:cNvPr>
+          <p:cNvSpPr/>
+          <p:nvPr/>
+        </p:nvSpPr>
+        <p:spPr>
+          <a:xfrm>
+            <a:off x="6679630" y="2686233"/>
+            <a:ext cx="1743962" cy="600915"/>
+          </a:xfrm>
+          <a:prstGeom prst="rect">
+            <a:avLst/>
+          </a:prstGeom>
+        </p:spPr>
+        <p:style>
+          <a:lnRef idx="2">
+            <a:schemeClr val="dk1"/>
+          </a:lnRef>
+          <a:fillRef idx="1">
+            <a:schemeClr val="lt1"/>
+          </a:fillRef>
+          <a:effectRef idx="0">
+            <a:schemeClr val="dk1"/>
+          </a:effectRef>
+          <a:fontRef idx="minor">
+            <a:schemeClr val="dk1"/>
+          </a:fontRef>
+        </p:style>
+        <p:txBody>
+          <a:bodyPr rtlCol="0" anchor="ctr"/>
+          <a:lstStyle/>
+          <a:p>
+            <a:pPr algn="ctr"/>
+            <a:r>
+              <a:rPr lang="en-US" altLang="zh-CN" dirty="0"/>
+              <a:t>CAD</a:t>
+            </a:r>
+            <a:r>
+              <a:rPr lang="zh-CN" altLang="en-US" dirty="0"/>
+              <a:t>量词消去</a:t>
+            </a:r>
+            <a:endParaRPr lang="en-US" dirty="0"/>
+          </a:p>
+        </p:txBody>
+      </p:sp>
+      <p:sp>
+        <p:nvSpPr>
+          <p:cNvPr id="11" name="Rectangle 10">
+            <a:extLst>
+              <a:ext uri="{FF2B5EF4-FFF2-40B4-BE49-F238E27FC236}">
+                <a16:creationId xmlns:a16="http://schemas.microsoft.com/office/drawing/2014/main" id="{84454E89-A4E3-060D-2957-B397EB26A0C4}"/>
+              </a:ext>
+            </a:extLst>
+          </p:cNvPr>
+          <p:cNvSpPr/>
+          <p:nvPr/>
+        </p:nvSpPr>
+        <p:spPr>
+          <a:xfrm>
+            <a:off x="4532827" y="1673401"/>
+            <a:ext cx="1743962" cy="600915"/>
+          </a:xfrm>
+          <a:prstGeom prst="rect">
+            <a:avLst/>
+          </a:prstGeom>
+        </p:spPr>
+        <p:style>
+          <a:lnRef idx="2">
+            <a:schemeClr val="dk1"/>
+          </a:lnRef>
+          <a:fillRef idx="1">
+            <a:schemeClr val="lt1"/>
+          </a:fillRef>
+          <a:effectRef idx="0">
+            <a:schemeClr val="dk1"/>
+          </a:effectRef>
+          <a:fontRef idx="minor">
+            <a:schemeClr val="dk1"/>
+          </a:fontRef>
+        </p:style>
+        <p:txBody>
+          <a:bodyPr rtlCol="0" anchor="ctr"/>
+          <a:lstStyle/>
+          <a:p>
+            <a:pPr algn="ctr"/>
+            <a:r>
+              <a:rPr lang="en-US" altLang="zh-CN" dirty="0"/>
+              <a:t>UNSAT</a:t>
+            </a:r>
+            <a:endParaRPr lang="en-US" dirty="0"/>
+          </a:p>
+        </p:txBody>
+      </p:sp>
+      <p:sp>
+        <p:nvSpPr>
+          <p:cNvPr id="12" name="Rectangle 11">
+            <a:extLst>
+              <a:ext uri="{FF2B5EF4-FFF2-40B4-BE49-F238E27FC236}">
+                <a16:creationId xmlns:a16="http://schemas.microsoft.com/office/drawing/2014/main" id="{6303977B-E451-E96C-4584-C83B9C647571}"/>
+              </a:ext>
+            </a:extLst>
+          </p:cNvPr>
+          <p:cNvSpPr/>
+          <p:nvPr/>
+        </p:nvSpPr>
+        <p:spPr>
+          <a:xfrm>
+            <a:off x="4532826" y="3716503"/>
+            <a:ext cx="1743962" cy="600915"/>
+          </a:xfrm>
+          <a:prstGeom prst="rect">
+            <a:avLst/>
+          </a:prstGeom>
+        </p:spPr>
+        <p:style>
+          <a:lnRef idx="2">
+            <a:schemeClr val="dk1"/>
+          </a:lnRef>
+          <a:fillRef idx="1">
+            <a:schemeClr val="lt1"/>
+          </a:fillRef>
+          <a:effectRef idx="0">
+            <a:schemeClr val="dk1"/>
+          </a:effectRef>
+          <a:fontRef idx="minor">
+            <a:schemeClr val="dk1"/>
+          </a:fontRef>
+        </p:style>
+        <p:txBody>
+          <a:bodyPr rtlCol="0" anchor="ctr"/>
+          <a:lstStyle/>
+          <a:p>
+            <a:pPr algn="ctr"/>
+            <a:r>
+              <a:rPr lang="en-US" altLang="zh-CN" dirty="0"/>
+              <a:t>SAT</a:t>
+            </a:r>
+            <a:endParaRPr lang="en-US" dirty="0"/>
+          </a:p>
+        </p:txBody>
+      </p:sp>
+      <p:cxnSp>
+        <p:nvCxnSpPr>
+          <p:cNvPr id="14" name="Straight Arrow Connector 13">
+            <a:extLst>
+              <a:ext uri="{FF2B5EF4-FFF2-40B4-BE49-F238E27FC236}">
+                <a16:creationId xmlns:a16="http://schemas.microsoft.com/office/drawing/2014/main" id="{69AAB3A2-9D46-DDCC-1D08-445EA387D6A1}"/>
+              </a:ext>
+            </a:extLst>
+          </p:cNvPr>
+          <p:cNvCxnSpPr>
+            <a:stCxn id="4" idx="0"/>
+            <a:endCxn id="5" idx="2"/>
+          </p:cNvCxnSpPr>
+          <p:nvPr/>
+        </p:nvCxnSpPr>
+        <p:spPr>
+          <a:xfrm flipV="1">
+            <a:off x="2210291" y="4308702"/>
+            <a:ext cx="0" cy="420638"/>
+          </a:xfrm>
+          <a:prstGeom prst="straightConnector1">
+            <a:avLst/>
+          </a:prstGeom>
+          <a:ln>
+            <a:tailEnd type="triangle"/>
+          </a:ln>
+        </p:spPr>
+        <p:style>
+          <a:lnRef idx="2">
+            <a:schemeClr val="dk1"/>
+          </a:lnRef>
+          <a:fillRef idx="0">
+            <a:schemeClr val="dk1"/>
+          </a:fillRef>
+          <a:effectRef idx="1">
+            <a:schemeClr val="dk1"/>
+          </a:effectRef>
+          <a:fontRef idx="minor">
+            <a:schemeClr val="tx1"/>
+          </a:fontRef>
+        </p:style>
+      </p:cxnSp>
+      <p:cxnSp>
+        <p:nvCxnSpPr>
+          <p:cNvPr id="17" name="Straight Arrow Connector 16">
+            <a:extLst>
+              <a:ext uri="{FF2B5EF4-FFF2-40B4-BE49-F238E27FC236}">
+                <a16:creationId xmlns:a16="http://schemas.microsoft.com/office/drawing/2014/main" id="{07653CDF-47C5-86EB-16D7-300F990B49BF}"/>
+              </a:ext>
+            </a:extLst>
+          </p:cNvPr>
+          <p:cNvCxnSpPr>
+            <a:stCxn id="5" idx="0"/>
+            <a:endCxn id="7" idx="2"/>
+          </p:cNvCxnSpPr>
+          <p:nvPr/>
+        </p:nvCxnSpPr>
+        <p:spPr>
+          <a:xfrm flipV="1">
+            <a:off x="2210291" y="3287149"/>
+            <a:ext cx="0" cy="420638"/>
+          </a:xfrm>
+          <a:prstGeom prst="straightConnector1">
+            <a:avLst/>
+          </a:prstGeom>
+          <a:ln>
+            <a:tailEnd type="triangle"/>
+          </a:ln>
+        </p:spPr>
+        <p:style>
+          <a:lnRef idx="2">
+            <a:schemeClr val="dk1"/>
+          </a:lnRef>
+          <a:fillRef idx="0">
+            <a:schemeClr val="dk1"/>
+          </a:fillRef>
+          <a:effectRef idx="1">
+            <a:schemeClr val="dk1"/>
+          </a:effectRef>
+          <a:fontRef idx="minor">
+            <a:schemeClr val="tx1"/>
+          </a:fontRef>
+        </p:style>
+      </p:cxnSp>
+      <p:cxnSp>
+        <p:nvCxnSpPr>
+          <p:cNvPr id="19" name="Straight Arrow Connector 18">
+            <a:extLst>
+              <a:ext uri="{FF2B5EF4-FFF2-40B4-BE49-F238E27FC236}">
+                <a16:creationId xmlns:a16="http://schemas.microsoft.com/office/drawing/2014/main" id="{2E748374-B626-2DE6-28B0-D640BF819106}"/>
+              </a:ext>
+            </a:extLst>
+          </p:cNvPr>
+          <p:cNvCxnSpPr>
+            <a:stCxn id="7" idx="0"/>
+            <a:endCxn id="9" idx="2"/>
+          </p:cNvCxnSpPr>
+          <p:nvPr/>
+        </p:nvCxnSpPr>
+        <p:spPr>
+          <a:xfrm flipV="1">
+            <a:off x="2210291" y="2265596"/>
+            <a:ext cx="0" cy="420638"/>
+          </a:xfrm>
+          <a:prstGeom prst="straightConnector1">
+            <a:avLst/>
+          </a:prstGeom>
+          <a:ln>
+            <a:tailEnd type="triangle"/>
+          </a:ln>
+        </p:spPr>
+        <p:style>
+          <a:lnRef idx="2">
+            <a:schemeClr val="dk1"/>
+          </a:lnRef>
+          <a:fillRef idx="0">
+            <a:schemeClr val="dk1"/>
+          </a:fillRef>
+          <a:effectRef idx="1">
+            <a:schemeClr val="dk1"/>
+          </a:effectRef>
+          <a:fontRef idx="minor">
+            <a:schemeClr val="tx1"/>
+          </a:fontRef>
+        </p:style>
+      </p:cxnSp>
+      <p:cxnSp>
+        <p:nvCxnSpPr>
+          <p:cNvPr id="27" name="Connector: Elbow 26">
+            <a:extLst>
+              <a:ext uri="{FF2B5EF4-FFF2-40B4-BE49-F238E27FC236}">
+                <a16:creationId xmlns:a16="http://schemas.microsoft.com/office/drawing/2014/main" id="{77D45A6A-7DE4-8878-4A14-422193765C46}"/>
+              </a:ext>
+            </a:extLst>
+          </p:cNvPr>
+          <p:cNvCxnSpPr>
+            <a:stCxn id="4" idx="3"/>
+            <a:endCxn id="6" idx="1"/>
+          </p:cNvCxnSpPr>
+          <p:nvPr/>
+        </p:nvCxnSpPr>
+        <p:spPr>
+          <a:xfrm flipV="1">
+            <a:off x="3082272" y="2995410"/>
+            <a:ext cx="1450555" cy="2034388"/>
+          </a:xfrm>
+          <a:prstGeom prst="bentConnector3">
+            <a:avLst/>
+          </a:prstGeom>
+          <a:ln>
+            <a:tailEnd type="triangle"/>
+          </a:ln>
+        </p:spPr>
+        <p:style>
+          <a:lnRef idx="2">
+            <a:schemeClr val="dk1"/>
+          </a:lnRef>
+          <a:fillRef idx="0">
+            <a:schemeClr val="dk1"/>
+          </a:fillRef>
+          <a:effectRef idx="1">
+            <a:schemeClr val="dk1"/>
+          </a:effectRef>
+          <a:fontRef idx="minor">
+            <a:schemeClr val="tx1"/>
+          </a:fontRef>
+        </p:style>
+      </p:cxnSp>
+      <p:cxnSp>
+        <p:nvCxnSpPr>
+          <p:cNvPr id="29" name="Connector: Elbow 28">
+            <a:extLst>
+              <a:ext uri="{FF2B5EF4-FFF2-40B4-BE49-F238E27FC236}">
+                <a16:creationId xmlns:a16="http://schemas.microsoft.com/office/drawing/2014/main" id="{737328CB-3B99-4B24-4102-3C22EA2A5155}"/>
+              </a:ext>
+            </a:extLst>
+          </p:cNvPr>
+          <p:cNvCxnSpPr>
+            <a:stCxn id="9" idx="3"/>
+            <a:endCxn id="6" idx="1"/>
+          </p:cNvCxnSpPr>
+          <p:nvPr/>
+        </p:nvCxnSpPr>
+        <p:spPr>
+          <a:xfrm>
+            <a:off x="3082272" y="1965139"/>
+            <a:ext cx="1450555" cy="1030271"/>
+          </a:xfrm>
+          <a:prstGeom prst="bentConnector3">
+            <a:avLst/>
+          </a:prstGeom>
+          <a:ln>
+            <a:tailEnd type="triangle"/>
+          </a:ln>
+        </p:spPr>
+        <p:style>
+          <a:lnRef idx="2">
+            <a:schemeClr val="dk1"/>
+          </a:lnRef>
+          <a:fillRef idx="0">
+            <a:schemeClr val="dk1"/>
+          </a:fillRef>
+          <a:effectRef idx="1">
+            <a:schemeClr val="dk1"/>
+          </a:effectRef>
+          <a:fontRef idx="minor">
+            <a:schemeClr val="tx1"/>
+          </a:fontRef>
+        </p:style>
+      </p:cxnSp>
+      <p:cxnSp>
+        <p:nvCxnSpPr>
+          <p:cNvPr id="33" name="Straight Arrow Connector 32">
+            <a:extLst>
+              <a:ext uri="{FF2B5EF4-FFF2-40B4-BE49-F238E27FC236}">
+                <a16:creationId xmlns:a16="http://schemas.microsoft.com/office/drawing/2014/main" id="{FD355B56-5367-BF26-C320-C2BD678966F8}"/>
+              </a:ext>
+            </a:extLst>
+          </p:cNvPr>
+          <p:cNvCxnSpPr>
+            <a:stCxn id="6" idx="3"/>
+            <a:endCxn id="10" idx="1"/>
+          </p:cNvCxnSpPr>
+          <p:nvPr/>
+        </p:nvCxnSpPr>
+        <p:spPr>
+          <a:xfrm flipV="1">
+            <a:off x="6276789" y="2986691"/>
+            <a:ext cx="402841" cy="8719"/>
+          </a:xfrm>
+          <a:prstGeom prst="straightConnector1">
+            <a:avLst/>
+          </a:prstGeom>
+          <a:ln>
+            <a:tailEnd type="triangle"/>
+          </a:ln>
+        </p:spPr>
+        <p:style>
+          <a:lnRef idx="2">
+            <a:schemeClr val="dk1"/>
+          </a:lnRef>
+          <a:fillRef idx="0">
+            <a:schemeClr val="dk1"/>
+          </a:fillRef>
+          <a:effectRef idx="1">
+            <a:schemeClr val="dk1"/>
+          </a:effectRef>
+          <a:fontRef idx="minor">
+            <a:schemeClr val="tx1"/>
+          </a:fontRef>
+        </p:style>
+      </p:cxnSp>
+      <p:cxnSp>
+        <p:nvCxnSpPr>
+          <p:cNvPr id="35" name="Straight Arrow Connector 34">
+            <a:extLst>
+              <a:ext uri="{FF2B5EF4-FFF2-40B4-BE49-F238E27FC236}">
+                <a16:creationId xmlns:a16="http://schemas.microsoft.com/office/drawing/2014/main" id="{2CBEC246-722C-A4F2-74DC-57BF273EDFBD}"/>
+              </a:ext>
+            </a:extLst>
+          </p:cNvPr>
+          <p:cNvCxnSpPr>
+            <a:stCxn id="6" idx="0"/>
+            <a:endCxn id="11" idx="2"/>
+          </p:cNvCxnSpPr>
+          <p:nvPr/>
+        </p:nvCxnSpPr>
+        <p:spPr>
+          <a:xfrm flipV="1">
+            <a:off x="5404808" y="2274316"/>
+            <a:ext cx="0" cy="420636"/>
+          </a:xfrm>
+          <a:prstGeom prst="straightConnector1">
+            <a:avLst/>
+          </a:prstGeom>
+          <a:ln>
+            <a:tailEnd type="triangle"/>
+          </a:ln>
+        </p:spPr>
+        <p:style>
+          <a:lnRef idx="2">
+            <a:schemeClr val="dk1"/>
+          </a:lnRef>
+          <a:fillRef idx="0">
+            <a:schemeClr val="dk1"/>
+          </a:fillRef>
+          <a:effectRef idx="1">
+            <a:schemeClr val="dk1"/>
+          </a:effectRef>
+          <a:fontRef idx="minor">
+            <a:schemeClr val="tx1"/>
+          </a:fontRef>
+        </p:style>
+      </p:cxnSp>
+      <p:cxnSp>
+        <p:nvCxnSpPr>
+          <p:cNvPr id="37" name="Straight Arrow Connector 36">
+            <a:extLst>
+              <a:ext uri="{FF2B5EF4-FFF2-40B4-BE49-F238E27FC236}">
+                <a16:creationId xmlns:a16="http://schemas.microsoft.com/office/drawing/2014/main" id="{ADF0D6D4-76BD-E276-9A66-17A9630F7F07}"/>
+              </a:ext>
+            </a:extLst>
+          </p:cNvPr>
+          <p:cNvCxnSpPr>
+            <a:stCxn id="10" idx="2"/>
+            <a:endCxn id="8" idx="0"/>
+          </p:cNvCxnSpPr>
+          <p:nvPr/>
+        </p:nvCxnSpPr>
+        <p:spPr>
+          <a:xfrm>
+            <a:off x="7551611" y="3287148"/>
+            <a:ext cx="0" cy="1442192"/>
+          </a:xfrm>
+          <a:prstGeom prst="straightConnector1">
+            <a:avLst/>
+          </a:prstGeom>
+          <a:ln>
+            <a:tailEnd type="triangle"/>
+          </a:ln>
+        </p:spPr>
+        <p:style>
+          <a:lnRef idx="2">
+            <a:schemeClr val="dk1"/>
+          </a:lnRef>
+          <a:fillRef idx="0">
+            <a:schemeClr val="dk1"/>
+          </a:fillRef>
+          <a:effectRef idx="1">
+            <a:schemeClr val="dk1"/>
+          </a:effectRef>
+          <a:fontRef idx="minor">
+            <a:schemeClr val="tx1"/>
+          </a:fontRef>
+        </p:style>
+      </p:cxnSp>
+      <p:cxnSp>
+        <p:nvCxnSpPr>
+          <p:cNvPr id="39" name="Connector: Elbow 38">
+            <a:extLst>
+              <a:ext uri="{FF2B5EF4-FFF2-40B4-BE49-F238E27FC236}">
+                <a16:creationId xmlns:a16="http://schemas.microsoft.com/office/drawing/2014/main" id="{E43EA3FC-D7B3-B9E0-92EF-1685BD7E0E09}"/>
+              </a:ext>
+            </a:extLst>
+          </p:cNvPr>
+          <p:cNvCxnSpPr>
+            <a:stCxn id="8" idx="2"/>
+            <a:endCxn id="4" idx="2"/>
+          </p:cNvCxnSpPr>
+          <p:nvPr/>
+        </p:nvCxnSpPr>
+        <p:spPr>
+          <a:xfrm rot="5400000">
+            <a:off x="4880951" y="2659595"/>
+            <a:ext cx="12700" cy="5341320"/>
+          </a:xfrm>
+          <a:prstGeom prst="bentConnector3">
+            <a:avLst>
+              <a:gd name="adj1" fmla="val 1800000"/>
+            </a:avLst>
+          </a:prstGeom>
+          <a:ln>
+            <a:tailEnd type="triangle"/>
+          </a:ln>
+        </p:spPr>
+        <p:style>
+          <a:lnRef idx="2">
+            <a:schemeClr val="dk1"/>
+          </a:lnRef>
+          <a:fillRef idx="0">
+            <a:schemeClr val="dk1"/>
+          </a:fillRef>
+          <a:effectRef idx="1">
+            <a:schemeClr val="dk1"/>
+          </a:effectRef>
+          <a:fontRef idx="minor">
+            <a:schemeClr val="tx1"/>
+          </a:fontRef>
+        </p:style>
+      </p:cxnSp>
+      <p:cxnSp>
+        <p:nvCxnSpPr>
+          <p:cNvPr id="41" name="Straight Arrow Connector 40">
+            <a:extLst>
+              <a:ext uri="{FF2B5EF4-FFF2-40B4-BE49-F238E27FC236}">
+                <a16:creationId xmlns:a16="http://schemas.microsoft.com/office/drawing/2014/main" id="{4736766C-ACAE-EBEF-AE08-B51B78668E4A}"/>
+              </a:ext>
+            </a:extLst>
+          </p:cNvPr>
+          <p:cNvCxnSpPr>
+            <a:stCxn id="5" idx="3"/>
+            <a:endCxn id="12" idx="1"/>
+          </p:cNvCxnSpPr>
+          <p:nvPr/>
+        </p:nvCxnSpPr>
+        <p:spPr>
+          <a:xfrm>
+            <a:off x="3082272" y="4008245"/>
+            <a:ext cx="1450554" cy="8716"/>
+          </a:xfrm>
+          <a:prstGeom prst="straightConnector1">
+            <a:avLst/>
+          </a:prstGeom>
+          <a:ln>
+            <a:tailEnd type="triangle"/>
+          </a:ln>
+        </p:spPr>
+        <p:style>
+          <a:lnRef idx="2">
+            <a:schemeClr val="dk1"/>
+          </a:lnRef>
+          <a:fillRef idx="0">
+            <a:schemeClr val="dk1"/>
+          </a:fillRef>
+          <a:effectRef idx="1">
+            <a:schemeClr val="dk1"/>
+          </a:effectRef>
+          <a:fontRef idx="minor">
+            <a:schemeClr val="tx1"/>
+          </a:fontRef>
+        </p:style>
+      </p:cxnSp>
+      <p:sp>
+        <p:nvSpPr>
+          <p:cNvPr id="42" name="Rectangle 41">
+            <a:extLst>
+              <a:ext uri="{FF2B5EF4-FFF2-40B4-BE49-F238E27FC236}">
+                <a16:creationId xmlns:a16="http://schemas.microsoft.com/office/drawing/2014/main" id="{D5A9C80F-4082-8674-6707-26DEC5084D75}"/>
+              </a:ext>
+            </a:extLst>
+          </p:cNvPr>
+          <p:cNvSpPr/>
+          <p:nvPr/>
+        </p:nvSpPr>
+        <p:spPr>
+          <a:xfrm>
+            <a:off x="760837" y="1417722"/>
+            <a:ext cx="5643294" cy="4284379"/>
+          </a:xfrm>
+          <a:prstGeom prst="rect">
+            <a:avLst/>
+          </a:prstGeom>
+          <a:noFill/>
+          <a:ln>
+            <a:prstDash val="dash"/>
+          </a:ln>
         </p:spPr>
         <p:style>
           <a:lnRef idx="2">
@@ -36199,22 +38969,1200 @@
           </a:p>
         </p:txBody>
       </p:sp>
+      <p:sp>
+        <p:nvSpPr>
+          <p:cNvPr id="43" name="Rectangle 42">
+            <a:extLst>
+              <a:ext uri="{FF2B5EF4-FFF2-40B4-BE49-F238E27FC236}">
+                <a16:creationId xmlns:a16="http://schemas.microsoft.com/office/drawing/2014/main" id="{A32CB34A-CF67-A044-85C2-55C63D0AA8E6}"/>
+              </a:ext>
+            </a:extLst>
+          </p:cNvPr>
+          <p:cNvSpPr/>
+          <p:nvPr/>
+        </p:nvSpPr>
+        <p:spPr>
+          <a:xfrm>
+            <a:off x="6562643" y="1417722"/>
+            <a:ext cx="1981143" cy="4284379"/>
+          </a:xfrm>
+          <a:prstGeom prst="rect">
+            <a:avLst/>
+          </a:prstGeom>
+          <a:noFill/>
+          <a:ln>
+            <a:prstDash val="dash"/>
+          </a:ln>
+        </p:spPr>
+        <p:style>
+          <a:lnRef idx="2">
+            <a:schemeClr val="accent1">
+              <a:shade val="15000"/>
+            </a:schemeClr>
+          </a:lnRef>
+          <a:fillRef idx="1">
+            <a:schemeClr val="accent1"/>
+          </a:fillRef>
+          <a:effectRef idx="0">
+            <a:schemeClr val="accent1"/>
+          </a:effectRef>
+          <a:fontRef idx="minor">
+            <a:schemeClr val="lt1"/>
+          </a:fontRef>
+        </p:style>
+        <p:txBody>
+          <a:bodyPr rtlCol="0" anchor="ctr"/>
+          <a:lstStyle/>
+          <a:p>
+            <a:pPr algn="ctr"/>
+            <a:endParaRPr lang="en-US"/>
+          </a:p>
+        </p:txBody>
+      </p:sp>
+      <p:sp>
+        <p:nvSpPr>
+          <p:cNvPr id="44" name="TextBox 43">
+            <a:extLst>
+              <a:ext uri="{FF2B5EF4-FFF2-40B4-BE49-F238E27FC236}">
+                <a16:creationId xmlns:a16="http://schemas.microsoft.com/office/drawing/2014/main" id="{5CA4E912-943E-90C3-4E21-8CBB09559FCB}"/>
+              </a:ext>
+            </a:extLst>
+          </p:cNvPr>
+          <p:cNvSpPr txBox="1"/>
+          <p:nvPr/>
+        </p:nvSpPr>
+        <p:spPr>
+          <a:xfrm>
+            <a:off x="4565707" y="5067859"/>
+            <a:ext cx="2055430" cy="461665"/>
+          </a:xfrm>
+          <a:prstGeom prst="rect">
+            <a:avLst/>
+          </a:prstGeom>
+          <a:noFill/>
+        </p:spPr>
+        <p:txBody>
+          <a:bodyPr wrap="square" rtlCol="0">
+            <a:spAutoFit/>
+          </a:bodyPr>
+          <a:lstStyle/>
+          <a:p>
+            <a:r>
+              <a:rPr lang="en-US" altLang="zh-CN" sz="2400" b="1" dirty="0"/>
+              <a:t>Search</a:t>
+            </a:r>
+            <a:r>
+              <a:rPr lang="zh-CN" altLang="en-US" sz="2400" b="1" dirty="0"/>
+              <a:t>模块</a:t>
+            </a:r>
+            <a:endParaRPr lang="en-US" sz="2400" b="1" dirty="0"/>
+          </a:p>
+        </p:txBody>
+      </p:sp>
+      <p:sp>
+        <p:nvSpPr>
+          <p:cNvPr id="45" name="TextBox 44">
+            <a:extLst>
+              <a:ext uri="{FF2B5EF4-FFF2-40B4-BE49-F238E27FC236}">
+                <a16:creationId xmlns:a16="http://schemas.microsoft.com/office/drawing/2014/main" id="{9A8DA41E-AB30-7FEE-304D-7119014980AA}"/>
+              </a:ext>
+            </a:extLst>
+          </p:cNvPr>
+          <p:cNvSpPr txBox="1"/>
+          <p:nvPr/>
+        </p:nvSpPr>
+        <p:spPr>
+          <a:xfrm>
+            <a:off x="6709881" y="1433848"/>
+            <a:ext cx="2055430" cy="461665"/>
+          </a:xfrm>
+          <a:prstGeom prst="rect">
+            <a:avLst/>
+          </a:prstGeom>
+          <a:noFill/>
+        </p:spPr>
+        <p:txBody>
+          <a:bodyPr wrap="square" rtlCol="0">
+            <a:spAutoFit/>
+          </a:bodyPr>
+          <a:lstStyle/>
+          <a:p>
+            <a:r>
+              <a:rPr lang="en-US" altLang="zh-CN" sz="2400" b="1" dirty="0"/>
+              <a:t>Explain</a:t>
+            </a:r>
+            <a:r>
+              <a:rPr lang="zh-CN" altLang="en-US" sz="2400" b="1" dirty="0"/>
+              <a:t>模块</a:t>
+            </a:r>
+            <a:endParaRPr lang="en-US" sz="2400" b="1" dirty="0"/>
+          </a:p>
+        </p:txBody>
+      </p:sp>
+      <p:sp>
+        <p:nvSpPr>
+          <p:cNvPr id="46" name="TextBox 45">
+            <a:extLst>
+              <a:ext uri="{FF2B5EF4-FFF2-40B4-BE49-F238E27FC236}">
+                <a16:creationId xmlns:a16="http://schemas.microsoft.com/office/drawing/2014/main" id="{4ED0B421-2830-D180-3841-230E05D62479}"/>
+              </a:ext>
+            </a:extLst>
+          </p:cNvPr>
+          <p:cNvSpPr txBox="1"/>
+          <p:nvPr/>
+        </p:nvSpPr>
+        <p:spPr>
+          <a:xfrm>
+            <a:off x="2216641" y="4334351"/>
+            <a:ext cx="1860949" cy="369332"/>
+          </a:xfrm>
+          <a:prstGeom prst="rect">
+            <a:avLst/>
+          </a:prstGeom>
+          <a:noFill/>
+        </p:spPr>
+        <p:txBody>
+          <a:bodyPr wrap="square" rtlCol="0">
+            <a:spAutoFit/>
+          </a:bodyPr>
+          <a:lstStyle/>
+          <a:p>
+            <a:r>
+              <a:rPr lang="zh-CN" altLang="en-US" dirty="0"/>
+              <a:t>一致</a:t>
+            </a:r>
+            <a:endParaRPr lang="en-US" dirty="0"/>
+          </a:p>
+        </p:txBody>
+      </p:sp>
+      <p:sp>
+        <p:nvSpPr>
+          <p:cNvPr id="47" name="TextBox 46">
+            <a:extLst>
+              <a:ext uri="{FF2B5EF4-FFF2-40B4-BE49-F238E27FC236}">
+                <a16:creationId xmlns:a16="http://schemas.microsoft.com/office/drawing/2014/main" id="{C99AA5CC-CF16-13BD-C66A-92C1569AA998}"/>
+              </a:ext>
+            </a:extLst>
+          </p:cNvPr>
+          <p:cNvSpPr txBox="1"/>
+          <p:nvPr/>
+        </p:nvSpPr>
+        <p:spPr>
+          <a:xfrm>
+            <a:off x="3082272" y="2297048"/>
+            <a:ext cx="1860949" cy="369332"/>
+          </a:xfrm>
+          <a:prstGeom prst="rect">
+            <a:avLst/>
+          </a:prstGeom>
+          <a:noFill/>
+        </p:spPr>
+        <p:txBody>
+          <a:bodyPr wrap="square" rtlCol="0">
+            <a:spAutoFit/>
+          </a:bodyPr>
+          <a:lstStyle/>
+          <a:p>
+            <a:r>
+              <a:rPr lang="zh-CN" altLang="en-US" dirty="0"/>
+              <a:t>冲突</a:t>
+            </a:r>
+            <a:endParaRPr lang="en-US" dirty="0"/>
+          </a:p>
+        </p:txBody>
+      </p:sp>
+      <p:sp>
+        <p:nvSpPr>
+          <p:cNvPr id="48" name="TextBox 47">
+            <a:extLst>
+              <a:ext uri="{FF2B5EF4-FFF2-40B4-BE49-F238E27FC236}">
+                <a16:creationId xmlns:a16="http://schemas.microsoft.com/office/drawing/2014/main" id="{98B7D16C-C976-ADF5-7472-89980CF6B43E}"/>
+              </a:ext>
+            </a:extLst>
+          </p:cNvPr>
+          <p:cNvSpPr txBox="1"/>
+          <p:nvPr/>
+        </p:nvSpPr>
+        <p:spPr>
+          <a:xfrm>
+            <a:off x="3094973" y="4547154"/>
+            <a:ext cx="1860949" cy="369332"/>
+          </a:xfrm>
+          <a:prstGeom prst="rect">
+            <a:avLst/>
+          </a:prstGeom>
+          <a:noFill/>
+        </p:spPr>
+        <p:txBody>
+          <a:bodyPr wrap="square" rtlCol="0">
+            <a:spAutoFit/>
+          </a:bodyPr>
+          <a:lstStyle/>
+          <a:p>
+            <a:r>
+              <a:rPr lang="zh-CN" altLang="en-US" dirty="0"/>
+              <a:t>冲突</a:t>
+            </a:r>
+            <a:endParaRPr lang="en-US" dirty="0"/>
+          </a:p>
+        </p:txBody>
+      </p:sp>
+      <p:sp>
+        <p:nvSpPr>
+          <p:cNvPr id="49" name="TextBox 48">
+            <a:extLst>
+              <a:ext uri="{FF2B5EF4-FFF2-40B4-BE49-F238E27FC236}">
+                <a16:creationId xmlns:a16="http://schemas.microsoft.com/office/drawing/2014/main" id="{9B5175AF-929C-3394-FAA8-EA25223C872A}"/>
+              </a:ext>
+            </a:extLst>
+          </p:cNvPr>
+          <p:cNvSpPr txBox="1"/>
+          <p:nvPr/>
+        </p:nvSpPr>
+        <p:spPr>
+          <a:xfrm>
+            <a:off x="3011077" y="4008244"/>
+            <a:ext cx="1860949" cy="369332"/>
+          </a:xfrm>
+          <a:prstGeom prst="rect">
+            <a:avLst/>
+          </a:prstGeom>
+          <a:noFill/>
+        </p:spPr>
+        <p:txBody>
+          <a:bodyPr wrap="square" rtlCol="0">
+            <a:spAutoFit/>
+          </a:bodyPr>
+          <a:lstStyle/>
+          <a:p>
+            <a:r>
+              <a:rPr lang="zh-CN" altLang="en-US" dirty="0"/>
+              <a:t>所有变量赋值</a:t>
+            </a:r>
+            <a:endParaRPr lang="en-US" dirty="0"/>
+          </a:p>
+        </p:txBody>
+      </p:sp>
+      <p:cxnSp>
+        <p:nvCxnSpPr>
+          <p:cNvPr id="56" name="Connector: Elbow 55">
+            <a:extLst>
+              <a:ext uri="{FF2B5EF4-FFF2-40B4-BE49-F238E27FC236}">
+                <a16:creationId xmlns:a16="http://schemas.microsoft.com/office/drawing/2014/main" id="{0F2A17D5-13D9-B0D6-1216-324A1A405370}"/>
+              </a:ext>
+            </a:extLst>
+          </p:cNvPr>
+          <p:cNvCxnSpPr>
+            <a:stCxn id="9" idx="1"/>
+            <a:endCxn id="4" idx="1"/>
+          </p:cNvCxnSpPr>
+          <p:nvPr/>
+        </p:nvCxnSpPr>
+        <p:spPr>
+          <a:xfrm rot="10800000" flipV="1">
+            <a:off x="1338310" y="1965138"/>
+            <a:ext cx="12700" cy="3064659"/>
+          </a:xfrm>
+          <a:prstGeom prst="bentConnector3">
+            <a:avLst>
+              <a:gd name="adj1" fmla="val 1800000"/>
+            </a:avLst>
+          </a:prstGeom>
+          <a:ln>
+            <a:tailEnd type="triangle"/>
+          </a:ln>
+        </p:spPr>
+        <p:style>
+          <a:lnRef idx="2">
+            <a:schemeClr val="dk1"/>
+          </a:lnRef>
+          <a:fillRef idx="0">
+            <a:schemeClr val="dk1"/>
+          </a:fillRef>
+          <a:effectRef idx="1">
+            <a:schemeClr val="dk1"/>
+          </a:effectRef>
+          <a:fontRef idx="minor">
+            <a:schemeClr val="tx1"/>
+          </a:fontRef>
+        </p:style>
+      </p:cxnSp>
+      <p:sp>
+        <p:nvSpPr>
+          <p:cNvPr id="57" name="TextBox 56">
+            <a:extLst>
+              <a:ext uri="{FF2B5EF4-FFF2-40B4-BE49-F238E27FC236}">
+                <a16:creationId xmlns:a16="http://schemas.microsoft.com/office/drawing/2014/main" id="{707A5D02-973F-95F7-251F-A34611FF5601}"/>
+              </a:ext>
+            </a:extLst>
+          </p:cNvPr>
+          <p:cNvSpPr txBox="1"/>
+          <p:nvPr/>
+        </p:nvSpPr>
+        <p:spPr>
+          <a:xfrm>
+            <a:off x="1051823" y="3292715"/>
+            <a:ext cx="1860949" cy="369332"/>
+          </a:xfrm>
+          <a:prstGeom prst="rect">
+            <a:avLst/>
+          </a:prstGeom>
+          <a:noFill/>
+        </p:spPr>
+        <p:txBody>
+          <a:bodyPr wrap="square" rtlCol="0">
+            <a:spAutoFit/>
+          </a:bodyPr>
+          <a:lstStyle/>
+          <a:p>
+            <a:r>
+              <a:rPr lang="zh-CN" altLang="en-US" dirty="0"/>
+              <a:t>一致</a:t>
+            </a:r>
+            <a:endParaRPr lang="en-US" dirty="0"/>
+          </a:p>
+        </p:txBody>
+      </p:sp>
+      <p:sp>
+        <p:nvSpPr>
+          <p:cNvPr id="62" name="TextBox 61">
+            <a:extLst>
+              <a:ext uri="{FF2B5EF4-FFF2-40B4-BE49-F238E27FC236}">
+                <a16:creationId xmlns:a16="http://schemas.microsoft.com/office/drawing/2014/main" id="{C86BE404-3448-1B3D-79E6-AE5F7BEB72F9}"/>
+              </a:ext>
+            </a:extLst>
+          </p:cNvPr>
+          <p:cNvSpPr txBox="1"/>
+          <p:nvPr/>
+        </p:nvSpPr>
+        <p:spPr>
+          <a:xfrm>
+            <a:off x="4113403" y="2306577"/>
+            <a:ext cx="1860949" cy="369332"/>
+          </a:xfrm>
+          <a:prstGeom prst="rect">
+            <a:avLst/>
+          </a:prstGeom>
+          <a:noFill/>
+        </p:spPr>
+        <p:txBody>
+          <a:bodyPr wrap="square" rtlCol="0">
+            <a:spAutoFit/>
+          </a:bodyPr>
+          <a:lstStyle/>
+          <a:p>
+            <a:r>
+              <a:rPr lang="zh-CN" altLang="en-US" dirty="0"/>
+              <a:t>学习空子句</a:t>
+            </a:r>
+            <a:endParaRPr lang="en-US" dirty="0"/>
+          </a:p>
+        </p:txBody>
+      </p:sp>
+    </p:spTree>
+    <p:extLst>
+      <p:ext uri="{BB962C8B-B14F-4D97-AF65-F5344CB8AC3E}">
+        <p14:creationId xmlns:p14="http://schemas.microsoft.com/office/powerpoint/2010/main" val="4093220225"/>
+      </p:ext>
+    </p:extLst>
+  </p:cSld>
+  <p:clrMapOvr>
+    <a:masterClrMapping/>
+  </p:clrMapOvr>
+</p:sld>
+</file>
+
+<file path=ppt/slides/slide9.xml><?xml version="1.0" encoding="utf-8"?>
+<p:sld xmlns:a="http://schemas.openxmlformats.org/drawingml/2006/main" xmlns:r="http://schemas.openxmlformats.org/officeDocument/2006/relationships" xmlns:p="http://schemas.openxmlformats.org/presentationml/2006/main">
+  <p:cSld>
+    <p:spTree>
+      <p:nvGrpSpPr>
+        <p:cNvPr id="1" name="">
+          <a:extLst>
+            <a:ext uri="{FF2B5EF4-FFF2-40B4-BE49-F238E27FC236}">
+              <a16:creationId xmlns:a16="http://schemas.microsoft.com/office/drawing/2014/main" id="{28361417-FC28-36B1-1303-6BFB7E97A487}"/>
+            </a:ext>
+          </a:extLst>
+        </p:cNvPr>
+        <p:cNvGrpSpPr/>
+        <p:nvPr/>
+      </p:nvGrpSpPr>
+      <p:grpSpPr>
+        <a:xfrm>
+          <a:off x="0" y="0"/>
+          <a:ext cx="0" cy="0"/>
+          <a:chOff x="0" y="0"/>
+          <a:chExt cx="0" cy="0"/>
+        </a:xfrm>
+      </p:grpSpPr>
+      <p:sp>
+        <p:nvSpPr>
+          <p:cNvPr id="46" name="Rectangle 45">
+            <a:extLst>
+              <a:ext uri="{FF2B5EF4-FFF2-40B4-BE49-F238E27FC236}">
+                <a16:creationId xmlns:a16="http://schemas.microsoft.com/office/drawing/2014/main" id="{E1C09D40-4AC6-F977-8207-EEACD041CE96}"/>
+              </a:ext>
+            </a:extLst>
+          </p:cNvPr>
+          <p:cNvSpPr/>
+          <p:nvPr/>
+        </p:nvSpPr>
+        <p:spPr>
+          <a:xfrm>
+            <a:off x="2717279" y="213664"/>
+            <a:ext cx="5709871" cy="5956791"/>
+          </a:xfrm>
+          <a:prstGeom prst="rect">
+            <a:avLst/>
+          </a:prstGeom>
+          <a:ln/>
+        </p:spPr>
+        <p:style>
+          <a:lnRef idx="2">
+            <a:schemeClr val="dk1"/>
+          </a:lnRef>
+          <a:fillRef idx="1">
+            <a:schemeClr val="lt1"/>
+          </a:fillRef>
+          <a:effectRef idx="0">
+            <a:schemeClr val="dk1"/>
+          </a:effectRef>
+          <a:fontRef idx="minor">
+            <a:schemeClr val="dk1"/>
+          </a:fontRef>
+        </p:style>
+        <p:txBody>
+          <a:bodyPr rtlCol="0" anchor="ctr"/>
+          <a:lstStyle/>
+          <a:p>
+            <a:pPr algn="ctr"/>
+            <a:endParaRPr lang="en-US"/>
+          </a:p>
+        </p:txBody>
+      </p:sp>
+      <p:sp>
+        <p:nvSpPr>
+          <p:cNvPr id="62" name="Rectangle 61">
+            <a:extLst>
+              <a:ext uri="{FF2B5EF4-FFF2-40B4-BE49-F238E27FC236}">
+                <a16:creationId xmlns:a16="http://schemas.microsoft.com/office/drawing/2014/main" id="{23C53868-08A3-7F92-832D-2408FDC8C402}"/>
+              </a:ext>
+            </a:extLst>
+          </p:cNvPr>
+          <p:cNvSpPr/>
+          <p:nvPr/>
+        </p:nvSpPr>
+        <p:spPr>
+          <a:xfrm>
+            <a:off x="2989727" y="4235847"/>
+            <a:ext cx="5327274" cy="1226346"/>
+          </a:xfrm>
+          <a:prstGeom prst="rect">
+            <a:avLst/>
+          </a:prstGeom>
+          <a:ln>
+            <a:headEnd type="none" w="med" len="med"/>
+            <a:tailEnd type="none" w="med" len="med"/>
+          </a:ln>
+        </p:spPr>
+        <p:style>
+          <a:lnRef idx="1">
+            <a:schemeClr val="accent2"/>
+          </a:lnRef>
+          <a:fillRef idx="2">
+            <a:schemeClr val="accent2"/>
+          </a:fillRef>
+          <a:effectRef idx="1">
+            <a:schemeClr val="accent2"/>
+          </a:effectRef>
+          <a:fontRef idx="minor">
+            <a:schemeClr val="dk1"/>
+          </a:fontRef>
+        </p:style>
+        <p:txBody>
+          <a:bodyPr rtlCol="0" anchor="ctr"/>
+          <a:lstStyle/>
+          <a:p>
+            <a:pPr algn="ctr"/>
+            <a:endParaRPr lang="en-US"/>
+          </a:p>
+        </p:txBody>
+      </p:sp>
+      <p:sp>
+        <p:nvSpPr>
+          <p:cNvPr id="61" name="Rectangle 60">
+            <a:extLst>
+              <a:ext uri="{FF2B5EF4-FFF2-40B4-BE49-F238E27FC236}">
+                <a16:creationId xmlns:a16="http://schemas.microsoft.com/office/drawing/2014/main" id="{2CDB799B-C4BD-FCE3-2B21-2DD52171F235}"/>
+              </a:ext>
+            </a:extLst>
+          </p:cNvPr>
+          <p:cNvSpPr/>
+          <p:nvPr/>
+        </p:nvSpPr>
+        <p:spPr>
+          <a:xfrm>
+            <a:off x="2993068" y="1949399"/>
+            <a:ext cx="5327274" cy="2209904"/>
+          </a:xfrm>
+          <a:prstGeom prst="rect">
+            <a:avLst/>
+          </a:prstGeom>
+          <a:ln>
+            <a:headEnd type="none" w="med" len="med"/>
+            <a:tailEnd type="none" w="med" len="med"/>
+          </a:ln>
+        </p:spPr>
+        <p:style>
+          <a:lnRef idx="1">
+            <a:schemeClr val="accent4"/>
+          </a:lnRef>
+          <a:fillRef idx="2">
+            <a:schemeClr val="accent4"/>
+          </a:fillRef>
+          <a:effectRef idx="1">
+            <a:schemeClr val="accent4"/>
+          </a:effectRef>
+          <a:fontRef idx="minor">
+            <a:schemeClr val="dk1"/>
+          </a:fontRef>
+        </p:style>
+        <p:txBody>
+          <a:bodyPr rtlCol="0" anchor="ctr"/>
+          <a:lstStyle/>
+          <a:p>
+            <a:pPr algn="ctr"/>
+            <a:endParaRPr lang="en-US"/>
+          </a:p>
+        </p:txBody>
+      </p:sp>
+      <p:sp>
+        <p:nvSpPr>
+          <p:cNvPr id="60" name="Rectangle 59">
+            <a:extLst>
+              <a:ext uri="{FF2B5EF4-FFF2-40B4-BE49-F238E27FC236}">
+                <a16:creationId xmlns:a16="http://schemas.microsoft.com/office/drawing/2014/main" id="{52693CE0-70AF-AEE7-2330-775F8FCBD8E2}"/>
+              </a:ext>
+            </a:extLst>
+          </p:cNvPr>
+          <p:cNvSpPr/>
+          <p:nvPr/>
+        </p:nvSpPr>
+        <p:spPr>
+          <a:xfrm>
+            <a:off x="2993068" y="366064"/>
+            <a:ext cx="5327274" cy="1425360"/>
+          </a:xfrm>
+          <a:prstGeom prst="rect">
+            <a:avLst/>
+          </a:prstGeom>
+          <a:ln>
+            <a:headEnd type="none" w="med" len="med"/>
+            <a:tailEnd type="none" w="med" len="med"/>
+          </a:ln>
+        </p:spPr>
+        <p:style>
+          <a:lnRef idx="1">
+            <a:schemeClr val="accent6"/>
+          </a:lnRef>
+          <a:fillRef idx="2">
+            <a:schemeClr val="accent6"/>
+          </a:fillRef>
+          <a:effectRef idx="1">
+            <a:schemeClr val="accent6"/>
+          </a:effectRef>
+          <a:fontRef idx="minor">
+            <a:schemeClr val="dk1"/>
+          </a:fontRef>
+        </p:style>
+        <p:txBody>
+          <a:bodyPr rtlCol="0" anchor="ctr"/>
+          <a:lstStyle/>
+          <a:p>
+            <a:pPr algn="ctr"/>
+            <a:endParaRPr lang="en-US"/>
+          </a:p>
+        </p:txBody>
+      </p:sp>
+      <p:sp>
+        <p:nvSpPr>
+          <p:cNvPr id="2" name="Rectangle 1">
+            <a:extLst>
+              <a:ext uri="{FF2B5EF4-FFF2-40B4-BE49-F238E27FC236}">
+                <a16:creationId xmlns:a16="http://schemas.microsoft.com/office/drawing/2014/main" id="{9481CBF6-9F3F-F6F2-7BB8-7830DDDE8C8D}"/>
+              </a:ext>
+            </a:extLst>
+          </p:cNvPr>
+          <p:cNvSpPr/>
+          <p:nvPr/>
+        </p:nvSpPr>
+        <p:spPr>
+          <a:xfrm>
+            <a:off x="3220323" y="530180"/>
+            <a:ext cx="1927758" cy="728115"/>
+          </a:xfrm>
+          <a:prstGeom prst="rect">
+            <a:avLst/>
+          </a:prstGeom>
+        </p:spPr>
+        <p:style>
+          <a:lnRef idx="0">
+            <a:schemeClr val="accent6"/>
+          </a:lnRef>
+          <a:fillRef idx="3">
+            <a:schemeClr val="accent6"/>
+          </a:fillRef>
+          <a:effectRef idx="3">
+            <a:schemeClr val="accent6"/>
+          </a:effectRef>
+          <a:fontRef idx="minor">
+            <a:schemeClr val="lt1"/>
+          </a:fontRef>
+        </p:style>
+        <p:txBody>
+          <a:bodyPr rtlCol="0" anchor="ctr"/>
+          <a:lstStyle/>
+          <a:p>
+            <a:pPr algn="ctr"/>
+            <a:r>
+              <a:rPr lang="zh-CN" altLang="en-US" dirty="0">
+                <a:solidFill>
+                  <a:schemeClr val="tx1"/>
+                </a:solidFill>
+              </a:rPr>
+              <a:t>子句化简</a:t>
+            </a:r>
+            <a:endParaRPr lang="en-US" dirty="0">
+              <a:solidFill>
+                <a:schemeClr val="tx1"/>
+              </a:solidFill>
+            </a:endParaRPr>
+          </a:p>
+        </p:txBody>
+      </p:sp>
+      <p:sp>
+        <p:nvSpPr>
+          <p:cNvPr id="3" name="Rectangle 2">
+            <a:extLst>
+              <a:ext uri="{FF2B5EF4-FFF2-40B4-BE49-F238E27FC236}">
+                <a16:creationId xmlns:a16="http://schemas.microsoft.com/office/drawing/2014/main" id="{4B9973B2-0950-94C5-D8A9-FE702A603372}"/>
+              </a:ext>
+            </a:extLst>
+          </p:cNvPr>
+          <p:cNvSpPr/>
+          <p:nvPr/>
+        </p:nvSpPr>
+        <p:spPr>
+          <a:xfrm>
+            <a:off x="5559445" y="530180"/>
+            <a:ext cx="1927758" cy="728115"/>
+          </a:xfrm>
+          <a:prstGeom prst="rect">
+            <a:avLst/>
+          </a:prstGeom>
+        </p:spPr>
+        <p:style>
+          <a:lnRef idx="0">
+            <a:schemeClr val="accent6"/>
+          </a:lnRef>
+          <a:fillRef idx="3">
+            <a:schemeClr val="accent6"/>
+          </a:fillRef>
+          <a:effectRef idx="3">
+            <a:schemeClr val="accent6"/>
+          </a:effectRef>
+          <a:fontRef idx="minor">
+            <a:schemeClr val="lt1"/>
+          </a:fontRef>
+        </p:style>
+        <p:txBody>
+          <a:bodyPr rtlCol="0" anchor="ctr"/>
+          <a:lstStyle/>
+          <a:p>
+            <a:pPr algn="ctr"/>
+            <a:r>
+              <a:rPr lang="zh-CN" altLang="en-US" dirty="0">
+                <a:solidFill>
+                  <a:schemeClr val="tx1"/>
+                </a:solidFill>
+              </a:rPr>
+              <a:t>线性变量替换</a:t>
+            </a:r>
+            <a:endParaRPr lang="en-US" dirty="0">
+              <a:solidFill>
+                <a:schemeClr val="tx1"/>
+              </a:solidFill>
+            </a:endParaRPr>
+          </a:p>
+        </p:txBody>
+      </p:sp>
+      <p:sp>
+        <p:nvSpPr>
+          <p:cNvPr id="13" name="Oval 12">
+            <a:extLst>
+              <a:ext uri="{FF2B5EF4-FFF2-40B4-BE49-F238E27FC236}">
+                <a16:creationId xmlns:a16="http://schemas.microsoft.com/office/drawing/2014/main" id="{F0964A0C-1631-52AA-A48F-36C64A3A6993}"/>
+              </a:ext>
+            </a:extLst>
+          </p:cNvPr>
+          <p:cNvSpPr/>
+          <p:nvPr/>
+        </p:nvSpPr>
+        <p:spPr>
+          <a:xfrm>
+            <a:off x="659347" y="352945"/>
+            <a:ext cx="1845617" cy="1082584"/>
+          </a:xfrm>
+          <a:prstGeom prst="ellipse">
+            <a:avLst/>
+          </a:prstGeom>
+        </p:spPr>
+        <p:style>
+          <a:lnRef idx="2">
+            <a:schemeClr val="dk1"/>
+          </a:lnRef>
+          <a:fillRef idx="1">
+            <a:schemeClr val="lt1"/>
+          </a:fillRef>
+          <a:effectRef idx="0">
+            <a:schemeClr val="dk1"/>
+          </a:effectRef>
+          <a:fontRef idx="minor">
+            <a:schemeClr val="dk1"/>
+          </a:fontRef>
+        </p:style>
+        <p:txBody>
+          <a:bodyPr rtlCol="0" anchor="ctr"/>
+          <a:lstStyle/>
+          <a:p>
+            <a:pPr algn="ctr"/>
+            <a:r>
+              <a:rPr lang="zh-CN" altLang="en-US" dirty="0"/>
+              <a:t>逻辑公式</a:t>
+            </a:r>
+            <a:endParaRPr lang="en-US" dirty="0"/>
+          </a:p>
+        </p:txBody>
+      </p:sp>
+      <p:sp>
+        <p:nvSpPr>
+          <p:cNvPr id="15" name="Rectangle 14">
+            <a:extLst>
+              <a:ext uri="{FF2B5EF4-FFF2-40B4-BE49-F238E27FC236}">
+                <a16:creationId xmlns:a16="http://schemas.microsoft.com/office/drawing/2014/main" id="{E829C93F-4164-7C52-537C-7A7E1F4AD54E}"/>
+              </a:ext>
+            </a:extLst>
+          </p:cNvPr>
+          <p:cNvSpPr/>
+          <p:nvPr/>
+        </p:nvSpPr>
+        <p:spPr>
+          <a:xfrm>
+            <a:off x="3232651" y="2002142"/>
+            <a:ext cx="1927758" cy="728115"/>
+          </a:xfrm>
+          <a:prstGeom prst="rect">
+            <a:avLst/>
+          </a:prstGeom>
+        </p:spPr>
+        <p:style>
+          <a:lnRef idx="0">
+            <a:schemeClr val="accent4"/>
+          </a:lnRef>
+          <a:fillRef idx="3">
+            <a:schemeClr val="accent4"/>
+          </a:fillRef>
+          <a:effectRef idx="3">
+            <a:schemeClr val="accent4"/>
+          </a:effectRef>
+          <a:fontRef idx="minor">
+            <a:schemeClr val="lt1"/>
+          </a:fontRef>
+        </p:style>
+        <p:txBody>
+          <a:bodyPr rtlCol="0" anchor="ctr"/>
+          <a:lstStyle/>
+          <a:p>
+            <a:pPr algn="ctr"/>
+            <a:r>
+              <a:rPr lang="zh-CN" altLang="en-US" dirty="0">
+                <a:solidFill>
+                  <a:schemeClr val="tx1"/>
+                </a:solidFill>
+              </a:rPr>
+              <a:t>计算并缓存变量边界信息</a:t>
+            </a:r>
+            <a:endParaRPr lang="en-US" dirty="0">
+              <a:solidFill>
+                <a:schemeClr val="tx1"/>
+              </a:solidFill>
+            </a:endParaRPr>
+          </a:p>
+        </p:txBody>
+      </p:sp>
+      <p:sp>
+        <p:nvSpPr>
+          <p:cNvPr id="16" name="Rectangle 15">
+            <a:extLst>
+              <a:ext uri="{FF2B5EF4-FFF2-40B4-BE49-F238E27FC236}">
+                <a16:creationId xmlns:a16="http://schemas.microsoft.com/office/drawing/2014/main" id="{BA1975E0-99FA-1BC9-C666-56806624D8BF}"/>
+              </a:ext>
+            </a:extLst>
+          </p:cNvPr>
+          <p:cNvSpPr/>
+          <p:nvPr/>
+        </p:nvSpPr>
+        <p:spPr>
+          <a:xfrm>
+            <a:off x="3232651" y="2978200"/>
+            <a:ext cx="1927758" cy="728115"/>
+          </a:xfrm>
+          <a:prstGeom prst="rect">
+            <a:avLst/>
+          </a:prstGeom>
+        </p:spPr>
+        <p:style>
+          <a:lnRef idx="0">
+            <a:schemeClr val="accent4"/>
+          </a:lnRef>
+          <a:fillRef idx="3">
+            <a:schemeClr val="accent4"/>
+          </a:fillRef>
+          <a:effectRef idx="3">
+            <a:schemeClr val="accent4"/>
+          </a:effectRef>
+          <a:fontRef idx="minor">
+            <a:schemeClr val="lt1"/>
+          </a:fontRef>
+        </p:style>
+        <p:txBody>
+          <a:bodyPr rtlCol="0" anchor="ctr"/>
+          <a:lstStyle/>
+          <a:p>
+            <a:pPr algn="ctr"/>
+            <a:r>
+              <a:rPr lang="zh-CN" altLang="en-US" dirty="0">
+                <a:solidFill>
+                  <a:schemeClr val="tx1"/>
+                </a:solidFill>
+              </a:rPr>
+              <a:t>选择最佳</a:t>
+            </a:r>
+            <a:endParaRPr lang="en-US" altLang="zh-CN" dirty="0">
+              <a:solidFill>
+                <a:schemeClr val="tx1"/>
+              </a:solidFill>
+            </a:endParaRPr>
+          </a:p>
+          <a:p>
+            <a:pPr algn="ctr"/>
+            <a:r>
+              <a:rPr lang="zh-CN" altLang="en-US" dirty="0">
+                <a:solidFill>
+                  <a:schemeClr val="tx1"/>
+                </a:solidFill>
+              </a:rPr>
+              <a:t>迭代操作</a:t>
+            </a:r>
+            <a:endParaRPr lang="en-US" dirty="0">
+              <a:solidFill>
+                <a:schemeClr val="tx1"/>
+              </a:solidFill>
+            </a:endParaRPr>
+          </a:p>
+        </p:txBody>
+      </p:sp>
+      <p:sp>
+        <p:nvSpPr>
+          <p:cNvPr id="18" name="Rectangle 17">
+            <a:extLst>
+              <a:ext uri="{FF2B5EF4-FFF2-40B4-BE49-F238E27FC236}">
+                <a16:creationId xmlns:a16="http://schemas.microsoft.com/office/drawing/2014/main" id="{847A5D26-C2F3-5A21-075F-E58317869375}"/>
+              </a:ext>
+            </a:extLst>
+          </p:cNvPr>
+          <p:cNvSpPr/>
+          <p:nvPr/>
+        </p:nvSpPr>
+        <p:spPr>
+          <a:xfrm>
+            <a:off x="3232651" y="4370022"/>
+            <a:ext cx="1927758" cy="728115"/>
+          </a:xfrm>
+          <a:prstGeom prst="rect">
+            <a:avLst/>
+          </a:prstGeom>
+        </p:spPr>
+        <p:style>
+          <a:lnRef idx="0">
+            <a:schemeClr val="accent2"/>
+          </a:lnRef>
+          <a:fillRef idx="3">
+            <a:schemeClr val="accent2"/>
+          </a:fillRef>
+          <a:effectRef idx="3">
+            <a:schemeClr val="accent2"/>
+          </a:effectRef>
+          <a:fontRef idx="minor">
+            <a:schemeClr val="lt1"/>
+          </a:fontRef>
+        </p:style>
+        <p:txBody>
+          <a:bodyPr rtlCol="0" anchor="ctr"/>
+          <a:lstStyle/>
+          <a:p>
+            <a:pPr algn="ctr"/>
+            <a:r>
+              <a:rPr lang="zh-CN" altLang="en-US" dirty="0">
+                <a:solidFill>
+                  <a:schemeClr val="tx1"/>
+                </a:solidFill>
+              </a:rPr>
+              <a:t>松弛等式约束</a:t>
+            </a:r>
+            <a:endParaRPr lang="en-US" dirty="0">
+              <a:solidFill>
+                <a:schemeClr val="tx1"/>
+              </a:solidFill>
+            </a:endParaRPr>
+          </a:p>
+        </p:txBody>
+      </p:sp>
+      <p:sp>
+        <p:nvSpPr>
+          <p:cNvPr id="21" name="Rectangle 20">
+            <a:extLst>
+              <a:ext uri="{FF2B5EF4-FFF2-40B4-BE49-F238E27FC236}">
+                <a16:creationId xmlns:a16="http://schemas.microsoft.com/office/drawing/2014/main" id="{5964EB0C-4E11-6108-A037-82DE1E26DF03}"/>
+              </a:ext>
+            </a:extLst>
+          </p:cNvPr>
+          <p:cNvSpPr/>
+          <p:nvPr/>
+        </p:nvSpPr>
+        <p:spPr>
+          <a:xfrm>
+            <a:off x="5571773" y="2978200"/>
+            <a:ext cx="1927758" cy="728115"/>
+          </a:xfrm>
+          <a:prstGeom prst="rect">
+            <a:avLst/>
+          </a:prstGeom>
+        </p:spPr>
+        <p:style>
+          <a:lnRef idx="0">
+            <a:schemeClr val="accent4"/>
+          </a:lnRef>
+          <a:fillRef idx="3">
+            <a:schemeClr val="accent4"/>
+          </a:fillRef>
+          <a:effectRef idx="3">
+            <a:schemeClr val="accent4"/>
+          </a:effectRef>
+          <a:fontRef idx="minor">
+            <a:schemeClr val="lt1"/>
+          </a:fontRef>
+        </p:style>
+        <p:txBody>
+          <a:bodyPr rtlCol="0" anchor="ctr"/>
+          <a:lstStyle/>
+          <a:p>
+            <a:pPr algn="ctr"/>
+            <a:r>
+              <a:rPr lang="zh-CN" altLang="en-US" dirty="0">
+                <a:solidFill>
+                  <a:schemeClr val="tx1"/>
+                </a:solidFill>
+              </a:rPr>
+              <a:t>执行操作</a:t>
+            </a:r>
+            <a:endParaRPr lang="en-US" dirty="0">
+              <a:solidFill>
+                <a:schemeClr val="tx1"/>
+              </a:solidFill>
+            </a:endParaRPr>
+          </a:p>
+        </p:txBody>
+      </p:sp>
+      <p:sp>
+        <p:nvSpPr>
+          <p:cNvPr id="22" name="Rectangle 21">
+            <a:extLst>
+              <a:ext uri="{FF2B5EF4-FFF2-40B4-BE49-F238E27FC236}">
+                <a16:creationId xmlns:a16="http://schemas.microsoft.com/office/drawing/2014/main" id="{94BEE249-7A65-AFC2-46C0-5E591188BD99}"/>
+              </a:ext>
+            </a:extLst>
+          </p:cNvPr>
+          <p:cNvSpPr/>
+          <p:nvPr/>
+        </p:nvSpPr>
+        <p:spPr>
+          <a:xfrm>
+            <a:off x="5571773" y="2002142"/>
+            <a:ext cx="1927758" cy="728115"/>
+          </a:xfrm>
+          <a:prstGeom prst="rect">
+            <a:avLst/>
+          </a:prstGeom>
+        </p:spPr>
+        <p:style>
+          <a:lnRef idx="0">
+            <a:schemeClr val="accent4"/>
+          </a:lnRef>
+          <a:fillRef idx="3">
+            <a:schemeClr val="accent4"/>
+          </a:fillRef>
+          <a:effectRef idx="3">
+            <a:schemeClr val="accent4"/>
+          </a:effectRef>
+          <a:fontRef idx="minor">
+            <a:schemeClr val="lt1"/>
+          </a:fontRef>
+        </p:style>
+        <p:txBody>
+          <a:bodyPr rtlCol="0" anchor="ctr"/>
+          <a:lstStyle/>
+          <a:p>
+            <a:pPr algn="ctr"/>
+            <a:r>
+              <a:rPr lang="zh-CN" altLang="en-US" dirty="0">
+                <a:solidFill>
+                  <a:schemeClr val="tx1"/>
+                </a:solidFill>
+              </a:rPr>
+              <a:t>更新邻居变量的边界信息</a:t>
+            </a:r>
+            <a:endParaRPr lang="en-US" dirty="0">
+              <a:solidFill>
+                <a:schemeClr val="tx1"/>
+              </a:solidFill>
+            </a:endParaRPr>
+          </a:p>
+        </p:txBody>
+      </p:sp>
+      <p:sp>
+        <p:nvSpPr>
+          <p:cNvPr id="5" name="Rectangle 4">
+            <a:extLst>
+              <a:ext uri="{FF2B5EF4-FFF2-40B4-BE49-F238E27FC236}">
+                <a16:creationId xmlns:a16="http://schemas.microsoft.com/office/drawing/2014/main" id="{AB15681F-29DC-14C6-1F8D-787FD7B81691}"/>
+              </a:ext>
+            </a:extLst>
+          </p:cNvPr>
+          <p:cNvSpPr/>
+          <p:nvPr/>
+        </p:nvSpPr>
+        <p:spPr>
+          <a:xfrm>
+            <a:off x="8738134" y="2959454"/>
+            <a:ext cx="1927758" cy="728115"/>
+          </a:xfrm>
+          <a:prstGeom prst="rect">
+            <a:avLst/>
+          </a:prstGeom>
+        </p:spPr>
+        <p:style>
+          <a:lnRef idx="2">
+            <a:schemeClr val="dk1"/>
+          </a:lnRef>
+          <a:fillRef idx="1">
+            <a:schemeClr val="lt1"/>
+          </a:fillRef>
+          <a:effectRef idx="0">
+            <a:schemeClr val="dk1"/>
+          </a:effectRef>
+          <a:fontRef idx="minor">
+            <a:schemeClr val="dk1"/>
+          </a:fontRef>
+        </p:style>
+        <p:txBody>
+          <a:bodyPr rtlCol="0" anchor="ctr"/>
+          <a:lstStyle/>
+          <a:p>
+            <a:pPr algn="ctr"/>
+            <a:r>
+              <a:rPr lang="en-US" altLang="zh-CN" dirty="0"/>
+              <a:t>SAT</a:t>
+            </a:r>
+            <a:endParaRPr lang="en-US" dirty="0"/>
+          </a:p>
+        </p:txBody>
+      </p:sp>
+      <p:sp>
+        <p:nvSpPr>
+          <p:cNvPr id="6" name="Rectangle 5">
+            <a:extLst>
+              <a:ext uri="{FF2B5EF4-FFF2-40B4-BE49-F238E27FC236}">
+                <a16:creationId xmlns:a16="http://schemas.microsoft.com/office/drawing/2014/main" id="{D102E104-935E-7F68-11E8-B369DF820910}"/>
+              </a:ext>
+            </a:extLst>
+          </p:cNvPr>
+          <p:cNvSpPr/>
+          <p:nvPr/>
+        </p:nvSpPr>
+        <p:spPr>
+          <a:xfrm>
+            <a:off x="5571773" y="4370021"/>
+            <a:ext cx="1927758" cy="728115"/>
+          </a:xfrm>
+          <a:prstGeom prst="rect">
+            <a:avLst/>
+          </a:prstGeom>
+        </p:spPr>
+        <p:style>
+          <a:lnRef idx="0">
+            <a:schemeClr val="accent2"/>
+          </a:lnRef>
+          <a:fillRef idx="3">
+            <a:schemeClr val="accent2"/>
+          </a:fillRef>
+          <a:effectRef idx="3">
+            <a:schemeClr val="accent2"/>
+          </a:effectRef>
+          <a:fontRef idx="minor">
+            <a:schemeClr val="lt1"/>
+          </a:fontRef>
+        </p:style>
+        <p:txBody>
+          <a:bodyPr rtlCol="0" anchor="ctr"/>
+          <a:lstStyle/>
+          <a:p>
+            <a:pPr algn="ctr"/>
+            <a:r>
+              <a:rPr lang="zh-CN" altLang="en-US" dirty="0">
+                <a:solidFill>
+                  <a:schemeClr val="tx1"/>
+                </a:solidFill>
+              </a:rPr>
+              <a:t>恢复精确解</a:t>
+            </a:r>
+            <a:endParaRPr lang="en-US" dirty="0">
+              <a:solidFill>
+                <a:schemeClr val="tx1"/>
+              </a:solidFill>
+            </a:endParaRPr>
+          </a:p>
+        </p:txBody>
+      </p:sp>
       <p:cxnSp>
         <p:nvCxnSpPr>
           <p:cNvPr id="8" name="Straight Arrow Connector 7">
             <a:extLst>
               <a:ext uri="{FF2B5EF4-FFF2-40B4-BE49-F238E27FC236}">
-                <a16:creationId xmlns:a16="http://schemas.microsoft.com/office/drawing/2014/main" id="{796E60D4-A150-4289-915B-9592E876A3B1}"/>
+                <a16:creationId xmlns:a16="http://schemas.microsoft.com/office/drawing/2014/main" id="{62DF3C23-4C3B-33A8-8F25-2A73EE36FE0E}"/>
               </a:ext>
             </a:extLst>
           </p:cNvPr>
-          <p:cNvCxnSpPr/>
+          <p:cNvCxnSpPr>
+            <a:stCxn id="13" idx="6"/>
+            <a:endCxn id="2" idx="1"/>
+          </p:cNvCxnSpPr>
           <p:nvPr/>
         </p:nvCxnSpPr>
         <p:spPr>
           <a:xfrm>
-            <a:off x="6540403" y="3552898"/>
-            <a:ext cx="4320715" cy="0"/>
+            <a:off x="2504964" y="894237"/>
+            <a:ext cx="715359" cy="1"/>
           </a:xfrm>
           <a:prstGeom prst="straightConnector1">
             <a:avLst/>
@@ -36240,24 +40188,30 @@
       </p:cxnSp>
       <p:cxnSp>
         <p:nvCxnSpPr>
-          <p:cNvPr id="10" name="Straight Connector 9">
+          <p:cNvPr id="10" name="Straight Arrow Connector 9">
             <a:extLst>
               <a:ext uri="{FF2B5EF4-FFF2-40B4-BE49-F238E27FC236}">
-                <a16:creationId xmlns:a16="http://schemas.microsoft.com/office/drawing/2014/main" id="{17254F95-0597-BD36-A6CF-91CC348FA37D}"/>
+                <a16:creationId xmlns:a16="http://schemas.microsoft.com/office/drawing/2014/main" id="{E540E689-D345-77A2-75E4-2A36E46227E0}"/>
               </a:ext>
             </a:extLst>
           </p:cNvPr>
-          <p:cNvCxnSpPr/>
+          <p:cNvCxnSpPr>
+            <a:stCxn id="2" idx="3"/>
+            <a:endCxn id="3" idx="1"/>
+          </p:cNvCxnSpPr>
           <p:nvPr/>
         </p:nvCxnSpPr>
         <p:spPr>
-          <a:xfrm flipV="1">
-            <a:off x="8439005" y="3313827"/>
-            <a:ext cx="0" cy="230345"/>
+          <a:xfrm>
+            <a:off x="5148081" y="894238"/>
+            <a:ext cx="411364" cy="0"/>
           </a:xfrm>
-          <a:prstGeom prst="line">
+          <a:prstGeom prst="straightConnector1">
             <a:avLst/>
           </a:prstGeom>
+          <a:ln>
+            <a:tailEnd type="triangle"/>
+          </a:ln>
         </p:spPr>
         <p:style>
           <a:lnRef idx="2">
@@ -36276,24 +40230,31 @@
       </p:cxnSp>
       <p:cxnSp>
         <p:nvCxnSpPr>
-          <p:cNvPr id="12" name="Straight Connector 11">
+          <p:cNvPr id="12" name="Connector: Elbow 11">
             <a:extLst>
               <a:ext uri="{FF2B5EF4-FFF2-40B4-BE49-F238E27FC236}">
-                <a16:creationId xmlns:a16="http://schemas.microsoft.com/office/drawing/2014/main" id="{7384CF89-5412-A012-7365-68DCFD372333}"/>
+                <a16:creationId xmlns:a16="http://schemas.microsoft.com/office/drawing/2014/main" id="{7F31F891-7976-8F45-68F2-C504AC32EF0C}"/>
               </a:ext>
             </a:extLst>
           </p:cNvPr>
-          <p:cNvCxnSpPr/>
+          <p:cNvCxnSpPr>
+            <a:cxnSpLocks/>
+            <a:stCxn id="3" idx="2"/>
+            <a:endCxn id="15" idx="0"/>
+          </p:cNvCxnSpPr>
           <p:nvPr/>
         </p:nvCxnSpPr>
         <p:spPr>
-          <a:xfrm flipV="1">
-            <a:off x="8834546" y="3322552"/>
-            <a:ext cx="0" cy="230345"/>
+          <a:xfrm rot="5400000">
+            <a:off x="4988004" y="466821"/>
+            <a:ext cx="743847" cy="2326794"/>
           </a:xfrm>
-          <a:prstGeom prst="line">
+          <a:prstGeom prst="bentConnector3">
             <a:avLst/>
           </a:prstGeom>
+          <a:ln>
+            <a:tailEnd type="triangle"/>
+          </a:ln>
         </p:spPr>
         <p:style>
           <a:lnRef idx="2">
@@ -36312,24 +40273,30 @@
       </p:cxnSp>
       <p:cxnSp>
         <p:nvCxnSpPr>
-          <p:cNvPr id="13" name="Straight Connector 12">
+          <p:cNvPr id="17" name="Straight Arrow Connector 16">
             <a:extLst>
               <a:ext uri="{FF2B5EF4-FFF2-40B4-BE49-F238E27FC236}">
-                <a16:creationId xmlns:a16="http://schemas.microsoft.com/office/drawing/2014/main" id="{14483165-F8BB-11C4-7F40-6AB19B451783}"/>
+                <a16:creationId xmlns:a16="http://schemas.microsoft.com/office/drawing/2014/main" id="{6D225BAE-5CD7-4A19-D205-09FB71E236FD}"/>
               </a:ext>
             </a:extLst>
           </p:cNvPr>
-          <p:cNvCxnSpPr/>
+          <p:cNvCxnSpPr>
+            <a:stCxn id="15" idx="2"/>
+            <a:endCxn id="16" idx="0"/>
+          </p:cNvCxnSpPr>
           <p:nvPr/>
         </p:nvCxnSpPr>
         <p:spPr>
-          <a:xfrm flipV="1">
-            <a:off x="6991786" y="3313827"/>
-            <a:ext cx="0" cy="230345"/>
+          <a:xfrm>
+            <a:off x="4196530" y="2730257"/>
+            <a:ext cx="0" cy="247943"/>
           </a:xfrm>
-          <a:prstGeom prst="line">
+          <a:prstGeom prst="straightConnector1">
             <a:avLst/>
           </a:prstGeom>
+          <a:ln>
+            <a:tailEnd type="triangle"/>
+          </a:ln>
         </p:spPr>
         <p:style>
           <a:lnRef idx="2">
@@ -36348,24 +40315,283 @@
       </p:cxnSp>
       <p:cxnSp>
         <p:nvCxnSpPr>
-          <p:cNvPr id="14" name="Straight Connector 13">
+          <p:cNvPr id="23" name="Straight Arrow Connector 22">
             <a:extLst>
               <a:ext uri="{FF2B5EF4-FFF2-40B4-BE49-F238E27FC236}">
-                <a16:creationId xmlns:a16="http://schemas.microsoft.com/office/drawing/2014/main" id="{EAB24A76-50EE-5955-03D2-A9ED0BABF521}"/>
+                <a16:creationId xmlns:a16="http://schemas.microsoft.com/office/drawing/2014/main" id="{4718951B-2256-9F90-1003-A48F28E0D437}"/>
               </a:ext>
             </a:extLst>
           </p:cNvPr>
-          <p:cNvCxnSpPr/>
+          <p:cNvCxnSpPr>
+            <a:stCxn id="16" idx="2"/>
+            <a:endCxn id="18" idx="0"/>
+          </p:cNvCxnSpPr>
+          <p:nvPr/>
+        </p:nvCxnSpPr>
+        <p:spPr>
+          <a:xfrm>
+            <a:off x="4196530" y="3706315"/>
+            <a:ext cx="0" cy="663707"/>
+          </a:xfrm>
+          <a:prstGeom prst="straightConnector1">
+            <a:avLst/>
+          </a:prstGeom>
+          <a:ln>
+            <a:tailEnd type="triangle"/>
+          </a:ln>
+        </p:spPr>
+        <p:style>
+          <a:lnRef idx="2">
+            <a:schemeClr val="dk1"/>
+          </a:lnRef>
+          <a:fillRef idx="0">
+            <a:schemeClr val="dk1"/>
+          </a:fillRef>
+          <a:effectRef idx="1">
+            <a:schemeClr val="dk1"/>
+          </a:effectRef>
+          <a:fontRef idx="minor">
+            <a:schemeClr val="tx1"/>
+          </a:fontRef>
+        </p:style>
+      </p:cxnSp>
+      <p:cxnSp>
+        <p:nvCxnSpPr>
+          <p:cNvPr id="25" name="Connector: Elbow 24">
+            <a:extLst>
+              <a:ext uri="{FF2B5EF4-FFF2-40B4-BE49-F238E27FC236}">
+                <a16:creationId xmlns:a16="http://schemas.microsoft.com/office/drawing/2014/main" id="{5804E3B7-1533-E012-1EB3-B3BA9768AD58}"/>
+              </a:ext>
+            </a:extLst>
+          </p:cNvPr>
+          <p:cNvCxnSpPr>
+            <a:cxnSpLocks/>
+            <a:stCxn id="18" idx="3"/>
+            <a:endCxn id="21" idx="1"/>
+          </p:cNvCxnSpPr>
           <p:nvPr/>
         </p:nvCxnSpPr>
         <p:spPr>
           <a:xfrm flipV="1">
-            <a:off x="9881569" y="3322551"/>
-            <a:ext cx="0" cy="230345"/>
+            <a:off x="5160409" y="3342258"/>
+            <a:ext cx="411364" cy="1391822"/>
           </a:xfrm>
-          <a:prstGeom prst="line">
+          <a:prstGeom prst="bentConnector3">
             <a:avLst/>
           </a:prstGeom>
+          <a:ln>
+            <a:tailEnd type="triangle"/>
+          </a:ln>
+        </p:spPr>
+        <p:style>
+          <a:lnRef idx="2">
+            <a:schemeClr val="dk1"/>
+          </a:lnRef>
+          <a:fillRef idx="0">
+            <a:schemeClr val="dk1"/>
+          </a:fillRef>
+          <a:effectRef idx="1">
+            <a:schemeClr val="dk1"/>
+          </a:effectRef>
+          <a:fontRef idx="minor">
+            <a:schemeClr val="tx1"/>
+          </a:fontRef>
+        </p:style>
+      </p:cxnSp>
+      <p:cxnSp>
+        <p:nvCxnSpPr>
+          <p:cNvPr id="27" name="Straight Arrow Connector 26">
+            <a:extLst>
+              <a:ext uri="{FF2B5EF4-FFF2-40B4-BE49-F238E27FC236}">
+                <a16:creationId xmlns:a16="http://schemas.microsoft.com/office/drawing/2014/main" id="{B1673A93-0875-28B5-6F62-7B53CF5B450F}"/>
+              </a:ext>
+            </a:extLst>
+          </p:cNvPr>
+          <p:cNvCxnSpPr>
+            <a:stCxn id="21" idx="0"/>
+            <a:endCxn id="22" idx="2"/>
+          </p:cNvCxnSpPr>
+          <p:nvPr/>
+        </p:nvCxnSpPr>
+        <p:spPr>
+          <a:xfrm flipV="1">
+            <a:off x="6535652" y="2730257"/>
+            <a:ext cx="0" cy="247943"/>
+          </a:xfrm>
+          <a:prstGeom prst="straightConnector1">
+            <a:avLst/>
+          </a:prstGeom>
+          <a:ln>
+            <a:tailEnd type="triangle"/>
+          </a:ln>
+        </p:spPr>
+        <p:style>
+          <a:lnRef idx="2">
+            <a:schemeClr val="dk1"/>
+          </a:lnRef>
+          <a:fillRef idx="0">
+            <a:schemeClr val="dk1"/>
+          </a:fillRef>
+          <a:effectRef idx="1">
+            <a:schemeClr val="dk1"/>
+          </a:effectRef>
+          <a:fontRef idx="minor">
+            <a:schemeClr val="tx1"/>
+          </a:fontRef>
+        </p:style>
+      </p:cxnSp>
+      <p:cxnSp>
+        <p:nvCxnSpPr>
+          <p:cNvPr id="29" name="Straight Arrow Connector 28">
+            <a:extLst>
+              <a:ext uri="{FF2B5EF4-FFF2-40B4-BE49-F238E27FC236}">
+                <a16:creationId xmlns:a16="http://schemas.microsoft.com/office/drawing/2014/main" id="{3B29CE72-0625-2DE8-3343-533AB294C672}"/>
+              </a:ext>
+            </a:extLst>
+          </p:cNvPr>
+          <p:cNvCxnSpPr>
+            <a:stCxn id="22" idx="1"/>
+            <a:endCxn id="15" idx="3"/>
+          </p:cNvCxnSpPr>
+          <p:nvPr/>
+        </p:nvCxnSpPr>
+        <p:spPr>
+          <a:xfrm flipH="1">
+            <a:off x="5160409" y="2366200"/>
+            <a:ext cx="411364" cy="0"/>
+          </a:xfrm>
+          <a:prstGeom prst="straightConnector1">
+            <a:avLst/>
+          </a:prstGeom>
+          <a:ln>
+            <a:tailEnd type="triangle"/>
+          </a:ln>
+        </p:spPr>
+        <p:style>
+          <a:lnRef idx="2">
+            <a:schemeClr val="dk1"/>
+          </a:lnRef>
+          <a:fillRef idx="0">
+            <a:schemeClr val="dk1"/>
+          </a:fillRef>
+          <a:effectRef idx="1">
+            <a:schemeClr val="dk1"/>
+          </a:effectRef>
+          <a:fontRef idx="minor">
+            <a:schemeClr val="tx1"/>
+          </a:fontRef>
+        </p:style>
+      </p:cxnSp>
+      <p:cxnSp>
+        <p:nvCxnSpPr>
+          <p:cNvPr id="31" name="Straight Arrow Connector 30">
+            <a:extLst>
+              <a:ext uri="{FF2B5EF4-FFF2-40B4-BE49-F238E27FC236}">
+                <a16:creationId xmlns:a16="http://schemas.microsoft.com/office/drawing/2014/main" id="{2564133E-725C-7FA9-C2BE-3E3596A57D06}"/>
+              </a:ext>
+            </a:extLst>
+          </p:cNvPr>
+          <p:cNvCxnSpPr>
+            <a:stCxn id="21" idx="3"/>
+            <a:endCxn id="5" idx="1"/>
+          </p:cNvCxnSpPr>
+          <p:nvPr/>
+        </p:nvCxnSpPr>
+        <p:spPr>
+          <a:xfrm flipV="1">
+            <a:off x="7499531" y="3323512"/>
+            <a:ext cx="1238603" cy="18746"/>
+          </a:xfrm>
+          <a:prstGeom prst="straightConnector1">
+            <a:avLst/>
+          </a:prstGeom>
+          <a:ln>
+            <a:tailEnd type="triangle"/>
+          </a:ln>
+        </p:spPr>
+        <p:style>
+          <a:lnRef idx="2">
+            <a:schemeClr val="dk1"/>
+          </a:lnRef>
+          <a:fillRef idx="0">
+            <a:schemeClr val="dk1"/>
+          </a:fillRef>
+          <a:effectRef idx="1">
+            <a:schemeClr val="dk1"/>
+          </a:effectRef>
+          <a:fontRef idx="minor">
+            <a:schemeClr val="tx1"/>
+          </a:fontRef>
+        </p:style>
+      </p:cxnSp>
+      <p:cxnSp>
+        <p:nvCxnSpPr>
+          <p:cNvPr id="35" name="Straight Arrow Connector 34">
+            <a:extLst>
+              <a:ext uri="{FF2B5EF4-FFF2-40B4-BE49-F238E27FC236}">
+                <a16:creationId xmlns:a16="http://schemas.microsoft.com/office/drawing/2014/main" id="{04E62CD5-D59B-2D4C-1943-15B20E617F66}"/>
+              </a:ext>
+            </a:extLst>
+          </p:cNvPr>
+          <p:cNvCxnSpPr>
+            <a:stCxn id="21" idx="2"/>
+            <a:endCxn id="6" idx="0"/>
+          </p:cNvCxnSpPr>
+          <p:nvPr/>
+        </p:nvCxnSpPr>
+        <p:spPr>
+          <a:xfrm>
+            <a:off x="6535652" y="3706315"/>
+            <a:ext cx="0" cy="663706"/>
+          </a:xfrm>
+          <a:prstGeom prst="straightConnector1">
+            <a:avLst/>
+          </a:prstGeom>
+          <a:ln>
+            <a:tailEnd type="triangle"/>
+          </a:ln>
+        </p:spPr>
+        <p:style>
+          <a:lnRef idx="2">
+            <a:schemeClr val="dk1"/>
+          </a:lnRef>
+          <a:fillRef idx="0">
+            <a:schemeClr val="dk1"/>
+          </a:fillRef>
+          <a:effectRef idx="1">
+            <a:schemeClr val="dk1"/>
+          </a:effectRef>
+          <a:fontRef idx="minor">
+            <a:schemeClr val="tx1"/>
+          </a:fontRef>
+        </p:style>
+      </p:cxnSp>
+      <p:cxnSp>
+        <p:nvCxnSpPr>
+          <p:cNvPr id="37" name="Connector: Elbow 36">
+            <a:extLst>
+              <a:ext uri="{FF2B5EF4-FFF2-40B4-BE49-F238E27FC236}">
+                <a16:creationId xmlns:a16="http://schemas.microsoft.com/office/drawing/2014/main" id="{E3184CC9-0F0B-8B68-AB38-27310CA083CF}"/>
+              </a:ext>
+            </a:extLst>
+          </p:cNvPr>
+          <p:cNvCxnSpPr>
+            <a:stCxn id="6" idx="3"/>
+            <a:endCxn id="5" idx="2"/>
+          </p:cNvCxnSpPr>
+          <p:nvPr/>
+        </p:nvCxnSpPr>
+        <p:spPr>
+          <a:xfrm flipV="1">
+            <a:off x="7499531" y="3687569"/>
+            <a:ext cx="2202482" cy="1046510"/>
+          </a:xfrm>
+          <a:prstGeom prst="bentConnector2">
+            <a:avLst/>
+          </a:prstGeom>
+          <a:ln>
+            <a:tailEnd type="triangle"/>
+          </a:ln>
         </p:spPr>
         <p:style>
           <a:lnRef idx="2">
@@ -36384,10 +40610,10 @@
       </p:cxnSp>
       <p:sp>
         <p:nvSpPr>
-          <p:cNvPr id="15" name="TextBox 14">
+          <p:cNvPr id="38" name="TextBox 37">
             <a:extLst>
               <a:ext uri="{FF2B5EF4-FFF2-40B4-BE49-F238E27FC236}">
-                <a16:creationId xmlns:a16="http://schemas.microsoft.com/office/drawing/2014/main" id="{52636132-B545-2F62-16F8-987522E06343}"/>
+                <a16:creationId xmlns:a16="http://schemas.microsoft.com/office/drawing/2014/main" id="{A07A42A7-E762-3F10-7161-7577728BDF46}"/>
               </a:ext>
             </a:extLst>
           </p:cNvPr>
@@ -36396,8 +40622,8 @@
         </p:nvSpPr>
         <p:spPr>
           <a:xfrm>
-            <a:off x="6575740" y="3598578"/>
-            <a:ext cx="1123805" cy="369332"/>
+            <a:off x="3155665" y="3897646"/>
+            <a:ext cx="2057074" cy="369332"/>
           </a:xfrm>
           <a:prstGeom prst="rect">
             <a:avLst/>
@@ -36411,18 +40637,61 @@
           <a:lstStyle/>
           <a:p>
             <a:r>
-              <a:rPr lang="en-US" dirty="0"/>
-              <a:t>-2.658</a:t>
+              <a:rPr lang="zh-CN" altLang="en-US" dirty="0"/>
+              <a:t>超过复杂度阈值</a:t>
             </a:r>
+            <a:endParaRPr lang="en-US" dirty="0"/>
           </a:p>
         </p:txBody>
       </p:sp>
+      <p:cxnSp>
+        <p:nvCxnSpPr>
+          <p:cNvPr id="40" name="Straight Arrow Connector 39">
+            <a:extLst>
+              <a:ext uri="{FF2B5EF4-FFF2-40B4-BE49-F238E27FC236}">
+                <a16:creationId xmlns:a16="http://schemas.microsoft.com/office/drawing/2014/main" id="{939F4F66-F71B-92C7-E9FB-DF3DE0C9683C}"/>
+              </a:ext>
+            </a:extLst>
+          </p:cNvPr>
+          <p:cNvCxnSpPr>
+            <a:stCxn id="16" idx="3"/>
+            <a:endCxn id="21" idx="1"/>
+          </p:cNvCxnSpPr>
+          <p:nvPr/>
+        </p:nvCxnSpPr>
+        <p:spPr>
+          <a:xfrm>
+            <a:off x="5160409" y="3342258"/>
+            <a:ext cx="411364" cy="0"/>
+          </a:xfrm>
+          <a:prstGeom prst="straightConnector1">
+            <a:avLst/>
+          </a:prstGeom>
+          <a:ln>
+            <a:tailEnd type="triangle"/>
+          </a:ln>
+        </p:spPr>
+        <p:style>
+          <a:lnRef idx="2">
+            <a:schemeClr val="dk1"/>
+          </a:lnRef>
+          <a:fillRef idx="0">
+            <a:schemeClr val="dk1"/>
+          </a:fillRef>
+          <a:effectRef idx="1">
+            <a:schemeClr val="dk1"/>
+          </a:effectRef>
+          <a:fontRef idx="minor">
+            <a:schemeClr val="tx1"/>
+          </a:fontRef>
+        </p:style>
+      </p:cxnSp>
       <p:sp>
         <p:nvSpPr>
-          <p:cNvPr id="16" name="TextBox 15">
+          <p:cNvPr id="41" name="TextBox 40">
             <a:extLst>
               <a:ext uri="{FF2B5EF4-FFF2-40B4-BE49-F238E27FC236}">
-                <a16:creationId xmlns:a16="http://schemas.microsoft.com/office/drawing/2014/main" id="{739A4F02-9CEA-D528-90EF-3358A9CBF5F3}"/>
+                <a16:creationId xmlns:a16="http://schemas.microsoft.com/office/drawing/2014/main" id="{2AED0295-2A52-1AAD-51F4-1F0198A530A4}"/>
               </a:ext>
             </a:extLst>
           </p:cNvPr>
@@ -36431,8 +40700,8 @@
         </p:nvSpPr>
         <p:spPr>
           <a:xfrm>
-            <a:off x="7852558" y="3597952"/>
-            <a:ext cx="1123805" cy="369332"/>
+            <a:off x="5559445" y="3914025"/>
+            <a:ext cx="2057074" cy="369332"/>
           </a:xfrm>
           <a:prstGeom prst="rect">
             <a:avLst/>
@@ -36446,18 +40715,19 @@
           <a:lstStyle/>
           <a:p>
             <a:r>
-              <a:rPr lang="en-US" dirty="0"/>
-              <a:t>-0.658</a:t>
+              <a:rPr lang="zh-CN" altLang="en-US" dirty="0"/>
+              <a:t>存在松弛约束</a:t>
             </a:r>
+            <a:endParaRPr lang="en-US" dirty="0"/>
           </a:p>
         </p:txBody>
       </p:sp>
       <p:sp>
         <p:nvSpPr>
-          <p:cNvPr id="17" name="TextBox 16">
+          <p:cNvPr id="47" name="TextBox 46">
             <a:extLst>
               <a:ext uri="{FF2B5EF4-FFF2-40B4-BE49-F238E27FC236}">
-                <a16:creationId xmlns:a16="http://schemas.microsoft.com/office/drawing/2014/main" id="{C3ABA42C-FAF2-103B-9DA3-410ADA73DD14}"/>
+                <a16:creationId xmlns:a16="http://schemas.microsoft.com/office/drawing/2014/main" id="{F2B50CF8-9E7B-44FB-EC27-A2268445CA97}"/>
               </a:ext>
             </a:extLst>
           </p:cNvPr>
@@ -36466,8 +40736,8 @@
         </p:nvSpPr>
         <p:spPr>
           <a:xfrm>
-            <a:off x="8576218" y="3597952"/>
-            <a:ext cx="1123805" cy="369332"/>
+            <a:off x="7102414" y="5698607"/>
+            <a:ext cx="1565706" cy="461665"/>
           </a:xfrm>
           <a:prstGeom prst="rect">
             <a:avLst/>
@@ -36481,18 +40751,19 @@
           <a:lstStyle/>
           <a:p>
             <a:r>
-              <a:rPr lang="en-US" dirty="0"/>
-              <a:t> 0.658</a:t>
+              <a:rPr lang="en-US" altLang="zh-CN" sz="2400" b="1" dirty="0"/>
+              <a:t>LS_NRA</a:t>
             </a:r>
+            <a:endParaRPr lang="en-US" sz="2400" b="1" dirty="0"/>
           </a:p>
         </p:txBody>
       </p:sp>
       <p:sp>
         <p:nvSpPr>
-          <p:cNvPr id="18" name="TextBox 17">
+          <p:cNvPr id="49" name="TextBox 48">
             <a:extLst>
               <a:ext uri="{FF2B5EF4-FFF2-40B4-BE49-F238E27FC236}">
-                <a16:creationId xmlns:a16="http://schemas.microsoft.com/office/drawing/2014/main" id="{4B942FD7-DEDF-6C80-53B6-64F2FC251EB9}"/>
+                <a16:creationId xmlns:a16="http://schemas.microsoft.com/office/drawing/2014/main" id="{3F8E650B-5D27-6C6B-9F55-BCC9FC6160DE}"/>
               </a:ext>
             </a:extLst>
           </p:cNvPr>
@@ -36501,8 +40772,8 @@
         </p:nvSpPr>
         <p:spPr>
           <a:xfrm>
-            <a:off x="9560482" y="3597954"/>
-            <a:ext cx="1123805" cy="369332"/>
+            <a:off x="6910421" y="1354045"/>
+            <a:ext cx="1998668" cy="400110"/>
           </a:xfrm>
           <a:prstGeom prst="rect">
             <a:avLst/>
@@ -36516,18 +40787,19 @@
           <a:lstStyle/>
           <a:p>
             <a:r>
-              <a:rPr lang="en-US" dirty="0"/>
-              <a:t>2.658</a:t>
+              <a:rPr lang="zh-CN" altLang="en-US" sz="2000" b="1" dirty="0"/>
+              <a:t>预处理模块</a:t>
             </a:r>
+            <a:endParaRPr lang="en-US" sz="2000" b="1" dirty="0"/>
           </a:p>
         </p:txBody>
       </p:sp>
       <p:sp>
         <p:nvSpPr>
-          <p:cNvPr id="19" name="TextBox 18">
+          <p:cNvPr id="51" name="TextBox 50">
             <a:extLst>
               <a:ext uri="{FF2B5EF4-FFF2-40B4-BE49-F238E27FC236}">
-                <a16:creationId xmlns:a16="http://schemas.microsoft.com/office/drawing/2014/main" id="{41BACAF0-2873-22B9-4BFD-0005DF38197F}"/>
+                <a16:creationId xmlns:a16="http://schemas.microsoft.com/office/drawing/2014/main" id="{74405DA0-0DB2-0D3F-8D1F-1797B063F95C}"/>
               </a:ext>
             </a:extLst>
           </p:cNvPr>
@@ -36536,8 +40808,8 @@
         </p:nvSpPr>
         <p:spPr>
           <a:xfrm>
-            <a:off x="6758169" y="2908054"/>
-            <a:ext cx="467234" cy="369332"/>
+            <a:off x="6947165" y="3754203"/>
+            <a:ext cx="1998668" cy="400110"/>
           </a:xfrm>
           <a:prstGeom prst="rect">
             <a:avLst/>
@@ -36551,18 +40823,19 @@
           <a:lstStyle/>
           <a:p>
             <a:r>
-              <a:rPr lang="en-US" dirty="0"/>
-              <a:t>+1</a:t>
+              <a:rPr lang="zh-CN" altLang="en-US" sz="2000" b="1" dirty="0"/>
+              <a:t>主搜索模块</a:t>
             </a:r>
+            <a:endParaRPr lang="en-US" sz="2000" b="1" dirty="0"/>
           </a:p>
         </p:txBody>
       </p:sp>
       <p:sp>
         <p:nvSpPr>
-          <p:cNvPr id="20" name="TextBox 19">
+          <p:cNvPr id="53" name="TextBox 52">
             <a:extLst>
               <a:ext uri="{FF2B5EF4-FFF2-40B4-BE49-F238E27FC236}">
-                <a16:creationId xmlns:a16="http://schemas.microsoft.com/office/drawing/2014/main" id="{894A04C6-E743-2492-A645-E5DDCCC691A1}"/>
+                <a16:creationId xmlns:a16="http://schemas.microsoft.com/office/drawing/2014/main" id="{F91DF32D-58BC-6A12-CB46-439583CA5ACE}"/>
               </a:ext>
             </a:extLst>
           </p:cNvPr>
@@ -36571,8 +40844,8 @@
         </p:nvSpPr>
         <p:spPr>
           <a:xfrm>
-            <a:off x="8220277" y="2907398"/>
-            <a:ext cx="467234" cy="369332"/>
+            <a:off x="7089999" y="5061682"/>
+            <a:ext cx="1998668" cy="400110"/>
           </a:xfrm>
           <a:prstGeom prst="rect">
             <a:avLst/>
@@ -36586,367 +40859,17 @@
           <a:lstStyle/>
           <a:p>
             <a:r>
-              <a:rPr lang="en-US" dirty="0"/>
-              <a:t>+1</a:t>
+              <a:rPr lang="zh-CN" altLang="en-US" sz="2000" b="1" dirty="0"/>
+              <a:t>松弛模块</a:t>
             </a:r>
-          </a:p>
-        </p:txBody>
-      </p:sp>
-      <p:sp>
-        <p:nvSpPr>
-          <p:cNvPr id="21" name="TextBox 20">
-            <a:extLst>
-              <a:ext uri="{FF2B5EF4-FFF2-40B4-BE49-F238E27FC236}">
-                <a16:creationId xmlns:a16="http://schemas.microsoft.com/office/drawing/2014/main" id="{34A7D903-A4DD-61C0-FCE9-03C75079637D}"/>
-              </a:ext>
-            </a:extLst>
-          </p:cNvPr>
-          <p:cNvSpPr txBox="1"/>
-          <p:nvPr/>
-        </p:nvSpPr>
-        <p:spPr>
-          <a:xfrm>
-            <a:off x="9682385" y="2907398"/>
-            <a:ext cx="467234" cy="369332"/>
-          </a:xfrm>
-          <a:prstGeom prst="rect">
-            <a:avLst/>
-          </a:prstGeom>
-          <a:noFill/>
-        </p:spPr>
-        <p:txBody>
-          <a:bodyPr wrap="square" rtlCol="0">
-            <a:spAutoFit/>
-          </a:bodyPr>
-          <a:lstStyle/>
-          <a:p>
-            <a:r>
-              <a:rPr lang="en-US" dirty="0"/>
-              <a:t>-1</a:t>
-            </a:r>
-          </a:p>
-        </p:txBody>
-      </p:sp>
-      <p:sp>
-        <p:nvSpPr>
-          <p:cNvPr id="22" name="TextBox 21">
-            <a:extLst>
-              <a:ext uri="{FF2B5EF4-FFF2-40B4-BE49-F238E27FC236}">
-                <a16:creationId xmlns:a16="http://schemas.microsoft.com/office/drawing/2014/main" id="{E16A7217-1C86-BA87-5786-0E00F8642D21}"/>
-              </a:ext>
-            </a:extLst>
-          </p:cNvPr>
-          <p:cNvSpPr txBox="1"/>
-          <p:nvPr/>
-        </p:nvSpPr>
-        <p:spPr>
-          <a:xfrm>
-            <a:off x="8672622" y="2907541"/>
-            <a:ext cx="467234" cy="369332"/>
-          </a:xfrm>
-          <a:prstGeom prst="rect">
-            <a:avLst/>
-          </a:prstGeom>
-          <a:noFill/>
-        </p:spPr>
-        <p:txBody>
-          <a:bodyPr wrap="square" rtlCol="0">
-            <a:spAutoFit/>
-          </a:bodyPr>
-          <a:lstStyle/>
-          <a:p>
-            <a:r>
-              <a:rPr lang="en-US" dirty="0"/>
-              <a:t>-1</a:t>
-            </a:r>
-          </a:p>
-        </p:txBody>
-      </p:sp>
-      <p:sp>
-        <p:nvSpPr>
-          <p:cNvPr id="23" name="TextBox 22">
-            <a:extLst>
-              <a:ext uri="{FF2B5EF4-FFF2-40B4-BE49-F238E27FC236}">
-                <a16:creationId xmlns:a16="http://schemas.microsoft.com/office/drawing/2014/main" id="{9E2FA807-7A53-4095-38AF-BCCA9A249786}"/>
-              </a:ext>
-            </a:extLst>
-          </p:cNvPr>
-          <p:cNvSpPr txBox="1"/>
-          <p:nvPr/>
-        </p:nvSpPr>
-        <p:spPr>
-          <a:xfrm>
-            <a:off x="10423970" y="3552272"/>
-            <a:ext cx="1123805" cy="369332"/>
-          </a:xfrm>
-          <a:prstGeom prst="rect">
-            <a:avLst/>
-          </a:prstGeom>
-          <a:noFill/>
-        </p:spPr>
-        <p:txBody>
-          <a:bodyPr wrap="square" rtlCol="0">
-            <a:spAutoFit/>
-          </a:bodyPr>
-          <a:lstStyle/>
-          <a:p>
-            <a:r>
-              <a:rPr lang="en-US" i="1" dirty="0">
-                <a:latin typeface="Times New Roman" panose="02020603050405020304" pitchFamily="18" charset="0"/>
-                <a:cs typeface="Times New Roman" panose="02020603050405020304" pitchFamily="18" charset="0"/>
-              </a:rPr>
-              <a:t>value</a:t>
-            </a:r>
-          </a:p>
-        </p:txBody>
-      </p:sp>
-      <p:sp>
-        <p:nvSpPr>
-          <p:cNvPr id="24" name="TextBox 23">
-            <a:extLst>
-              <a:ext uri="{FF2B5EF4-FFF2-40B4-BE49-F238E27FC236}">
-                <a16:creationId xmlns:a16="http://schemas.microsoft.com/office/drawing/2014/main" id="{6D7C63B9-C76D-3E31-ECA0-1BF1BD200DA6}"/>
-              </a:ext>
-            </a:extLst>
-          </p:cNvPr>
-          <p:cNvSpPr txBox="1"/>
-          <p:nvPr/>
-        </p:nvSpPr>
-        <p:spPr>
-          <a:xfrm>
-            <a:off x="10419751" y="3137885"/>
-            <a:ext cx="1123805" cy="369332"/>
-          </a:xfrm>
-          <a:prstGeom prst="rect">
-            <a:avLst/>
-          </a:prstGeom>
-          <a:noFill/>
-        </p:spPr>
-        <p:txBody>
-          <a:bodyPr wrap="square" rtlCol="0">
-            <a:spAutoFit/>
-          </a:bodyPr>
-          <a:lstStyle/>
-          <a:p>
-            <a:r>
-              <a:rPr lang="en-US" i="1" dirty="0">
-                <a:latin typeface="Times New Roman" panose="02020603050405020304" pitchFamily="18" charset="0"/>
-                <a:cs typeface="Times New Roman" panose="02020603050405020304" pitchFamily="18" charset="0"/>
-              </a:rPr>
-              <a:t>score</a:t>
-            </a:r>
-          </a:p>
-        </p:txBody>
-      </p:sp>
-      <p:sp>
-        <p:nvSpPr>
-          <p:cNvPr id="3" name="TextBox 2">
-            <a:extLst>
-              <a:ext uri="{FF2B5EF4-FFF2-40B4-BE49-F238E27FC236}">
-                <a16:creationId xmlns:a16="http://schemas.microsoft.com/office/drawing/2014/main" id="{CD2B4197-BB06-A95D-BF28-937E91871D1A}"/>
-              </a:ext>
-            </a:extLst>
-          </p:cNvPr>
-          <p:cNvSpPr txBox="1"/>
-          <p:nvPr/>
-        </p:nvSpPr>
-        <p:spPr>
-          <a:xfrm>
-            <a:off x="6417604" y="3199579"/>
-            <a:ext cx="467234" cy="369332"/>
-          </a:xfrm>
-          <a:prstGeom prst="rect">
-            <a:avLst/>
-          </a:prstGeom>
-          <a:noFill/>
-        </p:spPr>
-        <p:txBody>
-          <a:bodyPr wrap="square" rtlCol="0">
-            <a:spAutoFit/>
-          </a:bodyPr>
-          <a:lstStyle/>
-          <a:p>
-            <a:r>
-              <a:rPr lang="en-US" dirty="0"/>
-              <a:t>-1</a:t>
-            </a:r>
-          </a:p>
-        </p:txBody>
-      </p:sp>
-      <p:sp>
-        <p:nvSpPr>
-          <p:cNvPr id="4" name="TextBox 3">
-            <a:extLst>
-              <a:ext uri="{FF2B5EF4-FFF2-40B4-BE49-F238E27FC236}">
-                <a16:creationId xmlns:a16="http://schemas.microsoft.com/office/drawing/2014/main" id="{4B1F20D8-3797-340E-0676-BD76AAEBDC84}"/>
-              </a:ext>
-            </a:extLst>
-          </p:cNvPr>
-          <p:cNvSpPr txBox="1"/>
-          <p:nvPr/>
-        </p:nvSpPr>
-        <p:spPr>
-          <a:xfrm>
-            <a:off x="7493748" y="3199579"/>
-            <a:ext cx="467234" cy="369332"/>
-          </a:xfrm>
-          <a:prstGeom prst="rect">
-            <a:avLst/>
-          </a:prstGeom>
-          <a:noFill/>
-        </p:spPr>
-        <p:txBody>
-          <a:bodyPr wrap="square" rtlCol="0">
-            <a:spAutoFit/>
-          </a:bodyPr>
-          <a:lstStyle/>
-          <a:p>
-            <a:r>
-              <a:rPr lang="en-US" dirty="0"/>
-              <a:t>0</a:t>
-            </a:r>
-          </a:p>
-        </p:txBody>
-      </p:sp>
-      <p:sp>
-        <p:nvSpPr>
-          <p:cNvPr id="7" name="TextBox 6">
-            <a:extLst>
-              <a:ext uri="{FF2B5EF4-FFF2-40B4-BE49-F238E27FC236}">
-                <a16:creationId xmlns:a16="http://schemas.microsoft.com/office/drawing/2014/main" id="{FDF514A2-A4D2-0880-65FE-597DF859DD46}"/>
-              </a:ext>
-            </a:extLst>
-          </p:cNvPr>
-          <p:cNvSpPr txBox="1"/>
-          <p:nvPr/>
-        </p:nvSpPr>
-        <p:spPr>
-          <a:xfrm>
-            <a:off x="8491117" y="3199579"/>
-            <a:ext cx="467234" cy="369332"/>
-          </a:xfrm>
-          <a:prstGeom prst="rect">
-            <a:avLst/>
-          </a:prstGeom>
-          <a:noFill/>
-        </p:spPr>
-        <p:txBody>
-          <a:bodyPr wrap="square" rtlCol="0">
-            <a:spAutoFit/>
-          </a:bodyPr>
-          <a:lstStyle/>
-          <a:p>
-            <a:r>
-              <a:rPr lang="en-US" dirty="0"/>
-              <a:t>1</a:t>
-            </a:r>
-          </a:p>
-        </p:txBody>
-      </p:sp>
-      <p:sp>
-        <p:nvSpPr>
-          <p:cNvPr id="9" name="TextBox 8">
-            <a:extLst>
-              <a:ext uri="{FF2B5EF4-FFF2-40B4-BE49-F238E27FC236}">
-                <a16:creationId xmlns:a16="http://schemas.microsoft.com/office/drawing/2014/main" id="{E04E6462-148A-B6C2-9E1B-CC0088405A21}"/>
-              </a:ext>
-            </a:extLst>
-          </p:cNvPr>
-          <p:cNvSpPr txBox="1"/>
-          <p:nvPr/>
-        </p:nvSpPr>
-        <p:spPr>
-          <a:xfrm>
-            <a:off x="9174972" y="3191396"/>
-            <a:ext cx="467234" cy="369332"/>
-          </a:xfrm>
-          <a:prstGeom prst="rect">
-            <a:avLst/>
-          </a:prstGeom>
-          <a:noFill/>
-        </p:spPr>
-        <p:txBody>
-          <a:bodyPr wrap="square" rtlCol="0">
-            <a:spAutoFit/>
-          </a:bodyPr>
-          <a:lstStyle/>
-          <a:p>
-            <a:r>
-              <a:rPr lang="en-US" dirty="0"/>
-              <a:t>0</a:t>
-            </a:r>
-          </a:p>
-        </p:txBody>
-      </p:sp>
-      <p:sp>
-        <p:nvSpPr>
-          <p:cNvPr id="11" name="TextBox 10">
-            <a:extLst>
-              <a:ext uri="{FF2B5EF4-FFF2-40B4-BE49-F238E27FC236}">
-                <a16:creationId xmlns:a16="http://schemas.microsoft.com/office/drawing/2014/main" id="{8DBEBB5D-E40F-4C2A-C890-886323DE1AFC}"/>
-              </a:ext>
-            </a:extLst>
-          </p:cNvPr>
-          <p:cNvSpPr txBox="1"/>
-          <p:nvPr/>
-        </p:nvSpPr>
-        <p:spPr>
-          <a:xfrm>
-            <a:off x="10078782" y="3198809"/>
-            <a:ext cx="467234" cy="369332"/>
-          </a:xfrm>
-          <a:prstGeom prst="rect">
-            <a:avLst/>
-          </a:prstGeom>
-          <a:noFill/>
-        </p:spPr>
-        <p:txBody>
-          <a:bodyPr wrap="square" rtlCol="0">
-            <a:spAutoFit/>
-          </a:bodyPr>
-          <a:lstStyle/>
-          <a:p>
-            <a:r>
-              <a:rPr lang="en-US" dirty="0"/>
-              <a:t>-1</a:t>
-            </a:r>
+            <a:endParaRPr lang="en-US" sz="2000" b="1" dirty="0"/>
           </a:p>
         </p:txBody>
       </p:sp>
     </p:spTree>
     <p:extLst>
       <p:ext uri="{BB962C8B-B14F-4D97-AF65-F5344CB8AC3E}">
-        <p14:creationId xmlns:p14="http://schemas.microsoft.com/office/powerpoint/2010/main" val="2589689734"/>
-      </p:ext>
-    </p:extLst>
-  </p:cSld>
-  <p:clrMapOvr>
-    <a:masterClrMapping/>
-  </p:clrMapOvr>
-</p:sld>
-</file>
-
-<file path=ppt/slides/slide8.xml><?xml version="1.0" encoding="utf-8"?>
-<p:sld xmlns:a="http://schemas.openxmlformats.org/drawingml/2006/main" xmlns:r="http://schemas.openxmlformats.org/officeDocument/2006/relationships" xmlns:p="http://schemas.openxmlformats.org/presentationml/2006/main">
-  <p:cSld>
-    <p:spTree>
-      <p:nvGrpSpPr>
-        <p:cNvPr id="1" name=""/>
-        <p:cNvGrpSpPr/>
-        <p:nvPr/>
-      </p:nvGrpSpPr>
-      <p:grpSpPr>
-        <a:xfrm>
-          <a:off x="0" y="0"/>
-          <a:ext cx="0" cy="0"/>
-          <a:chOff x="0" y="0"/>
-          <a:chExt cx="0" cy="0"/>
-        </a:xfrm>
-      </p:grpSpPr>
-    </p:spTree>
-    <p:extLst>
-      <p:ext uri="{BB962C8B-B14F-4D97-AF65-F5344CB8AC3E}">
-        <p14:creationId xmlns:p14="http://schemas.microsoft.com/office/powerpoint/2010/main" val="3662410886"/>
+        <p14:creationId xmlns:p14="http://schemas.microsoft.com/office/powerpoint/2010/main" val="844169570"/>
       </p:ext>
     </p:extLst>
   </p:cSld>
@@ -37269,4 +41192,319 @@
     </a:ext>
   </a:extLst>
 </a:theme>
+</file>
+
+<file path=ppt/theme/theme2.xml><?xml version="1.0" encoding="utf-8"?>
+<a:theme xmlns:a="http://schemas.openxmlformats.org/drawingml/2006/main" name="Office Theme">
+  <a:themeElements>
+    <a:clrScheme name="Office">
+      <a:dk1>
+        <a:sysClr val="windowText" lastClr="000000"/>
+      </a:dk1>
+      <a:lt1>
+        <a:sysClr val="window" lastClr="FFFFFF"/>
+      </a:lt1>
+      <a:dk2>
+        <a:srgbClr val="0E2841"/>
+      </a:dk2>
+      <a:lt2>
+        <a:srgbClr val="E8E8E8"/>
+      </a:lt2>
+      <a:accent1>
+        <a:srgbClr val="156082"/>
+      </a:accent1>
+      <a:accent2>
+        <a:srgbClr val="E97132"/>
+      </a:accent2>
+      <a:accent3>
+        <a:srgbClr val="196B24"/>
+      </a:accent3>
+      <a:accent4>
+        <a:srgbClr val="0F9ED5"/>
+      </a:accent4>
+      <a:accent5>
+        <a:srgbClr val="A02B93"/>
+      </a:accent5>
+      <a:accent6>
+        <a:srgbClr val="4EA72E"/>
+      </a:accent6>
+      <a:hlink>
+        <a:srgbClr val="467886"/>
+      </a:hlink>
+      <a:folHlink>
+        <a:srgbClr val="96607D"/>
+      </a:folHlink>
+    </a:clrScheme>
+    <a:fontScheme name="Office">
+      <a:majorFont>
+        <a:latin typeface="Aptos Display" panose="02110004020202020204"/>
+        <a:ea typeface=""/>
+        <a:cs typeface=""/>
+        <a:font script="Jpan" typeface="游ゴシック Light"/>
+        <a:font script="Hang" typeface="맑은 고딕"/>
+        <a:font script="Hans" typeface="等线 Light"/>
+        <a:font script="Hant" typeface="新細明體"/>
+        <a:font script="Arab" typeface="Times New Roman"/>
+        <a:font script="Hebr" typeface="Times New Roman"/>
+        <a:font script="Thai" typeface="Angsana New"/>
+        <a:font script="Ethi" typeface="Nyala"/>
+        <a:font script="Beng" typeface="Vrinda"/>
+        <a:font script="Gujr" typeface="Shruti"/>
+        <a:font script="Khmr" typeface="MoolBoran"/>
+        <a:font script="Knda" typeface="Tunga"/>
+        <a:font script="Guru" typeface="Raavi"/>
+        <a:font script="Cans" typeface="Euphemia"/>
+        <a:font script="Cher" typeface="Plantagenet Cherokee"/>
+        <a:font script="Yiii" typeface="Microsoft Yi Baiti"/>
+        <a:font script="Tibt" typeface="Microsoft Himalaya"/>
+        <a:font script="Thaa" typeface="MV Boli"/>
+        <a:font script="Deva" typeface="Mangal"/>
+        <a:font script="Telu" typeface="Gautami"/>
+        <a:font script="Taml" typeface="Latha"/>
+        <a:font script="Syrc" typeface="Estrangelo Edessa"/>
+        <a:font script="Orya" typeface="Kalinga"/>
+        <a:font script="Mlym" typeface="Kartika"/>
+        <a:font script="Laoo" typeface="DokChampa"/>
+        <a:font script="Sinh" typeface="Iskoola Pota"/>
+        <a:font script="Mong" typeface="Mongolian Baiti"/>
+        <a:font script="Viet" typeface="Times New Roman"/>
+        <a:font script="Uigh" typeface="Microsoft Uighur"/>
+        <a:font script="Geor" typeface="Sylfaen"/>
+        <a:font script="Armn" typeface="Arial"/>
+        <a:font script="Bugi" typeface="Leelawadee UI"/>
+        <a:font script="Bopo" typeface="Microsoft JhengHei"/>
+        <a:font script="Java" typeface="Javanese Text"/>
+        <a:font script="Lisu" typeface="Segoe UI"/>
+        <a:font script="Mymr" typeface="Myanmar Text"/>
+        <a:font script="Nkoo" typeface="Ebrima"/>
+        <a:font script="Olck" typeface="Nirmala UI"/>
+        <a:font script="Osma" typeface="Ebrima"/>
+        <a:font script="Phag" typeface="Phagspa"/>
+        <a:font script="Syrn" typeface="Estrangelo Edessa"/>
+        <a:font script="Syrj" typeface="Estrangelo Edessa"/>
+        <a:font script="Syre" typeface="Estrangelo Edessa"/>
+        <a:font script="Sora" typeface="Nirmala UI"/>
+        <a:font script="Tale" typeface="Microsoft Tai Le"/>
+        <a:font script="Talu" typeface="Microsoft New Tai Lue"/>
+        <a:font script="Tfng" typeface="Ebrima"/>
+      </a:majorFont>
+      <a:minorFont>
+        <a:latin typeface="Aptos" panose="02110004020202020204"/>
+        <a:ea typeface=""/>
+        <a:cs typeface=""/>
+        <a:font script="Jpan" typeface="游ゴシック"/>
+        <a:font script="Hang" typeface="맑은 고딕"/>
+        <a:font script="Hans" typeface="等线"/>
+        <a:font script="Hant" typeface="新細明體"/>
+        <a:font script="Arab" typeface="Arial"/>
+        <a:font script="Hebr" typeface="Arial"/>
+        <a:font script="Thai" typeface="Cordia New"/>
+        <a:font script="Ethi" typeface="Nyala"/>
+        <a:font script="Beng" typeface="Vrinda"/>
+        <a:font script="Gujr" typeface="Shruti"/>
+        <a:font script="Khmr" typeface="DaunPenh"/>
+        <a:font script="Knda" typeface="Tunga"/>
+        <a:font script="Guru" typeface="Raavi"/>
+        <a:font script="Cans" typeface="Euphemia"/>
+        <a:font script="Cher" typeface="Plantagenet Cherokee"/>
+        <a:font script="Yiii" typeface="Microsoft Yi Baiti"/>
+        <a:font script="Tibt" typeface="Microsoft Himalaya"/>
+        <a:font script="Thaa" typeface="MV Boli"/>
+        <a:font script="Deva" typeface="Mangal"/>
+        <a:font script="Telu" typeface="Gautami"/>
+        <a:font script="Taml" typeface="Latha"/>
+        <a:font script="Syrc" typeface="Estrangelo Edessa"/>
+        <a:font script="Orya" typeface="Kalinga"/>
+        <a:font script="Mlym" typeface="Kartika"/>
+        <a:font script="Laoo" typeface="DokChampa"/>
+        <a:font script="Sinh" typeface="Iskoola Pota"/>
+        <a:font script="Mong" typeface="Mongolian Baiti"/>
+        <a:font script="Viet" typeface="Arial"/>
+        <a:font script="Uigh" typeface="Microsoft Uighur"/>
+        <a:font script="Geor" typeface="Sylfaen"/>
+        <a:font script="Armn" typeface="Arial"/>
+        <a:font script="Bugi" typeface="Leelawadee UI"/>
+        <a:font script="Bopo" typeface="Microsoft JhengHei"/>
+        <a:font script="Java" typeface="Javanese Text"/>
+        <a:font script="Lisu" typeface="Segoe UI"/>
+        <a:font script="Mymr" typeface="Myanmar Text"/>
+        <a:font script="Nkoo" typeface="Ebrima"/>
+        <a:font script="Olck" typeface="Nirmala UI"/>
+        <a:font script="Osma" typeface="Ebrima"/>
+        <a:font script="Phag" typeface="Phagspa"/>
+        <a:font script="Syrn" typeface="Estrangelo Edessa"/>
+        <a:font script="Syrj" typeface="Estrangelo Edessa"/>
+        <a:font script="Syre" typeface="Estrangelo Edessa"/>
+        <a:font script="Sora" typeface="Nirmala UI"/>
+        <a:font script="Tale" typeface="Microsoft Tai Le"/>
+        <a:font script="Talu" typeface="Microsoft New Tai Lue"/>
+        <a:font script="Tfng" typeface="Ebrima"/>
+      </a:minorFont>
+    </a:fontScheme>
+    <a:fmtScheme name="Office">
+      <a:fillStyleLst>
+        <a:solidFill>
+          <a:schemeClr val="phClr"/>
+        </a:solidFill>
+        <a:gradFill rotWithShape="1">
+          <a:gsLst>
+            <a:gs pos="0">
+              <a:schemeClr val="phClr">
+                <a:lumMod val="110000"/>
+                <a:satMod val="105000"/>
+                <a:tint val="67000"/>
+              </a:schemeClr>
+            </a:gs>
+            <a:gs pos="50000">
+              <a:schemeClr val="phClr">
+                <a:lumMod val="105000"/>
+                <a:satMod val="103000"/>
+                <a:tint val="73000"/>
+              </a:schemeClr>
+            </a:gs>
+            <a:gs pos="100000">
+              <a:schemeClr val="phClr">
+                <a:lumMod val="105000"/>
+                <a:satMod val="109000"/>
+                <a:tint val="81000"/>
+              </a:schemeClr>
+            </a:gs>
+          </a:gsLst>
+          <a:lin ang="5400000" scaled="0"/>
+        </a:gradFill>
+        <a:gradFill rotWithShape="1">
+          <a:gsLst>
+            <a:gs pos="0">
+              <a:schemeClr val="phClr">
+                <a:satMod val="103000"/>
+                <a:lumMod val="102000"/>
+                <a:tint val="94000"/>
+              </a:schemeClr>
+            </a:gs>
+            <a:gs pos="50000">
+              <a:schemeClr val="phClr">
+                <a:satMod val="110000"/>
+                <a:lumMod val="100000"/>
+                <a:shade val="100000"/>
+              </a:schemeClr>
+            </a:gs>
+            <a:gs pos="100000">
+              <a:schemeClr val="phClr">
+                <a:lumMod val="99000"/>
+                <a:satMod val="120000"/>
+                <a:shade val="78000"/>
+              </a:schemeClr>
+            </a:gs>
+          </a:gsLst>
+          <a:lin ang="5400000" scaled="0"/>
+        </a:gradFill>
+      </a:fillStyleLst>
+      <a:lnStyleLst>
+        <a:ln w="12700" cap="flat" cmpd="sng" algn="ctr">
+          <a:solidFill>
+            <a:schemeClr val="phClr"/>
+          </a:solidFill>
+          <a:prstDash val="solid"/>
+          <a:miter lim="800000"/>
+        </a:ln>
+        <a:ln w="19050" cap="flat" cmpd="sng" algn="ctr">
+          <a:solidFill>
+            <a:schemeClr val="phClr"/>
+          </a:solidFill>
+          <a:prstDash val="solid"/>
+          <a:miter lim="800000"/>
+        </a:ln>
+        <a:ln w="25400" cap="flat" cmpd="sng" algn="ctr">
+          <a:solidFill>
+            <a:schemeClr val="phClr"/>
+          </a:solidFill>
+          <a:prstDash val="solid"/>
+          <a:miter lim="800000"/>
+        </a:ln>
+      </a:lnStyleLst>
+      <a:effectStyleLst>
+        <a:effectStyle>
+          <a:effectLst/>
+        </a:effectStyle>
+        <a:effectStyle>
+          <a:effectLst/>
+        </a:effectStyle>
+        <a:effectStyle>
+          <a:effectLst>
+            <a:outerShdw blurRad="57150" dist="19050" dir="5400000" algn="ctr" rotWithShape="0">
+              <a:srgbClr val="000000">
+                <a:alpha val="63000"/>
+              </a:srgbClr>
+            </a:outerShdw>
+          </a:effectLst>
+        </a:effectStyle>
+      </a:effectStyleLst>
+      <a:bgFillStyleLst>
+        <a:solidFill>
+          <a:schemeClr val="phClr"/>
+        </a:solidFill>
+        <a:solidFill>
+          <a:schemeClr val="phClr">
+            <a:tint val="95000"/>
+            <a:satMod val="170000"/>
+          </a:schemeClr>
+        </a:solidFill>
+        <a:gradFill rotWithShape="1">
+          <a:gsLst>
+            <a:gs pos="0">
+              <a:schemeClr val="phClr">
+                <a:tint val="93000"/>
+                <a:satMod val="150000"/>
+                <a:shade val="98000"/>
+                <a:lumMod val="102000"/>
+              </a:schemeClr>
+            </a:gs>
+            <a:gs pos="50000">
+              <a:schemeClr val="phClr">
+                <a:tint val="98000"/>
+                <a:satMod val="130000"/>
+                <a:shade val="90000"/>
+                <a:lumMod val="103000"/>
+              </a:schemeClr>
+            </a:gs>
+            <a:gs pos="100000">
+              <a:schemeClr val="phClr">
+                <a:shade val="63000"/>
+                <a:satMod val="120000"/>
+              </a:schemeClr>
+            </a:gs>
+          </a:gsLst>
+          <a:lin ang="5400000" scaled="0"/>
+        </a:gradFill>
+      </a:bgFillStyleLst>
+    </a:fmtScheme>
+  </a:themeElements>
+  <a:objectDefaults>
+    <a:lnDef>
+      <a:spPr/>
+      <a:bodyPr/>
+      <a:lstStyle/>
+      <a:style>
+        <a:lnRef idx="2">
+          <a:schemeClr val="accent1"/>
+        </a:lnRef>
+        <a:fillRef idx="0">
+          <a:schemeClr val="accent1"/>
+        </a:fillRef>
+        <a:effectRef idx="1">
+          <a:schemeClr val="accent1"/>
+        </a:effectRef>
+        <a:fontRef idx="minor">
+          <a:schemeClr val="tx1"/>
+        </a:fontRef>
+      </a:style>
+    </a:lnDef>
+  </a:objectDefaults>
+  <a:extraClrSchemeLst/>
+  <a:extLst>
+    <a:ext uri="{05A4C25C-085E-4340-85A3-A5531E510DB2}">
+      <thm15:themeFamily xmlns:thm15="http://schemas.microsoft.com/office/thememl/2012/main" name="Office Theme" id="{2E142A2C-CD16-42D6-873A-C26D2A0506FA}" vid="{1BDDFF52-6CD6-40A5-AB3C-68EB2F1E4D0A}"/>
+    </a:ext>
+  </a:extLst>
+</a:theme>
 </file>
--- a/draw.pptx
+++ b/draw.pptx
@@ -5,7 +5,7 @@
     <p:sldMasterId id="2147483648" r:id="rId1"/>
   </p:sldMasterIdLst>
   <p:notesMasterIdLst>
-    <p:notesMasterId r:id="rId12"/>
+    <p:notesMasterId r:id="rId13"/>
   </p:notesMasterIdLst>
   <p:sldIdLst>
     <p:sldId id="256" r:id="rId2"/>
@@ -18,6 +18,7 @@
     <p:sldId id="266" r:id="rId9"/>
     <p:sldId id="268" r:id="rId10"/>
     <p:sldId id="267" r:id="rId11"/>
+    <p:sldId id="269" r:id="rId12"/>
   </p:sldIdLst>
   <p:sldSz cx="12192000" cy="6858000"/>
   <p:notesSz cx="6858000" cy="9144000"/>
@@ -31442,6 +31443,1057 @@
     <p:extLst>
       <p:ext uri="{BB962C8B-B14F-4D97-AF65-F5344CB8AC3E}">
         <p14:creationId xmlns:p14="http://schemas.microsoft.com/office/powerpoint/2010/main" val="3374614232"/>
+      </p:ext>
+    </p:extLst>
+  </p:cSld>
+  <p:clrMapOvr>
+    <a:masterClrMapping/>
+  </p:clrMapOvr>
+</p:sld>
+</file>
+
+<file path=ppt/slides/slide11.xml><?xml version="1.0" encoding="utf-8"?>
+<p:sld xmlns:a="http://schemas.openxmlformats.org/drawingml/2006/main" xmlns:r="http://schemas.openxmlformats.org/officeDocument/2006/relationships" xmlns:p="http://schemas.openxmlformats.org/presentationml/2006/main">
+  <p:cSld>
+    <p:spTree>
+      <p:nvGrpSpPr>
+        <p:cNvPr id="1" name="">
+          <a:extLst>
+            <a:ext uri="{FF2B5EF4-FFF2-40B4-BE49-F238E27FC236}">
+              <a16:creationId xmlns:a16="http://schemas.microsoft.com/office/drawing/2014/main" id="{A191C44B-C357-EB97-F76D-520BCA11FEA6}"/>
+            </a:ext>
+          </a:extLst>
+        </p:cNvPr>
+        <p:cNvGrpSpPr/>
+        <p:nvPr/>
+      </p:nvGrpSpPr>
+      <p:grpSpPr>
+        <a:xfrm>
+          <a:off x="0" y="0"/>
+          <a:ext cx="0" cy="0"/>
+          <a:chOff x="0" y="0"/>
+          <a:chExt cx="0" cy="0"/>
+        </a:xfrm>
+      </p:grpSpPr>
+      <p:sp>
+        <p:nvSpPr>
+          <p:cNvPr id="16" name="Oval 15">
+            <a:extLst>
+              <a:ext uri="{FF2B5EF4-FFF2-40B4-BE49-F238E27FC236}">
+                <a16:creationId xmlns:a16="http://schemas.microsoft.com/office/drawing/2014/main" id="{EAD34ED6-7794-07EA-C1E4-E9BAE1DE4F00}"/>
+              </a:ext>
+            </a:extLst>
+          </p:cNvPr>
+          <p:cNvSpPr/>
+          <p:nvPr/>
+        </p:nvSpPr>
+        <p:spPr>
+          <a:xfrm>
+            <a:off x="1221201" y="3653366"/>
+            <a:ext cx="497434" cy="497434"/>
+          </a:xfrm>
+          <a:prstGeom prst="ellipse">
+            <a:avLst/>
+          </a:prstGeom>
+        </p:spPr>
+        <p:style>
+          <a:lnRef idx="2">
+            <a:schemeClr val="dk1"/>
+          </a:lnRef>
+          <a:fillRef idx="1">
+            <a:schemeClr val="lt1"/>
+          </a:fillRef>
+          <a:effectRef idx="0">
+            <a:schemeClr val="dk1"/>
+          </a:effectRef>
+          <a:fontRef idx="minor">
+            <a:schemeClr val="dk1"/>
+          </a:fontRef>
+        </p:style>
+        <p:txBody>
+          <a:bodyPr rtlCol="0" anchor="ctr"/>
+          <a:lstStyle/>
+          <a:p>
+            <a:pPr algn="ctr"/>
+            <a:r>
+              <a:rPr lang="en-US" dirty="0">
+                <a:latin typeface="Cambria Math" panose="02040503050406030204" pitchFamily="18" charset="0"/>
+                <a:ea typeface="Cambria Math" panose="02040503050406030204" pitchFamily="18" charset="0"/>
+              </a:rPr>
+              <a:t>y</a:t>
+            </a:r>
+          </a:p>
+        </p:txBody>
+      </p:sp>
+      <p:sp>
+        <p:nvSpPr>
+          <p:cNvPr id="17" name="Oval 16">
+            <a:extLst>
+              <a:ext uri="{FF2B5EF4-FFF2-40B4-BE49-F238E27FC236}">
+                <a16:creationId xmlns:a16="http://schemas.microsoft.com/office/drawing/2014/main" id="{D1A3C0DD-362F-2850-DF0B-4C9B2FD01552}"/>
+              </a:ext>
+            </a:extLst>
+          </p:cNvPr>
+          <p:cNvSpPr/>
+          <p:nvPr/>
+        </p:nvSpPr>
+        <p:spPr>
+          <a:xfrm>
+            <a:off x="1932013" y="2331790"/>
+            <a:ext cx="497434" cy="497434"/>
+          </a:xfrm>
+          <a:prstGeom prst="ellipse">
+            <a:avLst/>
+          </a:prstGeom>
+        </p:spPr>
+        <p:style>
+          <a:lnRef idx="2">
+            <a:schemeClr val="dk1"/>
+          </a:lnRef>
+          <a:fillRef idx="1">
+            <a:schemeClr val="lt1"/>
+          </a:fillRef>
+          <a:effectRef idx="0">
+            <a:schemeClr val="dk1"/>
+          </a:effectRef>
+          <a:fontRef idx="minor">
+            <a:schemeClr val="dk1"/>
+          </a:fontRef>
+        </p:style>
+        <p:txBody>
+          <a:bodyPr rtlCol="0" anchor="ctr"/>
+          <a:lstStyle/>
+          <a:p>
+            <a:pPr algn="ctr"/>
+            <a:r>
+              <a:rPr lang="en-US" dirty="0">
+                <a:latin typeface="Cambria Math" panose="02040503050406030204" pitchFamily="18" charset="0"/>
+                <a:ea typeface="Cambria Math" panose="02040503050406030204" pitchFamily="18" charset="0"/>
+              </a:rPr>
+              <a:t>x</a:t>
+            </a:r>
+          </a:p>
+        </p:txBody>
+      </p:sp>
+      <p:sp>
+        <p:nvSpPr>
+          <p:cNvPr id="18" name="Oval 17">
+            <a:extLst>
+              <a:ext uri="{FF2B5EF4-FFF2-40B4-BE49-F238E27FC236}">
+                <a16:creationId xmlns:a16="http://schemas.microsoft.com/office/drawing/2014/main" id="{31A59466-B1BB-2EC1-AF59-3B01571306B1}"/>
+              </a:ext>
+            </a:extLst>
+          </p:cNvPr>
+          <p:cNvSpPr/>
+          <p:nvPr/>
+        </p:nvSpPr>
+        <p:spPr>
+          <a:xfrm>
+            <a:off x="492938" y="2331790"/>
+            <a:ext cx="497434" cy="497434"/>
+          </a:xfrm>
+          <a:prstGeom prst="ellipse">
+            <a:avLst/>
+          </a:prstGeom>
+        </p:spPr>
+        <p:style>
+          <a:lnRef idx="2">
+            <a:schemeClr val="dk1"/>
+          </a:lnRef>
+          <a:fillRef idx="1">
+            <a:schemeClr val="lt1"/>
+          </a:fillRef>
+          <a:effectRef idx="0">
+            <a:schemeClr val="dk1"/>
+          </a:effectRef>
+          <a:fontRef idx="minor">
+            <a:schemeClr val="dk1"/>
+          </a:fontRef>
+        </p:style>
+        <p:txBody>
+          <a:bodyPr rtlCol="0" anchor="ctr"/>
+          <a:lstStyle/>
+          <a:p>
+            <a:pPr algn="ctr"/>
+            <a:r>
+              <a:rPr lang="en-US" dirty="0">
+                <a:latin typeface="Cambria Math" panose="02040503050406030204" pitchFamily="18" charset="0"/>
+                <a:ea typeface="Cambria Math" panose="02040503050406030204" pitchFamily="18" charset="0"/>
+              </a:rPr>
+              <a:t>k</a:t>
+            </a:r>
+          </a:p>
+        </p:txBody>
+      </p:sp>
+      <p:cxnSp>
+        <p:nvCxnSpPr>
+          <p:cNvPr id="20" name="Straight Arrow Connector 19">
+            <a:extLst>
+              <a:ext uri="{FF2B5EF4-FFF2-40B4-BE49-F238E27FC236}">
+                <a16:creationId xmlns:a16="http://schemas.microsoft.com/office/drawing/2014/main" id="{C8A90D10-7103-DA43-5331-93BCEBE01FCA}"/>
+              </a:ext>
+            </a:extLst>
+          </p:cNvPr>
+          <p:cNvCxnSpPr>
+            <a:stCxn id="18" idx="4"/>
+            <a:endCxn id="16" idx="1"/>
+          </p:cNvCxnSpPr>
+          <p:nvPr/>
+        </p:nvCxnSpPr>
+        <p:spPr>
+          <a:xfrm>
+            <a:off x="741655" y="2829224"/>
+            <a:ext cx="552394" cy="896990"/>
+          </a:xfrm>
+          <a:prstGeom prst="straightConnector1">
+            <a:avLst/>
+          </a:prstGeom>
+          <a:ln>
+            <a:tailEnd type="triangle"/>
+          </a:ln>
+        </p:spPr>
+        <p:style>
+          <a:lnRef idx="2">
+            <a:schemeClr val="dk1"/>
+          </a:lnRef>
+          <a:fillRef idx="0">
+            <a:schemeClr val="dk1"/>
+          </a:fillRef>
+          <a:effectRef idx="1">
+            <a:schemeClr val="dk1"/>
+          </a:effectRef>
+          <a:fontRef idx="minor">
+            <a:schemeClr val="tx1"/>
+          </a:fontRef>
+        </p:style>
+      </p:cxnSp>
+      <p:cxnSp>
+        <p:nvCxnSpPr>
+          <p:cNvPr id="22" name="Straight Arrow Connector 21">
+            <a:extLst>
+              <a:ext uri="{FF2B5EF4-FFF2-40B4-BE49-F238E27FC236}">
+                <a16:creationId xmlns:a16="http://schemas.microsoft.com/office/drawing/2014/main" id="{CA2C33A9-8AD2-1607-A15F-8B8C189A7A9C}"/>
+              </a:ext>
+            </a:extLst>
+          </p:cNvPr>
+          <p:cNvCxnSpPr>
+            <a:stCxn id="17" idx="4"/>
+            <a:endCxn id="16" idx="7"/>
+          </p:cNvCxnSpPr>
+          <p:nvPr/>
+        </p:nvCxnSpPr>
+        <p:spPr>
+          <a:xfrm flipH="1">
+            <a:off x="1645787" y="2829224"/>
+            <a:ext cx="534943" cy="896990"/>
+          </a:xfrm>
+          <a:prstGeom prst="straightConnector1">
+            <a:avLst/>
+          </a:prstGeom>
+          <a:ln>
+            <a:tailEnd type="triangle"/>
+          </a:ln>
+        </p:spPr>
+        <p:style>
+          <a:lnRef idx="2">
+            <a:schemeClr val="dk1"/>
+          </a:lnRef>
+          <a:fillRef idx="0">
+            <a:schemeClr val="dk1"/>
+          </a:fillRef>
+          <a:effectRef idx="1">
+            <a:schemeClr val="dk1"/>
+          </a:effectRef>
+          <a:fontRef idx="minor">
+            <a:schemeClr val="tx1"/>
+          </a:fontRef>
+        </p:style>
+      </p:cxnSp>
+      <p:cxnSp>
+        <p:nvCxnSpPr>
+          <p:cNvPr id="24" name="Straight Arrow Connector 23">
+            <a:extLst>
+              <a:ext uri="{FF2B5EF4-FFF2-40B4-BE49-F238E27FC236}">
+                <a16:creationId xmlns:a16="http://schemas.microsoft.com/office/drawing/2014/main" id="{AD692C02-FC2E-63C6-133B-6122A33BFEBF}"/>
+              </a:ext>
+            </a:extLst>
+          </p:cNvPr>
+          <p:cNvCxnSpPr>
+            <a:stCxn id="18" idx="6"/>
+            <a:endCxn id="17" idx="2"/>
+          </p:cNvCxnSpPr>
+          <p:nvPr/>
+        </p:nvCxnSpPr>
+        <p:spPr>
+          <a:xfrm>
+            <a:off x="990372" y="2580507"/>
+            <a:ext cx="941641" cy="0"/>
+          </a:xfrm>
+          <a:prstGeom prst="straightConnector1">
+            <a:avLst/>
+          </a:prstGeom>
+          <a:ln>
+            <a:tailEnd type="triangle"/>
+          </a:ln>
+        </p:spPr>
+        <p:style>
+          <a:lnRef idx="2">
+            <a:schemeClr val="dk1"/>
+          </a:lnRef>
+          <a:fillRef idx="0">
+            <a:schemeClr val="dk1"/>
+          </a:fillRef>
+          <a:effectRef idx="1">
+            <a:schemeClr val="dk1"/>
+          </a:effectRef>
+          <a:fontRef idx="minor">
+            <a:schemeClr val="tx1"/>
+          </a:fontRef>
+        </p:style>
+      </p:cxnSp>
+      <p:sp>
+        <p:nvSpPr>
+          <p:cNvPr id="25" name="Oval 24">
+            <a:extLst>
+              <a:ext uri="{FF2B5EF4-FFF2-40B4-BE49-F238E27FC236}">
+                <a16:creationId xmlns:a16="http://schemas.microsoft.com/office/drawing/2014/main" id="{EE13270B-0E2A-5CB6-1A98-0E789FC75473}"/>
+              </a:ext>
+            </a:extLst>
+          </p:cNvPr>
+          <p:cNvSpPr/>
+          <p:nvPr/>
+        </p:nvSpPr>
+        <p:spPr>
+          <a:xfrm>
+            <a:off x="4326156" y="3653366"/>
+            <a:ext cx="497434" cy="497434"/>
+          </a:xfrm>
+          <a:prstGeom prst="ellipse">
+            <a:avLst/>
+          </a:prstGeom>
+        </p:spPr>
+        <p:style>
+          <a:lnRef idx="2">
+            <a:schemeClr val="dk1"/>
+          </a:lnRef>
+          <a:fillRef idx="1">
+            <a:schemeClr val="lt1"/>
+          </a:fillRef>
+          <a:effectRef idx="0">
+            <a:schemeClr val="dk1"/>
+          </a:effectRef>
+          <a:fontRef idx="minor">
+            <a:schemeClr val="dk1"/>
+          </a:fontRef>
+        </p:style>
+        <p:txBody>
+          <a:bodyPr rtlCol="0" anchor="ctr"/>
+          <a:lstStyle/>
+          <a:p>
+            <a:pPr algn="ctr"/>
+            <a:r>
+              <a:rPr lang="en-US" dirty="0">
+                <a:latin typeface="Cambria Math" panose="02040503050406030204" pitchFamily="18" charset="0"/>
+                <a:ea typeface="Cambria Math" panose="02040503050406030204" pitchFamily="18" charset="0"/>
+              </a:rPr>
+              <a:t>y</a:t>
+            </a:r>
+          </a:p>
+        </p:txBody>
+      </p:sp>
+      <p:sp>
+        <p:nvSpPr>
+          <p:cNvPr id="26" name="Oval 25">
+            <a:extLst>
+              <a:ext uri="{FF2B5EF4-FFF2-40B4-BE49-F238E27FC236}">
+                <a16:creationId xmlns:a16="http://schemas.microsoft.com/office/drawing/2014/main" id="{64011E6F-5508-64D3-DACC-1E38D573B7CD}"/>
+              </a:ext>
+            </a:extLst>
+          </p:cNvPr>
+          <p:cNvSpPr/>
+          <p:nvPr/>
+        </p:nvSpPr>
+        <p:spPr>
+          <a:xfrm>
+            <a:off x="5036968" y="2331790"/>
+            <a:ext cx="497434" cy="497434"/>
+          </a:xfrm>
+          <a:prstGeom prst="ellipse">
+            <a:avLst/>
+          </a:prstGeom>
+        </p:spPr>
+        <p:style>
+          <a:lnRef idx="2">
+            <a:schemeClr val="dk1"/>
+          </a:lnRef>
+          <a:fillRef idx="1">
+            <a:schemeClr val="lt1"/>
+          </a:fillRef>
+          <a:effectRef idx="0">
+            <a:schemeClr val="dk1"/>
+          </a:effectRef>
+          <a:fontRef idx="minor">
+            <a:schemeClr val="dk1"/>
+          </a:fontRef>
+        </p:style>
+        <p:txBody>
+          <a:bodyPr rtlCol="0" anchor="ctr"/>
+          <a:lstStyle/>
+          <a:p>
+            <a:pPr algn="ctr"/>
+            <a:r>
+              <a:rPr lang="en-US" dirty="0">
+                <a:latin typeface="Cambria Math" panose="02040503050406030204" pitchFamily="18" charset="0"/>
+                <a:ea typeface="Cambria Math" panose="02040503050406030204" pitchFamily="18" charset="0"/>
+              </a:rPr>
+              <a:t>x</a:t>
+            </a:r>
+          </a:p>
+        </p:txBody>
+      </p:sp>
+      <p:sp>
+        <p:nvSpPr>
+          <p:cNvPr id="27" name="Oval 26">
+            <a:extLst>
+              <a:ext uri="{FF2B5EF4-FFF2-40B4-BE49-F238E27FC236}">
+                <a16:creationId xmlns:a16="http://schemas.microsoft.com/office/drawing/2014/main" id="{1CAD0BC5-2104-8E46-1969-90350466285F}"/>
+              </a:ext>
+            </a:extLst>
+          </p:cNvPr>
+          <p:cNvSpPr/>
+          <p:nvPr/>
+        </p:nvSpPr>
+        <p:spPr>
+          <a:xfrm>
+            <a:off x="3597893" y="2331790"/>
+            <a:ext cx="497434" cy="497434"/>
+          </a:xfrm>
+          <a:prstGeom prst="ellipse">
+            <a:avLst/>
+          </a:prstGeom>
+        </p:spPr>
+        <p:style>
+          <a:lnRef idx="2">
+            <a:schemeClr val="dk1"/>
+          </a:lnRef>
+          <a:fillRef idx="1">
+            <a:schemeClr val="lt1"/>
+          </a:fillRef>
+          <a:effectRef idx="0">
+            <a:schemeClr val="dk1"/>
+          </a:effectRef>
+          <a:fontRef idx="minor">
+            <a:schemeClr val="dk1"/>
+          </a:fontRef>
+        </p:style>
+        <p:txBody>
+          <a:bodyPr rtlCol="0" anchor="ctr"/>
+          <a:lstStyle/>
+          <a:p>
+            <a:pPr algn="ctr"/>
+            <a:r>
+              <a:rPr lang="en-US" dirty="0">
+                <a:latin typeface="Cambria Math" panose="02040503050406030204" pitchFamily="18" charset="0"/>
+                <a:ea typeface="Cambria Math" panose="02040503050406030204" pitchFamily="18" charset="0"/>
+              </a:rPr>
+              <a:t>k</a:t>
+            </a:r>
+          </a:p>
+        </p:txBody>
+      </p:sp>
+      <p:cxnSp>
+        <p:nvCxnSpPr>
+          <p:cNvPr id="28" name="Straight Arrow Connector 27">
+            <a:extLst>
+              <a:ext uri="{FF2B5EF4-FFF2-40B4-BE49-F238E27FC236}">
+                <a16:creationId xmlns:a16="http://schemas.microsoft.com/office/drawing/2014/main" id="{B9A0BF98-A3BD-63D7-9C6A-FE0F42860A15}"/>
+              </a:ext>
+            </a:extLst>
+          </p:cNvPr>
+          <p:cNvCxnSpPr>
+            <a:stCxn id="27" idx="4"/>
+            <a:endCxn id="25" idx="1"/>
+          </p:cNvCxnSpPr>
+          <p:nvPr/>
+        </p:nvCxnSpPr>
+        <p:spPr>
+          <a:xfrm>
+            <a:off x="3846610" y="2829224"/>
+            <a:ext cx="552394" cy="896990"/>
+          </a:xfrm>
+          <a:prstGeom prst="straightConnector1">
+            <a:avLst/>
+          </a:prstGeom>
+          <a:ln>
+            <a:prstDash val="dash"/>
+            <a:tailEnd type="triangle"/>
+          </a:ln>
+        </p:spPr>
+        <p:style>
+          <a:lnRef idx="2">
+            <a:schemeClr val="dk1"/>
+          </a:lnRef>
+          <a:fillRef idx="0">
+            <a:schemeClr val="dk1"/>
+          </a:fillRef>
+          <a:effectRef idx="1">
+            <a:schemeClr val="dk1"/>
+          </a:effectRef>
+          <a:fontRef idx="minor">
+            <a:schemeClr val="tx1"/>
+          </a:fontRef>
+        </p:style>
+      </p:cxnSp>
+      <p:cxnSp>
+        <p:nvCxnSpPr>
+          <p:cNvPr id="29" name="Straight Arrow Connector 28">
+            <a:extLst>
+              <a:ext uri="{FF2B5EF4-FFF2-40B4-BE49-F238E27FC236}">
+                <a16:creationId xmlns:a16="http://schemas.microsoft.com/office/drawing/2014/main" id="{12760151-7D6E-68F9-B0F7-27918A64ED0B}"/>
+              </a:ext>
+            </a:extLst>
+          </p:cNvPr>
+          <p:cNvCxnSpPr>
+            <a:stCxn id="26" idx="4"/>
+            <a:endCxn id="25" idx="7"/>
+          </p:cNvCxnSpPr>
+          <p:nvPr/>
+        </p:nvCxnSpPr>
+        <p:spPr>
+          <a:xfrm flipH="1">
+            <a:off x="4750742" y="2829224"/>
+            <a:ext cx="534943" cy="896990"/>
+          </a:xfrm>
+          <a:prstGeom prst="straightConnector1">
+            <a:avLst/>
+          </a:prstGeom>
+          <a:ln>
+            <a:tailEnd type="triangle"/>
+          </a:ln>
+        </p:spPr>
+        <p:style>
+          <a:lnRef idx="2">
+            <a:schemeClr val="dk1"/>
+          </a:lnRef>
+          <a:fillRef idx="0">
+            <a:schemeClr val="dk1"/>
+          </a:fillRef>
+          <a:effectRef idx="1">
+            <a:schemeClr val="dk1"/>
+          </a:effectRef>
+          <a:fontRef idx="minor">
+            <a:schemeClr val="tx1"/>
+          </a:fontRef>
+        </p:style>
+      </p:cxnSp>
+      <p:cxnSp>
+        <p:nvCxnSpPr>
+          <p:cNvPr id="30" name="Straight Arrow Connector 29">
+            <a:extLst>
+              <a:ext uri="{FF2B5EF4-FFF2-40B4-BE49-F238E27FC236}">
+                <a16:creationId xmlns:a16="http://schemas.microsoft.com/office/drawing/2014/main" id="{1BFEB49D-FE93-2888-C48C-D3BA3F370D5D}"/>
+              </a:ext>
+            </a:extLst>
+          </p:cNvPr>
+          <p:cNvCxnSpPr>
+            <a:stCxn id="27" idx="6"/>
+            <a:endCxn id="26" idx="2"/>
+          </p:cNvCxnSpPr>
+          <p:nvPr/>
+        </p:nvCxnSpPr>
+        <p:spPr>
+          <a:xfrm>
+            <a:off x="4095327" y="2580507"/>
+            <a:ext cx="941641" cy="0"/>
+          </a:xfrm>
+          <a:prstGeom prst="straightConnector1">
+            <a:avLst/>
+          </a:prstGeom>
+          <a:ln>
+            <a:prstDash val="dash"/>
+            <a:tailEnd type="triangle"/>
+          </a:ln>
+        </p:spPr>
+        <p:style>
+          <a:lnRef idx="2">
+            <a:schemeClr val="dk1"/>
+          </a:lnRef>
+          <a:fillRef idx="0">
+            <a:schemeClr val="dk1"/>
+          </a:fillRef>
+          <a:effectRef idx="1">
+            <a:schemeClr val="dk1"/>
+          </a:effectRef>
+          <a:fontRef idx="minor">
+            <a:schemeClr val="tx1"/>
+          </a:fontRef>
+        </p:style>
+      </p:cxnSp>
+      <p:sp>
+        <p:nvSpPr>
+          <p:cNvPr id="31" name="Oval 30">
+            <a:extLst>
+              <a:ext uri="{FF2B5EF4-FFF2-40B4-BE49-F238E27FC236}">
+                <a16:creationId xmlns:a16="http://schemas.microsoft.com/office/drawing/2014/main" id="{0D0AE1D4-B1C4-5218-706F-648E7A374C87}"/>
+              </a:ext>
+            </a:extLst>
+          </p:cNvPr>
+          <p:cNvSpPr/>
+          <p:nvPr/>
+        </p:nvSpPr>
+        <p:spPr>
+          <a:xfrm>
+            <a:off x="7679829" y="3653366"/>
+            <a:ext cx="497434" cy="497434"/>
+          </a:xfrm>
+          <a:prstGeom prst="ellipse">
+            <a:avLst/>
+          </a:prstGeom>
+        </p:spPr>
+        <p:style>
+          <a:lnRef idx="2">
+            <a:schemeClr val="dk1"/>
+          </a:lnRef>
+          <a:fillRef idx="1">
+            <a:schemeClr val="lt1"/>
+          </a:fillRef>
+          <a:effectRef idx="0">
+            <a:schemeClr val="dk1"/>
+          </a:effectRef>
+          <a:fontRef idx="minor">
+            <a:schemeClr val="dk1"/>
+          </a:fontRef>
+        </p:style>
+        <p:txBody>
+          <a:bodyPr rtlCol="0" anchor="ctr"/>
+          <a:lstStyle/>
+          <a:p>
+            <a:pPr algn="ctr"/>
+            <a:r>
+              <a:rPr lang="en-US" dirty="0">
+                <a:latin typeface="Cambria Math" panose="02040503050406030204" pitchFamily="18" charset="0"/>
+                <a:ea typeface="Cambria Math" panose="02040503050406030204" pitchFamily="18" charset="0"/>
+              </a:rPr>
+              <a:t>y</a:t>
+            </a:r>
+          </a:p>
+        </p:txBody>
+      </p:sp>
+      <p:sp>
+        <p:nvSpPr>
+          <p:cNvPr id="32" name="Oval 31">
+            <a:extLst>
+              <a:ext uri="{FF2B5EF4-FFF2-40B4-BE49-F238E27FC236}">
+                <a16:creationId xmlns:a16="http://schemas.microsoft.com/office/drawing/2014/main" id="{F022962E-966B-6649-4EE9-A04994A06CFE}"/>
+              </a:ext>
+            </a:extLst>
+          </p:cNvPr>
+          <p:cNvSpPr/>
+          <p:nvPr/>
+        </p:nvSpPr>
+        <p:spPr>
+          <a:xfrm>
+            <a:off x="8390641" y="2331790"/>
+            <a:ext cx="497434" cy="497434"/>
+          </a:xfrm>
+          <a:prstGeom prst="ellipse">
+            <a:avLst/>
+          </a:prstGeom>
+        </p:spPr>
+        <p:style>
+          <a:lnRef idx="2">
+            <a:schemeClr val="dk1"/>
+          </a:lnRef>
+          <a:fillRef idx="1">
+            <a:schemeClr val="lt1"/>
+          </a:fillRef>
+          <a:effectRef idx="0">
+            <a:schemeClr val="dk1"/>
+          </a:effectRef>
+          <a:fontRef idx="minor">
+            <a:schemeClr val="dk1"/>
+          </a:fontRef>
+        </p:style>
+        <p:txBody>
+          <a:bodyPr rtlCol="0" anchor="ctr"/>
+          <a:lstStyle/>
+          <a:p>
+            <a:pPr algn="ctr"/>
+            <a:r>
+              <a:rPr lang="en-US" dirty="0">
+                <a:latin typeface="Cambria Math" panose="02040503050406030204" pitchFamily="18" charset="0"/>
+                <a:ea typeface="Cambria Math" panose="02040503050406030204" pitchFamily="18" charset="0"/>
+              </a:rPr>
+              <a:t>x</a:t>
+            </a:r>
+          </a:p>
+        </p:txBody>
+      </p:sp>
+      <p:sp>
+        <p:nvSpPr>
+          <p:cNvPr id="33" name="Oval 32">
+            <a:extLst>
+              <a:ext uri="{FF2B5EF4-FFF2-40B4-BE49-F238E27FC236}">
+                <a16:creationId xmlns:a16="http://schemas.microsoft.com/office/drawing/2014/main" id="{713B8A2A-5BC6-54BF-BC58-21B86A9190FA}"/>
+              </a:ext>
+            </a:extLst>
+          </p:cNvPr>
+          <p:cNvSpPr/>
+          <p:nvPr/>
+        </p:nvSpPr>
+        <p:spPr>
+          <a:xfrm>
+            <a:off x="6951566" y="2331790"/>
+            <a:ext cx="497434" cy="497434"/>
+          </a:xfrm>
+          <a:prstGeom prst="ellipse">
+            <a:avLst/>
+          </a:prstGeom>
+        </p:spPr>
+        <p:style>
+          <a:lnRef idx="2">
+            <a:schemeClr val="dk1"/>
+          </a:lnRef>
+          <a:fillRef idx="1">
+            <a:schemeClr val="lt1"/>
+          </a:fillRef>
+          <a:effectRef idx="0">
+            <a:schemeClr val="dk1"/>
+          </a:effectRef>
+          <a:fontRef idx="minor">
+            <a:schemeClr val="dk1"/>
+          </a:fontRef>
+        </p:style>
+        <p:txBody>
+          <a:bodyPr rtlCol="0" anchor="ctr"/>
+          <a:lstStyle/>
+          <a:p>
+            <a:pPr algn="ctr"/>
+            <a:r>
+              <a:rPr lang="en-US" dirty="0">
+                <a:latin typeface="Cambria Math" panose="02040503050406030204" pitchFamily="18" charset="0"/>
+                <a:ea typeface="Cambria Math" panose="02040503050406030204" pitchFamily="18" charset="0"/>
+              </a:rPr>
+              <a:t>k</a:t>
+            </a:r>
+          </a:p>
+        </p:txBody>
+      </p:sp>
+      <p:cxnSp>
+        <p:nvCxnSpPr>
+          <p:cNvPr id="34" name="Straight Arrow Connector 33">
+            <a:extLst>
+              <a:ext uri="{FF2B5EF4-FFF2-40B4-BE49-F238E27FC236}">
+                <a16:creationId xmlns:a16="http://schemas.microsoft.com/office/drawing/2014/main" id="{C647834D-3839-1FB2-E1EA-65502B5B4882}"/>
+              </a:ext>
+            </a:extLst>
+          </p:cNvPr>
+          <p:cNvCxnSpPr>
+            <a:stCxn id="33" idx="4"/>
+            <a:endCxn id="31" idx="1"/>
+          </p:cNvCxnSpPr>
+          <p:nvPr/>
+        </p:nvCxnSpPr>
+        <p:spPr>
+          <a:xfrm>
+            <a:off x="7200283" y="2829224"/>
+            <a:ext cx="552394" cy="896990"/>
+          </a:xfrm>
+          <a:prstGeom prst="straightConnector1">
+            <a:avLst/>
+          </a:prstGeom>
+          <a:ln>
+            <a:prstDash val="dash"/>
+            <a:tailEnd type="triangle"/>
+          </a:ln>
+        </p:spPr>
+        <p:style>
+          <a:lnRef idx="2">
+            <a:schemeClr val="dk1"/>
+          </a:lnRef>
+          <a:fillRef idx="0">
+            <a:schemeClr val="dk1"/>
+          </a:fillRef>
+          <a:effectRef idx="1">
+            <a:schemeClr val="dk1"/>
+          </a:effectRef>
+          <a:fontRef idx="minor">
+            <a:schemeClr val="tx1"/>
+          </a:fontRef>
+        </p:style>
+      </p:cxnSp>
+      <p:cxnSp>
+        <p:nvCxnSpPr>
+          <p:cNvPr id="35" name="Straight Arrow Connector 34">
+            <a:extLst>
+              <a:ext uri="{FF2B5EF4-FFF2-40B4-BE49-F238E27FC236}">
+                <a16:creationId xmlns:a16="http://schemas.microsoft.com/office/drawing/2014/main" id="{4CAA0212-6A3E-5528-9ED8-1CFAA2325889}"/>
+              </a:ext>
+            </a:extLst>
+          </p:cNvPr>
+          <p:cNvCxnSpPr>
+            <a:stCxn id="32" idx="4"/>
+            <a:endCxn id="31" idx="7"/>
+          </p:cNvCxnSpPr>
+          <p:nvPr/>
+        </p:nvCxnSpPr>
+        <p:spPr>
+          <a:xfrm flipH="1">
+            <a:off x="8104415" y="2829224"/>
+            <a:ext cx="534943" cy="896990"/>
+          </a:xfrm>
+          <a:prstGeom prst="straightConnector1">
+            <a:avLst/>
+          </a:prstGeom>
+          <a:ln>
+            <a:prstDash val="dash"/>
+            <a:tailEnd type="triangle"/>
+          </a:ln>
+        </p:spPr>
+        <p:style>
+          <a:lnRef idx="2">
+            <a:schemeClr val="dk1"/>
+          </a:lnRef>
+          <a:fillRef idx="0">
+            <a:schemeClr val="dk1"/>
+          </a:fillRef>
+          <a:effectRef idx="1">
+            <a:schemeClr val="dk1"/>
+          </a:effectRef>
+          <a:fontRef idx="minor">
+            <a:schemeClr val="tx1"/>
+          </a:fontRef>
+        </p:style>
+      </p:cxnSp>
+      <p:cxnSp>
+        <p:nvCxnSpPr>
+          <p:cNvPr id="36" name="Straight Arrow Connector 35">
+            <a:extLst>
+              <a:ext uri="{FF2B5EF4-FFF2-40B4-BE49-F238E27FC236}">
+                <a16:creationId xmlns:a16="http://schemas.microsoft.com/office/drawing/2014/main" id="{57AAB7DA-F8FB-FE29-1BC5-F6B4647D82C5}"/>
+              </a:ext>
+            </a:extLst>
+          </p:cNvPr>
+          <p:cNvCxnSpPr>
+            <a:stCxn id="33" idx="6"/>
+            <a:endCxn id="32" idx="2"/>
+          </p:cNvCxnSpPr>
+          <p:nvPr/>
+        </p:nvCxnSpPr>
+        <p:spPr>
+          <a:xfrm>
+            <a:off x="7449000" y="2580507"/>
+            <a:ext cx="941641" cy="0"/>
+          </a:xfrm>
+          <a:prstGeom prst="straightConnector1">
+            <a:avLst/>
+          </a:prstGeom>
+          <a:ln>
+            <a:prstDash val="dash"/>
+            <a:tailEnd type="triangle"/>
+          </a:ln>
+        </p:spPr>
+        <p:style>
+          <a:lnRef idx="2">
+            <a:schemeClr val="dk1"/>
+          </a:lnRef>
+          <a:fillRef idx="0">
+            <a:schemeClr val="dk1"/>
+          </a:fillRef>
+          <a:effectRef idx="1">
+            <a:schemeClr val="dk1"/>
+          </a:effectRef>
+          <a:fontRef idx="minor">
+            <a:schemeClr val="tx1"/>
+          </a:fontRef>
+        </p:style>
+      </p:cxnSp>
+      <p:sp>
+        <p:nvSpPr>
+          <p:cNvPr id="37" name="Arrow: Right 36">
+            <a:extLst>
+              <a:ext uri="{FF2B5EF4-FFF2-40B4-BE49-F238E27FC236}">
+                <a16:creationId xmlns:a16="http://schemas.microsoft.com/office/drawing/2014/main" id="{290727A3-7108-824C-BB91-B0EE55D658B4}"/>
+              </a:ext>
+            </a:extLst>
+          </p:cNvPr>
+          <p:cNvSpPr/>
+          <p:nvPr/>
+        </p:nvSpPr>
+        <p:spPr>
+          <a:xfrm>
+            <a:off x="2429447" y="3148049"/>
+            <a:ext cx="1168446" cy="439749"/>
+          </a:xfrm>
+          <a:prstGeom prst="rightArrow">
+            <a:avLst/>
+          </a:prstGeom>
+        </p:spPr>
+        <p:style>
+          <a:lnRef idx="2">
+            <a:schemeClr val="dk1"/>
+          </a:lnRef>
+          <a:fillRef idx="1">
+            <a:schemeClr val="lt1"/>
+          </a:fillRef>
+          <a:effectRef idx="0">
+            <a:schemeClr val="dk1"/>
+          </a:effectRef>
+          <a:fontRef idx="minor">
+            <a:schemeClr val="dk1"/>
+          </a:fontRef>
+        </p:style>
+        <p:txBody>
+          <a:bodyPr rtlCol="0" anchor="ctr"/>
+          <a:lstStyle/>
+          <a:p>
+            <a:pPr algn="ctr"/>
+            <a:endParaRPr lang="en-US"/>
+          </a:p>
+        </p:txBody>
+      </p:sp>
+      <p:sp>
+        <p:nvSpPr>
+          <p:cNvPr id="38" name="TextBox 37">
+            <a:extLst>
+              <a:ext uri="{FF2B5EF4-FFF2-40B4-BE49-F238E27FC236}">
+                <a16:creationId xmlns:a16="http://schemas.microsoft.com/office/drawing/2014/main" id="{DED8405B-2369-0903-6351-C55CA13A5848}"/>
+              </a:ext>
+            </a:extLst>
+          </p:cNvPr>
+          <p:cNvSpPr txBox="1"/>
+          <p:nvPr/>
+        </p:nvSpPr>
+        <p:spPr>
+          <a:xfrm>
+            <a:off x="2331087" y="2829224"/>
+            <a:ext cx="1365166" cy="369332"/>
+          </a:xfrm>
+          <a:prstGeom prst="rect">
+            <a:avLst/>
+          </a:prstGeom>
+          <a:noFill/>
+        </p:spPr>
+        <p:txBody>
+          <a:bodyPr wrap="square" rtlCol="0">
+            <a:spAutoFit/>
+          </a:bodyPr>
+          <a:lstStyle/>
+          <a:p>
+            <a:r>
+              <a:rPr lang="zh-CN" altLang="en-US" dirty="0"/>
+              <a:t>恢复</a:t>
+            </a:r>
+            <a:r>
+              <a:rPr lang="en-US" altLang="zh-CN" dirty="0">
+                <a:latin typeface="Cambria Math" panose="02040503050406030204" pitchFamily="18" charset="0"/>
+                <a:ea typeface="Cambria Math" panose="02040503050406030204" pitchFamily="18" charset="0"/>
+              </a:rPr>
+              <a:t>k</a:t>
+            </a:r>
+            <a:r>
+              <a:rPr lang="zh-CN" altLang="en-US" dirty="0"/>
+              <a:t>赋值</a:t>
+            </a:r>
+            <a:endParaRPr lang="en-US" dirty="0"/>
+          </a:p>
+        </p:txBody>
+      </p:sp>
+      <p:sp>
+        <p:nvSpPr>
+          <p:cNvPr id="39" name="Arrow: Right 38">
+            <a:extLst>
+              <a:ext uri="{FF2B5EF4-FFF2-40B4-BE49-F238E27FC236}">
+                <a16:creationId xmlns:a16="http://schemas.microsoft.com/office/drawing/2014/main" id="{893C1B2C-8F64-45D2-9F80-28636352F6D1}"/>
+              </a:ext>
+            </a:extLst>
+          </p:cNvPr>
+          <p:cNvSpPr/>
+          <p:nvPr/>
+        </p:nvSpPr>
+        <p:spPr>
+          <a:xfrm>
+            <a:off x="5681333" y="3170734"/>
+            <a:ext cx="1168446" cy="439749"/>
+          </a:xfrm>
+          <a:prstGeom prst="rightArrow">
+            <a:avLst/>
+          </a:prstGeom>
+        </p:spPr>
+        <p:style>
+          <a:lnRef idx="2">
+            <a:schemeClr val="dk1"/>
+          </a:lnRef>
+          <a:fillRef idx="1">
+            <a:schemeClr val="lt1"/>
+          </a:fillRef>
+          <a:effectRef idx="0">
+            <a:schemeClr val="dk1"/>
+          </a:effectRef>
+          <a:fontRef idx="minor">
+            <a:schemeClr val="dk1"/>
+          </a:fontRef>
+        </p:style>
+        <p:txBody>
+          <a:bodyPr rtlCol="0" anchor="ctr"/>
+          <a:lstStyle/>
+          <a:p>
+            <a:pPr algn="ctr"/>
+            <a:endParaRPr lang="en-US"/>
+          </a:p>
+        </p:txBody>
+      </p:sp>
+      <p:sp>
+        <p:nvSpPr>
+          <p:cNvPr id="40" name="TextBox 39">
+            <a:extLst>
+              <a:ext uri="{FF2B5EF4-FFF2-40B4-BE49-F238E27FC236}">
+                <a16:creationId xmlns:a16="http://schemas.microsoft.com/office/drawing/2014/main" id="{78F0BEA4-C02C-341D-3822-B8D7850DF036}"/>
+              </a:ext>
+            </a:extLst>
+          </p:cNvPr>
+          <p:cNvSpPr txBox="1"/>
+          <p:nvPr/>
+        </p:nvSpPr>
+        <p:spPr>
+          <a:xfrm>
+            <a:off x="5582973" y="2851909"/>
+            <a:ext cx="1365166" cy="369332"/>
+          </a:xfrm>
+          <a:prstGeom prst="rect">
+            <a:avLst/>
+          </a:prstGeom>
+          <a:noFill/>
+        </p:spPr>
+        <p:txBody>
+          <a:bodyPr wrap="square" rtlCol="0">
+            <a:spAutoFit/>
+          </a:bodyPr>
+          <a:lstStyle/>
+          <a:p>
+            <a:r>
+              <a:rPr lang="zh-CN" altLang="en-US" dirty="0"/>
+              <a:t>恢复</a:t>
+            </a:r>
+            <a:r>
+              <a:rPr lang="en-US" altLang="zh-CN" dirty="0">
+                <a:latin typeface="Cambria Math" panose="02040503050406030204" pitchFamily="18" charset="0"/>
+                <a:ea typeface="Cambria Math" panose="02040503050406030204" pitchFamily="18" charset="0"/>
+              </a:rPr>
+              <a:t>x</a:t>
+            </a:r>
+            <a:r>
+              <a:rPr lang="zh-CN" altLang="en-US" dirty="0"/>
+              <a:t>赋值</a:t>
+            </a:r>
+            <a:endParaRPr lang="en-US" dirty="0"/>
+          </a:p>
+        </p:txBody>
+      </p:sp>
+    </p:spTree>
+    <p:extLst>
+      <p:ext uri="{BB962C8B-B14F-4D97-AF65-F5344CB8AC3E}">
+        <p14:creationId xmlns:p14="http://schemas.microsoft.com/office/powerpoint/2010/main" val="403385297"/>
       </p:ext>
     </p:extLst>
   </p:cSld>
